--- a/1.pptx
+++ b/1.pptx
@@ -1,19 +1,28 @@
 
 <file path=ppt/presentation.xml><?xml version="1.0" encoding="utf-8"?>
-<p:presentation xmlns:a="http://schemas.openxmlformats.org/drawingml/2006/main" xmlns:r="http://schemas.openxmlformats.org/officeDocument/2006/relationships" xmlns:p="http://schemas.openxmlformats.org/presentationml/2006/main" saveSubsetFonts="1" autoCompressPictures="0">
+<p:presentation xmlns:a="http://schemas.openxmlformats.org/drawingml/2006/main" xmlns:r="http://schemas.openxmlformats.org/officeDocument/2006/relationships" xmlns:p="http://schemas.openxmlformats.org/presentationml/2006/main">
   <p:sldMasterIdLst>
-    <p:sldMasterId id="2147483648" r:id="rId4"/>
+    <p:sldMasterId id="2147483654" r:id="rId4"/>
   </p:sldMasterIdLst>
+  <p:notesMasterIdLst>
+    <p:notesMasterId r:id="rId6"/>
+  </p:notesMasterIdLst>
+  <p:handoutMasterIdLst>
+    <p:handoutMasterId r:id="rId7"/>
+  </p:handoutMasterIdLst>
   <p:sldIdLst>
-    <p:sldId id="257" r:id="rId5"/>
+    <p:sldId id="1067" r:id="rId5"/>
   </p:sldIdLst>
-  <p:sldSz cx="12192000" cy="6858000"/>
-  <p:notesSz cx="6858000" cy="9144000"/>
+  <p:sldSz cx="15125700" cy="8705850"/>
+  <p:notesSz cx="10020300" cy="6888163"/>
+  <p:custDataLst>
+    <p:tags r:id="rId8"/>
+  </p:custDataLst>
   <p:defaultTextStyle>
     <a:defPPr>
-      <a:defRPr lang="zh-CN"/>
+      <a:defRPr lang="en-US"/>
     </a:defPPr>
-    <a:lvl1pPr marL="0" algn="l" defTabSz="914400" rtl="0" eaLnBrk="1" latinLnBrk="0" hangingPunct="1">
+    <a:lvl1pPr marL="0" algn="l" defTabSz="457200" rtl="0" eaLnBrk="1" latinLnBrk="0" hangingPunct="1">
       <a:defRPr sz="1800" kern="1200">
         <a:solidFill>
           <a:schemeClr val="tx1"/>
@@ -23,7 +32,7 @@
         <a:cs typeface="+mn-cs"/>
       </a:defRPr>
     </a:lvl1pPr>
-    <a:lvl2pPr marL="457200" algn="l" defTabSz="914400" rtl="0" eaLnBrk="1" latinLnBrk="0" hangingPunct="1">
+    <a:lvl2pPr marL="457200" algn="l" defTabSz="457200" rtl="0" eaLnBrk="1" latinLnBrk="0" hangingPunct="1">
       <a:defRPr sz="1800" kern="1200">
         <a:solidFill>
           <a:schemeClr val="tx1"/>
@@ -33,7 +42,7 @@
         <a:cs typeface="+mn-cs"/>
       </a:defRPr>
     </a:lvl2pPr>
-    <a:lvl3pPr marL="914400" algn="l" defTabSz="914400" rtl="0" eaLnBrk="1" latinLnBrk="0" hangingPunct="1">
+    <a:lvl3pPr marL="914400" algn="l" defTabSz="457200" rtl="0" eaLnBrk="1" latinLnBrk="0" hangingPunct="1">
       <a:defRPr sz="1800" kern="1200">
         <a:solidFill>
           <a:schemeClr val="tx1"/>
@@ -43,7 +52,7 @@
         <a:cs typeface="+mn-cs"/>
       </a:defRPr>
     </a:lvl3pPr>
-    <a:lvl4pPr marL="1371600" algn="l" defTabSz="914400" rtl="0" eaLnBrk="1" latinLnBrk="0" hangingPunct="1">
+    <a:lvl4pPr marL="1371600" algn="l" defTabSz="457200" rtl="0" eaLnBrk="1" latinLnBrk="0" hangingPunct="1">
       <a:defRPr sz="1800" kern="1200">
         <a:solidFill>
           <a:schemeClr val="tx1"/>
@@ -53,7 +62,7 @@
         <a:cs typeface="+mn-cs"/>
       </a:defRPr>
     </a:lvl4pPr>
-    <a:lvl5pPr marL="1828800" algn="l" defTabSz="914400" rtl="0" eaLnBrk="1" latinLnBrk="0" hangingPunct="1">
+    <a:lvl5pPr marL="1828800" algn="l" defTabSz="457200" rtl="0" eaLnBrk="1" latinLnBrk="0" hangingPunct="1">
       <a:defRPr sz="1800" kern="1200">
         <a:solidFill>
           <a:schemeClr val="tx1"/>
@@ -63,7 +72,7 @@
         <a:cs typeface="+mn-cs"/>
       </a:defRPr>
     </a:lvl5pPr>
-    <a:lvl6pPr marL="2286000" algn="l" defTabSz="914400" rtl="0" eaLnBrk="1" latinLnBrk="0" hangingPunct="1">
+    <a:lvl6pPr marL="2286000" algn="l" defTabSz="457200" rtl="0" eaLnBrk="1" latinLnBrk="0" hangingPunct="1">
       <a:defRPr sz="1800" kern="1200">
         <a:solidFill>
           <a:schemeClr val="tx1"/>
@@ -73,7 +82,7 @@
         <a:cs typeface="+mn-cs"/>
       </a:defRPr>
     </a:lvl6pPr>
-    <a:lvl7pPr marL="2743200" algn="l" defTabSz="914400" rtl="0" eaLnBrk="1" latinLnBrk="0" hangingPunct="1">
+    <a:lvl7pPr marL="2743200" algn="l" defTabSz="457200" rtl="0" eaLnBrk="1" latinLnBrk="0" hangingPunct="1">
       <a:defRPr sz="1800" kern="1200">
         <a:solidFill>
           <a:schemeClr val="tx1"/>
@@ -83,7 +92,7 @@
         <a:cs typeface="+mn-cs"/>
       </a:defRPr>
     </a:lvl7pPr>
-    <a:lvl8pPr marL="3200400" algn="l" defTabSz="914400" rtl="0" eaLnBrk="1" latinLnBrk="0" hangingPunct="1">
+    <a:lvl8pPr marL="3200400" algn="l" defTabSz="457200" rtl="0" eaLnBrk="1" latinLnBrk="0" hangingPunct="1">
       <a:defRPr sz="1800" kern="1200">
         <a:solidFill>
           <a:schemeClr val="tx1"/>
@@ -93,7 +102,7 @@
         <a:cs typeface="+mn-cs"/>
       </a:defRPr>
     </a:lvl8pPr>
-    <a:lvl9pPr marL="3657600" algn="l" defTabSz="914400" rtl="0" eaLnBrk="1" latinLnBrk="0" hangingPunct="1">
+    <a:lvl9pPr marL="3657600" algn="l" defTabSz="457200" rtl="0" eaLnBrk="1" latinLnBrk="0" hangingPunct="1">
       <a:defRPr sz="1800" kern="1200">
         <a:solidFill>
           <a:schemeClr val="tx1"/>
@@ -106,7 +115,21 @@
   </p:defaultTextStyle>
   <p:extLst>
     <p:ext uri="{EFAFB233-063F-42B5-8137-9DF3F51BA10A}">
-      <p15:sldGuideLst xmlns:p15="http://schemas.microsoft.com/office/powerpoint/2012/main"/>
+      <p15:sldGuideLst xmlns:p15="http://schemas.microsoft.com/office/powerpoint/2012/main">
+        <p15:guide id="1" orient="horz" pos="2880" userDrawn="1">
+          <p15:clr>
+            <a:srgbClr val="A4A3A4"/>
+          </p15:clr>
+        </p15:guide>
+        <p15:guide id="2" pos="2160" userDrawn="1">
+          <p15:clr>
+            <a:srgbClr val="A4A3A4"/>
+          </p15:clr>
+        </p15:guide>
+      </p15:sldGuideLst>
+    </p:ext>
+    <p:ext uri="{2D200454-40CA-4A62-9FC3-DE9A4176ACB9}">
+      <p15:notesGuideLst xmlns:p15="http://schemas.microsoft.com/office/powerpoint/2012/main"/>
     </p:ext>
   </p:extLst>
 </p:presentation>
@@ -115,7 +138,7 @@
 <file path=ppt/revisionInfo.xml><?xml version="1.0" encoding="utf-8"?>
 <p1510:revInfo xmlns:a="http://schemas.openxmlformats.org/drawingml/2006/main" xmlns:r="http://schemas.openxmlformats.org/officeDocument/2006/relationships" xmlns:p1510="http://schemas.microsoft.com/office/powerpoint/2015/10/main">
   <p1510:revLst>
-    <p1510:client id="{2311AA82-C881-0748-A84C-2C3ED92B5A7B}" v="24" dt="2025-05-19T03:51:23.445"/>
+    <p1510:client id="{6A5F27C0-358D-A74E-AB89-1A9B4EFE88A3}" v="5" dt="2025-06-07T10:39:19.512"/>
   </p1510:revLst>
 </p1510:revInfo>
 </file>
@@ -123,96 +146,1181 @@
 <file path=ppt/changesInfos/changesInfo1.xml><?xml version="1.0" encoding="utf-8"?>
 <pc:chgInfo xmlns:a="http://schemas.openxmlformats.org/drawingml/2006/main" xmlns:r="http://schemas.openxmlformats.org/officeDocument/2006/relationships" xmlns:ac="http://schemas.microsoft.com/office/drawing/2013/main/command" xmlns:pc="http://schemas.microsoft.com/office/powerpoint/2013/main/command">
   <pc:docChgLst>
-    <pc:chgData name="kyo wu" userId="9fc4cbcd-97c4-43ce-ad98-3a3b51c7e791" providerId="ADAL" clId="{2311AA82-C881-0748-A84C-2C3ED92B5A7B}"/>
-    <pc:docChg chg="custSel delSld modSld modMainMaster">
-      <pc:chgData name="kyo wu" userId="9fc4cbcd-97c4-43ce-ad98-3a3b51c7e791" providerId="ADAL" clId="{2311AA82-C881-0748-A84C-2C3ED92B5A7B}" dt="2025-05-19T03:51:23.445" v="103"/>
+    <pc:chgData name="kyo wu" userId="S::kyo.wu@weveel.com::9fc4cbcd-97c4-43ce-ad98-3a3b51c7e791" providerId="AD" clId="Web-{0D55BD38-D419-88EE-2BD0-EEE6D039C968}"/>
+    <pc:docChg chg="modSld">
+      <pc:chgData name="kyo wu" userId="S::kyo.wu@weveel.com::9fc4cbcd-97c4-43ce-ad98-3a3b51c7e791" providerId="AD" clId="Web-{0D55BD38-D419-88EE-2BD0-EEE6D039C968}" dt="2025-05-27T03:01:13.045" v="2" actId="1076"/>
       <pc:docMkLst>
         <pc:docMk/>
       </pc:docMkLst>
-      <pc:sldChg chg="del">
-        <pc:chgData name="kyo wu" userId="9fc4cbcd-97c4-43ce-ad98-3a3b51c7e791" providerId="ADAL" clId="{2311AA82-C881-0748-A84C-2C3ED92B5A7B}" dt="2025-05-18T13:16:15.568" v="0" actId="2696"/>
-        <pc:sldMkLst>
-          <pc:docMk/>
-          <pc:sldMk cId="2716935554" sldId="256"/>
-        </pc:sldMkLst>
-      </pc:sldChg>
-      <pc:sldChg chg="modSp mod">
-        <pc:chgData name="kyo wu" userId="9fc4cbcd-97c4-43ce-ad98-3a3b51c7e791" providerId="ADAL" clId="{2311AA82-C881-0748-A84C-2C3ED92B5A7B}" dt="2025-05-19T03:51:23.445" v="103"/>
+      <pc:sldChg chg="modSp">
+        <pc:chgData name="kyo wu" userId="S::kyo.wu@weveel.com::9fc4cbcd-97c4-43ce-ad98-3a3b51c7e791" providerId="AD" clId="Web-{0D55BD38-D419-88EE-2BD0-EEE6D039C968}" dt="2025-05-27T03:01:13.045" v="2" actId="1076"/>
+        <pc:sldMkLst>
+          <pc:docMk/>
+          <pc:sldMk cId="2653494285" sldId="1084"/>
+        </pc:sldMkLst>
+      </pc:sldChg>
+    </pc:docChg>
+  </pc:docChgLst>
+  <pc:docChgLst>
+    <pc:chgData name="kyo wu" userId="9fc4cbcd-97c4-43ce-ad98-3a3b51c7e791" providerId="ADAL" clId="{6A5F27C0-358D-A74E-AB89-1A9B4EFE88A3}"/>
+    <pc:docChg chg="undo custSel delSld modSld modMainMaster">
+      <pc:chgData name="kyo wu" userId="9fc4cbcd-97c4-43ce-ad98-3a3b51c7e791" providerId="ADAL" clId="{6A5F27C0-358D-A74E-AB89-1A9B4EFE88A3}" dt="2025-06-07T10:41:04.082" v="86"/>
+      <pc:docMkLst>
+        <pc:docMk/>
+      </pc:docMkLst>
+      <pc:sldChg chg="del">
+        <pc:chgData name="kyo wu" userId="9fc4cbcd-97c4-43ce-ad98-3a3b51c7e791" providerId="ADAL" clId="{6A5F27C0-358D-A74E-AB89-1A9B4EFE88A3}" dt="2025-06-07T10:34:24.145" v="1" actId="2696"/>
         <pc:sldMkLst>
           <pc:docMk/>
           <pc:sldMk cId="0" sldId="257"/>
         </pc:sldMkLst>
-        <pc:spChg chg="mod">
-          <ac:chgData name="kyo wu" userId="9fc4cbcd-97c4-43ce-ad98-3a3b51c7e791" providerId="ADAL" clId="{2311AA82-C881-0748-A84C-2C3ED92B5A7B}" dt="2025-05-19T03:51:23.445" v="103"/>
+      </pc:sldChg>
+      <pc:sldChg chg="del">
+        <pc:chgData name="kyo wu" userId="9fc4cbcd-97c4-43ce-ad98-3a3b51c7e791" providerId="ADAL" clId="{6A5F27C0-358D-A74E-AB89-1A9B4EFE88A3}" dt="2025-06-07T10:34:24.145" v="1" actId="2696"/>
+        <pc:sldMkLst>
+          <pc:docMk/>
+          <pc:sldMk cId="0" sldId="258"/>
+        </pc:sldMkLst>
+      </pc:sldChg>
+      <pc:sldChg chg="del">
+        <pc:chgData name="kyo wu" userId="9fc4cbcd-97c4-43ce-ad98-3a3b51c7e791" providerId="ADAL" clId="{6A5F27C0-358D-A74E-AB89-1A9B4EFE88A3}" dt="2025-06-07T10:34:24.145" v="1" actId="2696"/>
+        <pc:sldMkLst>
+          <pc:docMk/>
+          <pc:sldMk cId="0" sldId="259"/>
+        </pc:sldMkLst>
+      </pc:sldChg>
+      <pc:sldChg chg="del">
+        <pc:chgData name="kyo wu" userId="9fc4cbcd-97c4-43ce-ad98-3a3b51c7e791" providerId="ADAL" clId="{6A5F27C0-358D-A74E-AB89-1A9B4EFE88A3}" dt="2025-06-07T10:34:24.145" v="1" actId="2696"/>
+        <pc:sldMkLst>
+          <pc:docMk/>
+          <pc:sldMk cId="0" sldId="260"/>
+        </pc:sldMkLst>
+      </pc:sldChg>
+      <pc:sldChg chg="del">
+        <pc:chgData name="kyo wu" userId="9fc4cbcd-97c4-43ce-ad98-3a3b51c7e791" providerId="ADAL" clId="{6A5F27C0-358D-A74E-AB89-1A9B4EFE88A3}" dt="2025-06-07T10:34:24.145" v="1" actId="2696"/>
+        <pc:sldMkLst>
+          <pc:docMk/>
+          <pc:sldMk cId="0" sldId="261"/>
+        </pc:sldMkLst>
+      </pc:sldChg>
+      <pc:sldChg chg="del">
+        <pc:chgData name="kyo wu" userId="9fc4cbcd-97c4-43ce-ad98-3a3b51c7e791" providerId="ADAL" clId="{6A5F27C0-358D-A74E-AB89-1A9B4EFE88A3}" dt="2025-06-07T10:34:24.145" v="1" actId="2696"/>
+        <pc:sldMkLst>
+          <pc:docMk/>
+          <pc:sldMk cId="0" sldId="262"/>
+        </pc:sldMkLst>
+      </pc:sldChg>
+      <pc:sldChg chg="del">
+        <pc:chgData name="kyo wu" userId="9fc4cbcd-97c4-43ce-ad98-3a3b51c7e791" providerId="ADAL" clId="{6A5F27C0-358D-A74E-AB89-1A9B4EFE88A3}" dt="2025-06-07T10:34:24.145" v="1" actId="2696"/>
+        <pc:sldMkLst>
+          <pc:docMk/>
+          <pc:sldMk cId="0" sldId="264"/>
+        </pc:sldMkLst>
+      </pc:sldChg>
+      <pc:sldChg chg="del">
+        <pc:chgData name="kyo wu" userId="9fc4cbcd-97c4-43ce-ad98-3a3b51c7e791" providerId="ADAL" clId="{6A5F27C0-358D-A74E-AB89-1A9B4EFE88A3}" dt="2025-06-07T10:34:24.145" v="1" actId="2696"/>
+        <pc:sldMkLst>
+          <pc:docMk/>
+          <pc:sldMk cId="0" sldId="265"/>
+        </pc:sldMkLst>
+      </pc:sldChg>
+      <pc:sldChg chg="del">
+        <pc:chgData name="kyo wu" userId="9fc4cbcd-97c4-43ce-ad98-3a3b51c7e791" providerId="ADAL" clId="{6A5F27C0-358D-A74E-AB89-1A9B4EFE88A3}" dt="2025-06-07T10:34:24.145" v="1" actId="2696"/>
+        <pc:sldMkLst>
+          <pc:docMk/>
+          <pc:sldMk cId="0" sldId="266"/>
+        </pc:sldMkLst>
+      </pc:sldChg>
+      <pc:sldChg chg="del">
+        <pc:chgData name="kyo wu" userId="9fc4cbcd-97c4-43ce-ad98-3a3b51c7e791" providerId="ADAL" clId="{6A5F27C0-358D-A74E-AB89-1A9B4EFE88A3}" dt="2025-06-07T10:34:24.145" v="1" actId="2696"/>
+        <pc:sldMkLst>
+          <pc:docMk/>
+          <pc:sldMk cId="0" sldId="267"/>
+        </pc:sldMkLst>
+      </pc:sldChg>
+      <pc:sldChg chg="del">
+        <pc:chgData name="kyo wu" userId="9fc4cbcd-97c4-43ce-ad98-3a3b51c7e791" providerId="ADAL" clId="{6A5F27C0-358D-A74E-AB89-1A9B4EFE88A3}" dt="2025-06-07T10:34:24.145" v="1" actId="2696"/>
+        <pc:sldMkLst>
+          <pc:docMk/>
+          <pc:sldMk cId="0" sldId="268"/>
+        </pc:sldMkLst>
+      </pc:sldChg>
+      <pc:sldChg chg="del">
+        <pc:chgData name="kyo wu" userId="9fc4cbcd-97c4-43ce-ad98-3a3b51c7e791" providerId="ADAL" clId="{6A5F27C0-358D-A74E-AB89-1A9B4EFE88A3}" dt="2025-06-07T10:34:24.145" v="1" actId="2696"/>
+        <pc:sldMkLst>
+          <pc:docMk/>
+          <pc:sldMk cId="0" sldId="277"/>
+        </pc:sldMkLst>
+      </pc:sldChg>
+      <pc:sldChg chg="del">
+        <pc:chgData name="kyo wu" userId="9fc4cbcd-97c4-43ce-ad98-3a3b51c7e791" providerId="ADAL" clId="{6A5F27C0-358D-A74E-AB89-1A9B4EFE88A3}" dt="2025-06-07T10:34:24.145" v="1" actId="2696"/>
+        <pc:sldMkLst>
+          <pc:docMk/>
+          <pc:sldMk cId="0" sldId="278"/>
+        </pc:sldMkLst>
+      </pc:sldChg>
+      <pc:sldChg chg="del">
+        <pc:chgData name="kyo wu" userId="9fc4cbcd-97c4-43ce-ad98-3a3b51c7e791" providerId="ADAL" clId="{6A5F27C0-358D-A74E-AB89-1A9B4EFE88A3}" dt="2025-06-07T10:34:24.145" v="1" actId="2696"/>
+        <pc:sldMkLst>
+          <pc:docMk/>
+          <pc:sldMk cId="0" sldId="280"/>
+        </pc:sldMkLst>
+      </pc:sldChg>
+      <pc:sldChg chg="del">
+        <pc:chgData name="kyo wu" userId="9fc4cbcd-97c4-43ce-ad98-3a3b51c7e791" providerId="ADAL" clId="{6A5F27C0-358D-A74E-AB89-1A9B4EFE88A3}" dt="2025-06-07T10:34:18.913" v="0" actId="2696"/>
+        <pc:sldMkLst>
+          <pc:docMk/>
+          <pc:sldMk cId="0" sldId="319"/>
+        </pc:sldMkLst>
+      </pc:sldChg>
+      <pc:sldChg chg="del">
+        <pc:chgData name="kyo wu" userId="9fc4cbcd-97c4-43ce-ad98-3a3b51c7e791" providerId="ADAL" clId="{6A5F27C0-358D-A74E-AB89-1A9B4EFE88A3}" dt="2025-06-07T10:34:24.145" v="1" actId="2696"/>
+        <pc:sldMkLst>
+          <pc:docMk/>
+          <pc:sldMk cId="519669046" sldId="1036"/>
+        </pc:sldMkLst>
+      </pc:sldChg>
+      <pc:sldChg chg="del">
+        <pc:chgData name="kyo wu" userId="9fc4cbcd-97c4-43ce-ad98-3a3b51c7e791" providerId="ADAL" clId="{6A5F27C0-358D-A74E-AB89-1A9B4EFE88A3}" dt="2025-06-07T10:34:24.145" v="1" actId="2696"/>
+        <pc:sldMkLst>
+          <pc:docMk/>
+          <pc:sldMk cId="3249069252" sldId="1039"/>
+        </pc:sldMkLst>
+      </pc:sldChg>
+      <pc:sldChg chg="del">
+        <pc:chgData name="kyo wu" userId="9fc4cbcd-97c4-43ce-ad98-3a3b51c7e791" providerId="ADAL" clId="{6A5F27C0-358D-A74E-AB89-1A9B4EFE88A3}" dt="2025-06-07T10:34:24.145" v="1" actId="2696"/>
+        <pc:sldMkLst>
+          <pc:docMk/>
+          <pc:sldMk cId="789578636" sldId="1049"/>
+        </pc:sldMkLst>
+      </pc:sldChg>
+      <pc:sldChg chg="del">
+        <pc:chgData name="kyo wu" userId="9fc4cbcd-97c4-43ce-ad98-3a3b51c7e791" providerId="ADAL" clId="{6A5F27C0-358D-A74E-AB89-1A9B4EFE88A3}" dt="2025-06-07T10:34:24.145" v="1" actId="2696"/>
+        <pc:sldMkLst>
+          <pc:docMk/>
+          <pc:sldMk cId="1092222023" sldId="1050"/>
+        </pc:sldMkLst>
+      </pc:sldChg>
+      <pc:sldChg chg="del">
+        <pc:chgData name="kyo wu" userId="9fc4cbcd-97c4-43ce-ad98-3a3b51c7e791" providerId="ADAL" clId="{6A5F27C0-358D-A74E-AB89-1A9B4EFE88A3}" dt="2025-06-07T10:34:24.145" v="1" actId="2696"/>
+        <pc:sldMkLst>
+          <pc:docMk/>
+          <pc:sldMk cId="3353924986" sldId="1052"/>
+        </pc:sldMkLst>
+      </pc:sldChg>
+      <pc:sldChg chg="del">
+        <pc:chgData name="kyo wu" userId="9fc4cbcd-97c4-43ce-ad98-3a3b51c7e791" providerId="ADAL" clId="{6A5F27C0-358D-A74E-AB89-1A9B4EFE88A3}" dt="2025-06-07T10:34:24.145" v="1" actId="2696"/>
+        <pc:sldMkLst>
+          <pc:docMk/>
+          <pc:sldMk cId="2224113988" sldId="1053"/>
+        </pc:sldMkLst>
+      </pc:sldChg>
+      <pc:sldChg chg="del">
+        <pc:chgData name="kyo wu" userId="9fc4cbcd-97c4-43ce-ad98-3a3b51c7e791" providerId="ADAL" clId="{6A5F27C0-358D-A74E-AB89-1A9B4EFE88A3}" dt="2025-06-07T10:34:24.145" v="1" actId="2696"/>
+        <pc:sldMkLst>
+          <pc:docMk/>
+          <pc:sldMk cId="4282814327" sldId="1059"/>
+        </pc:sldMkLst>
+      </pc:sldChg>
+      <pc:sldChg chg="del">
+        <pc:chgData name="kyo wu" userId="9fc4cbcd-97c4-43ce-ad98-3a3b51c7e791" providerId="ADAL" clId="{6A5F27C0-358D-A74E-AB89-1A9B4EFE88A3}" dt="2025-06-07T10:34:24.145" v="1" actId="2696"/>
+        <pc:sldMkLst>
+          <pc:docMk/>
+          <pc:sldMk cId="3482950747" sldId="1062"/>
+        </pc:sldMkLst>
+      </pc:sldChg>
+      <pc:sldChg chg="del">
+        <pc:chgData name="kyo wu" userId="9fc4cbcd-97c4-43ce-ad98-3a3b51c7e791" providerId="ADAL" clId="{6A5F27C0-358D-A74E-AB89-1A9B4EFE88A3}" dt="2025-06-07T10:34:24.145" v="1" actId="2696"/>
+        <pc:sldMkLst>
+          <pc:docMk/>
+          <pc:sldMk cId="3821561532" sldId="1065"/>
+        </pc:sldMkLst>
+      </pc:sldChg>
+      <pc:sldChg chg="delSp modSp mod">
+        <pc:chgData name="kyo wu" userId="9fc4cbcd-97c4-43ce-ad98-3a3b51c7e791" providerId="ADAL" clId="{6A5F27C0-358D-A74E-AB89-1A9B4EFE88A3}" dt="2025-06-07T10:41:04.082" v="86"/>
+        <pc:sldMkLst>
+          <pc:docMk/>
+          <pc:sldMk cId="1899706140" sldId="1067"/>
+        </pc:sldMkLst>
+        <pc:spChg chg="del">
+          <ac:chgData name="kyo wu" userId="9fc4cbcd-97c4-43ce-ad98-3a3b51c7e791" providerId="ADAL" clId="{6A5F27C0-358D-A74E-AB89-1A9B4EFE88A3}" dt="2025-06-07T10:37:50.540" v="38" actId="478"/>
           <ac:spMkLst>
             <pc:docMk/>
-            <pc:sldMk cId="0" sldId="257"/>
-            <ac:spMk id="2" creationId="{251B605A-57A2-567B-6F84-07F32D224BF6}"/>
+            <pc:sldMk cId="1899706140" sldId="1067"/>
+            <ac:spMk id="7" creationId="{D7BD6966-9AA7-AAFA-9B28-1BA4DAE4DC38}"/>
           </ac:spMkLst>
         </pc:spChg>
-      </pc:sldChg>
-      <pc:sldChg chg="del">
-        <pc:chgData name="kyo wu" userId="9fc4cbcd-97c4-43ce-ad98-3a3b51c7e791" providerId="ADAL" clId="{2311AA82-C881-0748-A84C-2C3ED92B5A7B}" dt="2025-05-18T13:16:16.695" v="1" actId="2696"/>
-        <pc:sldMkLst>
-          <pc:docMk/>
-          <pc:sldMk cId="584152532" sldId="258"/>
-        </pc:sldMkLst>
-      </pc:sldChg>
-      <pc:sldMasterChg chg="delSp mod">
-        <pc:chgData name="kyo wu" userId="9fc4cbcd-97c4-43ce-ad98-3a3b51c7e791" providerId="ADAL" clId="{2311AA82-C881-0748-A84C-2C3ED92B5A7B}" dt="2025-05-18T13:16:46.102" v="6" actId="478"/>
-        <pc:sldMasterMkLst>
-          <pc:docMk/>
-          <pc:sldMasterMk cId="1600407953" sldId="2147483648"/>
-        </pc:sldMasterMkLst>
-        <pc:spChg chg="del">
-          <ac:chgData name="kyo wu" userId="9fc4cbcd-97c4-43ce-ad98-3a3b51c7e791" providerId="ADAL" clId="{2311AA82-C881-0748-A84C-2C3ED92B5A7B}" dt="2025-05-18T13:16:40.044" v="3" actId="478"/>
+        <pc:spChg chg="del mod">
+          <ac:chgData name="kyo wu" userId="9fc4cbcd-97c4-43ce-ad98-3a3b51c7e791" providerId="ADAL" clId="{6A5F27C0-358D-A74E-AB89-1A9B4EFE88A3}" dt="2025-06-07T10:37:55.600" v="39" actId="478"/>
           <ac:spMkLst>
             <pc:docMk/>
-            <pc:sldMasterMk cId="1600407953" sldId="2147483648"/>
-            <ac:spMk id="2" creationId="{EA99EBFB-7A47-FBDA-D5CD-34FC75C49C46}"/>
+            <pc:sldMk cId="1899706140" sldId="1067"/>
+            <ac:spMk id="8" creationId="{2C785E96-F448-9E59-9488-9591B730B80E}"/>
           </ac:spMkLst>
         </pc:spChg>
         <pc:spChg chg="del">
-          <ac:chgData name="kyo wu" userId="9fc4cbcd-97c4-43ce-ad98-3a3b51c7e791" providerId="ADAL" clId="{2311AA82-C881-0748-A84C-2C3ED92B5A7B}" dt="2025-05-18T13:16:38.278" v="2" actId="478"/>
+          <ac:chgData name="kyo wu" userId="9fc4cbcd-97c4-43ce-ad98-3a3b51c7e791" providerId="ADAL" clId="{6A5F27C0-358D-A74E-AB89-1A9B4EFE88A3}" dt="2025-06-07T10:34:38.641" v="8" actId="478"/>
           <ac:spMkLst>
             <pc:docMk/>
-            <pc:sldMasterMk cId="1600407953" sldId="2147483648"/>
-            <ac:spMk id="3" creationId="{9D2F14EE-1FAA-AFA7-4BA9-44953786B8A7}"/>
+            <pc:sldMk cId="1899706140" sldId="1067"/>
+            <ac:spMk id="10" creationId="{B6D39645-10E5-5E57-6DA8-9350FCC88312}"/>
           </ac:spMkLst>
         </pc:spChg>
         <pc:spChg chg="del">
-          <ac:chgData name="kyo wu" userId="9fc4cbcd-97c4-43ce-ad98-3a3b51c7e791" providerId="ADAL" clId="{2311AA82-C881-0748-A84C-2C3ED92B5A7B}" dt="2025-05-18T13:16:41.517" v="4" actId="478"/>
+          <ac:chgData name="kyo wu" userId="9fc4cbcd-97c4-43ce-ad98-3a3b51c7e791" providerId="ADAL" clId="{6A5F27C0-358D-A74E-AB89-1A9B4EFE88A3}" dt="2025-06-07T10:34:34.085" v="4" actId="478"/>
           <ac:spMkLst>
             <pc:docMk/>
-            <pc:sldMasterMk cId="1600407953" sldId="2147483648"/>
-            <ac:spMk id="4" creationId="{E6567533-1D70-7449-7E3E-68F3E79EFD70}"/>
+            <pc:sldMk cId="1899706140" sldId="1067"/>
+            <ac:spMk id="11" creationId="{F480EF23-CFF9-394F-2DA0-55CE4814B49E}"/>
           </ac:spMkLst>
         </pc:spChg>
-        <pc:spChg chg="del">
-          <ac:chgData name="kyo wu" userId="9fc4cbcd-97c4-43ce-ad98-3a3b51c7e791" providerId="ADAL" clId="{2311AA82-C881-0748-A84C-2C3ED92B5A7B}" dt="2025-05-18T13:16:44.916" v="5" actId="478"/>
+        <pc:spChg chg="mod">
+          <ac:chgData name="kyo wu" userId="9fc4cbcd-97c4-43ce-ad98-3a3b51c7e791" providerId="ADAL" clId="{6A5F27C0-358D-A74E-AB89-1A9B4EFE88A3}" dt="2025-06-07T10:37:08.273" v="27" actId="108"/>
           <ac:spMkLst>
             <pc:docMk/>
-            <pc:sldMasterMk cId="1600407953" sldId="2147483648"/>
-            <ac:spMk id="5" creationId="{1A5359F5-2586-1F8A-A04F-8740FF466377}"/>
+            <pc:sldMk cId="1899706140" sldId="1067"/>
+            <ac:spMk id="16" creationId="{64FE9EF5-1041-AB82-4282-3C25A33C388F}"/>
           </ac:spMkLst>
         </pc:spChg>
-        <pc:spChg chg="del">
-          <ac:chgData name="kyo wu" userId="9fc4cbcd-97c4-43ce-ad98-3a3b51c7e791" providerId="ADAL" clId="{2311AA82-C881-0748-A84C-2C3ED92B5A7B}" dt="2025-05-18T13:16:46.102" v="6" actId="478"/>
+        <pc:spChg chg="mod">
+          <ac:chgData name="kyo wu" userId="9fc4cbcd-97c4-43ce-ad98-3a3b51c7e791" providerId="ADAL" clId="{6A5F27C0-358D-A74E-AB89-1A9B4EFE88A3}" dt="2025-06-07T10:41:04.082" v="86"/>
           <ac:spMkLst>
             <pc:docMk/>
-            <pc:sldMasterMk cId="1600407953" sldId="2147483648"/>
-            <ac:spMk id="6" creationId="{B1671D8E-D684-734D-D2A0-A43891BE57DE}"/>
+            <pc:sldMk cId="1899706140" sldId="1067"/>
+            <ac:spMk id="19" creationId="{C75EB4B1-FE1E-9122-FFD8-D61661401409}"/>
           </ac:spMkLst>
         </pc:spChg>
+        <pc:picChg chg="del">
+          <ac:chgData name="kyo wu" userId="9fc4cbcd-97c4-43ce-ad98-3a3b51c7e791" providerId="ADAL" clId="{6A5F27C0-358D-A74E-AB89-1A9B4EFE88A3}" dt="2025-06-07T10:34:36.147" v="7" actId="478"/>
+          <ac:picMkLst>
+            <pc:docMk/>
+            <pc:sldMk cId="1899706140" sldId="1067"/>
+            <ac:picMk id="2" creationId="{8835CF3E-3122-8D31-5D18-B9A1B9B17C36}"/>
+          </ac:picMkLst>
+        </pc:picChg>
+        <pc:picChg chg="del">
+          <ac:chgData name="kyo wu" userId="9fc4cbcd-97c4-43ce-ad98-3a3b51c7e791" providerId="ADAL" clId="{6A5F27C0-358D-A74E-AB89-1A9B4EFE88A3}" dt="2025-06-07T10:34:31.908" v="3" actId="478"/>
+          <ac:picMkLst>
+            <pc:docMk/>
+            <pc:sldMk cId="1899706140" sldId="1067"/>
+            <ac:picMk id="3" creationId="{49CF91DA-6A17-4532-7292-0BB62C497B99}"/>
+          </ac:picMkLst>
+        </pc:picChg>
+        <pc:picChg chg="del">
+          <ac:chgData name="kyo wu" userId="9fc4cbcd-97c4-43ce-ad98-3a3b51c7e791" providerId="ADAL" clId="{6A5F27C0-358D-A74E-AB89-1A9B4EFE88A3}" dt="2025-06-07T10:34:34.811" v="5" actId="478"/>
+          <ac:picMkLst>
+            <pc:docMk/>
+            <pc:sldMk cId="1899706140" sldId="1067"/>
+            <ac:picMk id="4" creationId="{8F29AFDE-0CC8-421E-44E4-65E0CF2322B4}"/>
+          </ac:picMkLst>
+        </pc:picChg>
+        <pc:picChg chg="del">
+          <ac:chgData name="kyo wu" userId="9fc4cbcd-97c4-43ce-ad98-3a3b51c7e791" providerId="ADAL" clId="{6A5F27C0-358D-A74E-AB89-1A9B4EFE88A3}" dt="2025-06-07T10:34:35.425" v="6" actId="478"/>
+          <ac:picMkLst>
+            <pc:docMk/>
+            <pc:sldMk cId="1899706140" sldId="1067"/>
+            <ac:picMk id="5" creationId="{278BB9C2-35DC-F7CB-7F0E-964E2A65FF78}"/>
+          </ac:picMkLst>
+        </pc:picChg>
+        <pc:picChg chg="del">
+          <ac:chgData name="kyo wu" userId="9fc4cbcd-97c4-43ce-ad98-3a3b51c7e791" providerId="ADAL" clId="{6A5F27C0-358D-A74E-AB89-1A9B4EFE88A3}" dt="2025-06-07T10:34:29.131" v="2" actId="478"/>
+          <ac:picMkLst>
+            <pc:docMk/>
+            <pc:sldMk cId="1899706140" sldId="1067"/>
+            <ac:picMk id="9" creationId="{7E5BA8D0-B912-E86D-7EC4-D880878203E3}"/>
+          </ac:picMkLst>
+        </pc:picChg>
+      </pc:sldChg>
+      <pc:sldChg chg="del">
+        <pc:chgData name="kyo wu" userId="9fc4cbcd-97c4-43ce-ad98-3a3b51c7e791" providerId="ADAL" clId="{6A5F27C0-358D-A74E-AB89-1A9B4EFE88A3}" dt="2025-06-07T10:34:24.145" v="1" actId="2696"/>
+        <pc:sldMkLst>
+          <pc:docMk/>
+          <pc:sldMk cId="4203713536" sldId="1070"/>
+        </pc:sldMkLst>
+      </pc:sldChg>
+      <pc:sldChg chg="del">
+        <pc:chgData name="kyo wu" userId="9fc4cbcd-97c4-43ce-ad98-3a3b51c7e791" providerId="ADAL" clId="{6A5F27C0-358D-A74E-AB89-1A9B4EFE88A3}" dt="2025-06-07T10:34:24.145" v="1" actId="2696"/>
+        <pc:sldMkLst>
+          <pc:docMk/>
+          <pc:sldMk cId="94235374" sldId="1071"/>
+        </pc:sldMkLst>
+      </pc:sldChg>
+      <pc:sldChg chg="del">
+        <pc:chgData name="kyo wu" userId="9fc4cbcd-97c4-43ce-ad98-3a3b51c7e791" providerId="ADAL" clId="{6A5F27C0-358D-A74E-AB89-1A9B4EFE88A3}" dt="2025-06-07T10:34:24.145" v="1" actId="2696"/>
+        <pc:sldMkLst>
+          <pc:docMk/>
+          <pc:sldMk cId="1480548481" sldId="1072"/>
+        </pc:sldMkLst>
+      </pc:sldChg>
+      <pc:sldChg chg="del">
+        <pc:chgData name="kyo wu" userId="9fc4cbcd-97c4-43ce-ad98-3a3b51c7e791" providerId="ADAL" clId="{6A5F27C0-358D-A74E-AB89-1A9B4EFE88A3}" dt="2025-06-07T10:34:24.145" v="1" actId="2696"/>
+        <pc:sldMkLst>
+          <pc:docMk/>
+          <pc:sldMk cId="823645288" sldId="1073"/>
+        </pc:sldMkLst>
+      </pc:sldChg>
+      <pc:sldChg chg="del">
+        <pc:chgData name="kyo wu" userId="9fc4cbcd-97c4-43ce-ad98-3a3b51c7e791" providerId="ADAL" clId="{6A5F27C0-358D-A74E-AB89-1A9B4EFE88A3}" dt="2025-06-07T10:34:24.145" v="1" actId="2696"/>
+        <pc:sldMkLst>
+          <pc:docMk/>
+          <pc:sldMk cId="1195934854" sldId="1074"/>
+        </pc:sldMkLst>
+      </pc:sldChg>
+      <pc:sldChg chg="del">
+        <pc:chgData name="kyo wu" userId="9fc4cbcd-97c4-43ce-ad98-3a3b51c7e791" providerId="ADAL" clId="{6A5F27C0-358D-A74E-AB89-1A9B4EFE88A3}" dt="2025-06-07T10:34:24.145" v="1" actId="2696"/>
+        <pc:sldMkLst>
+          <pc:docMk/>
+          <pc:sldMk cId="946162005" sldId="1075"/>
+        </pc:sldMkLst>
+      </pc:sldChg>
+      <pc:sldChg chg="del">
+        <pc:chgData name="kyo wu" userId="9fc4cbcd-97c4-43ce-ad98-3a3b51c7e791" providerId="ADAL" clId="{6A5F27C0-358D-A74E-AB89-1A9B4EFE88A3}" dt="2025-06-07T10:34:24.145" v="1" actId="2696"/>
+        <pc:sldMkLst>
+          <pc:docMk/>
+          <pc:sldMk cId="1196232856" sldId="1078"/>
+        </pc:sldMkLst>
+      </pc:sldChg>
+      <pc:sldChg chg="del">
+        <pc:chgData name="kyo wu" userId="9fc4cbcd-97c4-43ce-ad98-3a3b51c7e791" providerId="ADAL" clId="{6A5F27C0-358D-A74E-AB89-1A9B4EFE88A3}" dt="2025-06-07T10:34:24.145" v="1" actId="2696"/>
+        <pc:sldMkLst>
+          <pc:docMk/>
+          <pc:sldMk cId="962082523" sldId="1079"/>
+        </pc:sldMkLst>
+      </pc:sldChg>
+      <pc:sldChg chg="del">
+        <pc:chgData name="kyo wu" userId="9fc4cbcd-97c4-43ce-ad98-3a3b51c7e791" providerId="ADAL" clId="{6A5F27C0-358D-A74E-AB89-1A9B4EFE88A3}" dt="2025-06-07T10:34:24.145" v="1" actId="2696"/>
+        <pc:sldMkLst>
+          <pc:docMk/>
+          <pc:sldMk cId="2302265373" sldId="1081"/>
+        </pc:sldMkLst>
+      </pc:sldChg>
+      <pc:sldChg chg="del">
+        <pc:chgData name="kyo wu" userId="9fc4cbcd-97c4-43ce-ad98-3a3b51c7e791" providerId="ADAL" clId="{6A5F27C0-358D-A74E-AB89-1A9B4EFE88A3}" dt="2025-06-07T10:34:24.145" v="1" actId="2696"/>
+        <pc:sldMkLst>
+          <pc:docMk/>
+          <pc:sldMk cId="202165637" sldId="1083"/>
+        </pc:sldMkLst>
+      </pc:sldChg>
+      <pc:sldChg chg="del">
+        <pc:chgData name="kyo wu" userId="9fc4cbcd-97c4-43ce-ad98-3a3b51c7e791" providerId="ADAL" clId="{6A5F27C0-358D-A74E-AB89-1A9B4EFE88A3}" dt="2025-06-07T10:34:24.145" v="1" actId="2696"/>
+        <pc:sldMkLst>
+          <pc:docMk/>
+          <pc:sldMk cId="2653494285" sldId="1084"/>
+        </pc:sldMkLst>
+      </pc:sldChg>
+      <pc:sldChg chg="del">
+        <pc:chgData name="kyo wu" userId="9fc4cbcd-97c4-43ce-ad98-3a3b51c7e791" providerId="ADAL" clId="{6A5F27C0-358D-A74E-AB89-1A9B4EFE88A3}" dt="2025-06-07T10:34:24.145" v="1" actId="2696"/>
+        <pc:sldMkLst>
+          <pc:docMk/>
+          <pc:sldMk cId="2560179593" sldId="1085"/>
+        </pc:sldMkLst>
+      </pc:sldChg>
+      <pc:sldChg chg="del">
+        <pc:chgData name="kyo wu" userId="9fc4cbcd-97c4-43ce-ad98-3a3b51c7e791" providerId="ADAL" clId="{6A5F27C0-358D-A74E-AB89-1A9B4EFE88A3}" dt="2025-06-07T10:34:24.145" v="1" actId="2696"/>
+        <pc:sldMkLst>
+          <pc:docMk/>
+          <pc:sldMk cId="4054427876" sldId="1086"/>
+        </pc:sldMkLst>
+      </pc:sldChg>
+      <pc:sldChg chg="del">
+        <pc:chgData name="kyo wu" userId="9fc4cbcd-97c4-43ce-ad98-3a3b51c7e791" providerId="ADAL" clId="{6A5F27C0-358D-A74E-AB89-1A9B4EFE88A3}" dt="2025-06-07T10:34:24.145" v="1" actId="2696"/>
+        <pc:sldMkLst>
+          <pc:docMk/>
+          <pc:sldMk cId="1229839591" sldId="1087"/>
+        </pc:sldMkLst>
+      </pc:sldChg>
+      <pc:sldChg chg="del">
+        <pc:chgData name="kyo wu" userId="9fc4cbcd-97c4-43ce-ad98-3a3b51c7e791" providerId="ADAL" clId="{6A5F27C0-358D-A74E-AB89-1A9B4EFE88A3}" dt="2025-06-07T10:34:24.145" v="1" actId="2696"/>
+        <pc:sldMkLst>
+          <pc:docMk/>
+          <pc:sldMk cId="2352517393" sldId="1090"/>
+        </pc:sldMkLst>
+      </pc:sldChg>
+      <pc:sldChg chg="del">
+        <pc:chgData name="kyo wu" userId="9fc4cbcd-97c4-43ce-ad98-3a3b51c7e791" providerId="ADAL" clId="{6A5F27C0-358D-A74E-AB89-1A9B4EFE88A3}" dt="2025-06-07T10:34:24.145" v="1" actId="2696"/>
+        <pc:sldMkLst>
+          <pc:docMk/>
+          <pc:sldMk cId="0" sldId="1091"/>
+        </pc:sldMkLst>
+      </pc:sldChg>
+      <pc:sldChg chg="del">
+        <pc:chgData name="kyo wu" userId="9fc4cbcd-97c4-43ce-ad98-3a3b51c7e791" providerId="ADAL" clId="{6A5F27C0-358D-A74E-AB89-1A9B4EFE88A3}" dt="2025-06-07T10:34:24.145" v="1" actId="2696"/>
+        <pc:sldMkLst>
+          <pc:docMk/>
+          <pc:sldMk cId="0" sldId="1092"/>
+        </pc:sldMkLst>
+      </pc:sldChg>
+      <pc:sldChg chg="del">
+        <pc:chgData name="kyo wu" userId="9fc4cbcd-97c4-43ce-ad98-3a3b51c7e791" providerId="ADAL" clId="{6A5F27C0-358D-A74E-AB89-1A9B4EFE88A3}" dt="2025-06-07T10:34:24.145" v="1" actId="2696"/>
+        <pc:sldMkLst>
+          <pc:docMk/>
+          <pc:sldMk cId="0" sldId="1093"/>
+        </pc:sldMkLst>
+      </pc:sldChg>
+      <pc:sldChg chg="del">
+        <pc:chgData name="kyo wu" userId="9fc4cbcd-97c4-43ce-ad98-3a3b51c7e791" providerId="ADAL" clId="{6A5F27C0-358D-A74E-AB89-1A9B4EFE88A3}" dt="2025-06-07T10:34:24.145" v="1" actId="2696"/>
+        <pc:sldMkLst>
+          <pc:docMk/>
+          <pc:sldMk cId="0" sldId="1094"/>
+        </pc:sldMkLst>
+      </pc:sldChg>
+      <pc:sldChg chg="del">
+        <pc:chgData name="kyo wu" userId="9fc4cbcd-97c4-43ce-ad98-3a3b51c7e791" providerId="ADAL" clId="{6A5F27C0-358D-A74E-AB89-1A9B4EFE88A3}" dt="2025-06-07T10:34:24.145" v="1" actId="2696"/>
+        <pc:sldMkLst>
+          <pc:docMk/>
+          <pc:sldMk cId="0" sldId="1095"/>
+        </pc:sldMkLst>
+      </pc:sldChg>
+      <pc:sldChg chg="del">
+        <pc:chgData name="kyo wu" userId="9fc4cbcd-97c4-43ce-ad98-3a3b51c7e791" providerId="ADAL" clId="{6A5F27C0-358D-A74E-AB89-1A9B4EFE88A3}" dt="2025-06-07T10:34:24.145" v="1" actId="2696"/>
+        <pc:sldMkLst>
+          <pc:docMk/>
+          <pc:sldMk cId="0" sldId="1096"/>
+        </pc:sldMkLst>
+      </pc:sldChg>
+      <pc:sldChg chg="del">
+        <pc:chgData name="kyo wu" userId="9fc4cbcd-97c4-43ce-ad98-3a3b51c7e791" providerId="ADAL" clId="{6A5F27C0-358D-A74E-AB89-1A9B4EFE88A3}" dt="2025-06-07T10:34:24.145" v="1" actId="2696"/>
+        <pc:sldMkLst>
+          <pc:docMk/>
+          <pc:sldMk cId="0" sldId="1097"/>
+        </pc:sldMkLst>
+      </pc:sldChg>
+      <pc:sldChg chg="del">
+        <pc:chgData name="kyo wu" userId="9fc4cbcd-97c4-43ce-ad98-3a3b51c7e791" providerId="ADAL" clId="{6A5F27C0-358D-A74E-AB89-1A9B4EFE88A3}" dt="2025-06-07T10:34:24.145" v="1" actId="2696"/>
+        <pc:sldMkLst>
+          <pc:docMk/>
+          <pc:sldMk cId="1961136187" sldId="1098"/>
+        </pc:sldMkLst>
+      </pc:sldChg>
+      <pc:sldChg chg="del">
+        <pc:chgData name="kyo wu" userId="9fc4cbcd-97c4-43ce-ad98-3a3b51c7e791" providerId="ADAL" clId="{6A5F27C0-358D-A74E-AB89-1A9B4EFE88A3}" dt="2025-06-07T10:34:24.145" v="1" actId="2696"/>
+        <pc:sldMkLst>
+          <pc:docMk/>
+          <pc:sldMk cId="4181099064" sldId="1099"/>
+        </pc:sldMkLst>
+      </pc:sldChg>
+      <pc:sldChg chg="del">
+        <pc:chgData name="kyo wu" userId="9fc4cbcd-97c4-43ce-ad98-3a3b51c7e791" providerId="ADAL" clId="{6A5F27C0-358D-A74E-AB89-1A9B4EFE88A3}" dt="2025-06-07T10:34:24.145" v="1" actId="2696"/>
+        <pc:sldMkLst>
+          <pc:docMk/>
+          <pc:sldMk cId="184857241" sldId="1100"/>
+        </pc:sldMkLst>
+      </pc:sldChg>
+      <pc:sldChg chg="del">
+        <pc:chgData name="kyo wu" userId="9fc4cbcd-97c4-43ce-ad98-3a3b51c7e791" providerId="ADAL" clId="{6A5F27C0-358D-A74E-AB89-1A9B4EFE88A3}" dt="2025-06-07T10:34:24.145" v="1" actId="2696"/>
+        <pc:sldMkLst>
+          <pc:docMk/>
+          <pc:sldMk cId="2621601975" sldId="1101"/>
+        </pc:sldMkLst>
+      </pc:sldChg>
+      <pc:sldChg chg="del">
+        <pc:chgData name="kyo wu" userId="9fc4cbcd-97c4-43ce-ad98-3a3b51c7e791" providerId="ADAL" clId="{6A5F27C0-358D-A74E-AB89-1A9B4EFE88A3}" dt="2025-06-07T10:34:24.145" v="1" actId="2696"/>
+        <pc:sldMkLst>
+          <pc:docMk/>
+          <pc:sldMk cId="1162599467" sldId="1102"/>
+        </pc:sldMkLst>
+      </pc:sldChg>
+      <pc:sldChg chg="del">
+        <pc:chgData name="kyo wu" userId="9fc4cbcd-97c4-43ce-ad98-3a3b51c7e791" providerId="ADAL" clId="{6A5F27C0-358D-A74E-AB89-1A9B4EFE88A3}" dt="2025-06-07T10:34:24.145" v="1" actId="2696"/>
+        <pc:sldMkLst>
+          <pc:docMk/>
+          <pc:sldMk cId="1999749692" sldId="1103"/>
+        </pc:sldMkLst>
+      </pc:sldChg>
+      <pc:sldMasterChg chg="modSldLayout">
+        <pc:chgData name="kyo wu" userId="9fc4cbcd-97c4-43ce-ad98-3a3b51c7e791" providerId="ADAL" clId="{6A5F27C0-358D-A74E-AB89-1A9B4EFE88A3}" dt="2025-06-07T10:35:25.034" v="11" actId="478"/>
+        <pc:sldMasterMkLst>
+          <pc:docMk/>
+          <pc:sldMasterMk cId="1095230361" sldId="2147483654"/>
+        </pc:sldMasterMkLst>
+        <pc:sldLayoutChg chg="delSp mod">
+          <pc:chgData name="kyo wu" userId="9fc4cbcd-97c4-43ce-ad98-3a3b51c7e791" providerId="ADAL" clId="{6A5F27C0-358D-A74E-AB89-1A9B4EFE88A3}" dt="2025-06-07T10:35:25.034" v="11" actId="478"/>
+          <pc:sldLayoutMkLst>
+            <pc:docMk/>
+            <pc:sldMasterMk cId="1095230361" sldId="2147483654"/>
+            <pc:sldLayoutMk cId="2629442108" sldId="2147483661"/>
+          </pc:sldLayoutMkLst>
+          <pc:spChg chg="del">
+            <ac:chgData name="kyo wu" userId="9fc4cbcd-97c4-43ce-ad98-3a3b51c7e791" providerId="ADAL" clId="{6A5F27C0-358D-A74E-AB89-1A9B4EFE88A3}" dt="2025-06-07T10:35:25.034" v="11" actId="478"/>
+            <ac:spMkLst>
+              <pc:docMk/>
+              <pc:sldMasterMk cId="1095230361" sldId="2147483654"/>
+              <pc:sldLayoutMk cId="2629442108" sldId="2147483661"/>
+              <ac:spMk id="7" creationId="{5AFB40FE-4340-143B-F67B-5E43AD49AABA}"/>
+            </ac:spMkLst>
+          </pc:spChg>
+          <pc:picChg chg="del">
+            <ac:chgData name="kyo wu" userId="9fc4cbcd-97c4-43ce-ad98-3a3b51c7e791" providerId="ADAL" clId="{6A5F27C0-358D-A74E-AB89-1A9B4EFE88A3}" dt="2025-06-07T10:35:20.097" v="9" actId="478"/>
+            <ac:picMkLst>
+              <pc:docMk/>
+              <pc:sldMasterMk cId="1095230361" sldId="2147483654"/>
+              <pc:sldLayoutMk cId="2629442108" sldId="2147483661"/>
+              <ac:picMk id="5" creationId="{05E70420-384D-96F8-161A-E0EE4ED81ED3}"/>
+            </ac:picMkLst>
+          </pc:picChg>
+          <pc:picChg chg="del">
+            <ac:chgData name="kyo wu" userId="9fc4cbcd-97c4-43ce-ad98-3a3b51c7e791" providerId="ADAL" clId="{6A5F27C0-358D-A74E-AB89-1A9B4EFE88A3}" dt="2025-06-07T10:35:21.903" v="10" actId="478"/>
+            <ac:picMkLst>
+              <pc:docMk/>
+              <pc:sldMasterMk cId="1095230361" sldId="2147483654"/>
+              <pc:sldLayoutMk cId="2629442108" sldId="2147483661"/>
+              <ac:picMk id="6" creationId="{57DC5270-3BE1-4D0D-CF8E-11DA0DEA28E6}"/>
+            </ac:picMkLst>
+          </pc:picChg>
+        </pc:sldLayoutChg>
       </pc:sldMasterChg>
+    </pc:docChg>
+  </pc:docChgLst>
+  <pc:docChgLst>
+    <pc:chgData name="kyo wu" userId="9fc4cbcd-97c4-43ce-ad98-3a3b51c7e791" providerId="ADAL" clId="{4FC10D22-436B-BA44-8B6F-65941A79F02C}"/>
+    <pc:docChg chg="undo custSel addSld modSld">
+      <pc:chgData name="kyo wu" userId="9fc4cbcd-97c4-43ce-ad98-3a3b51c7e791" providerId="ADAL" clId="{4FC10D22-436B-BA44-8B6F-65941A79F02C}" dt="2025-05-27T08:24:12.136" v="2964" actId="20577"/>
+      <pc:docMkLst>
+        <pc:docMk/>
+      </pc:docMkLst>
+      <pc:sldChg chg="modSp modNotesTx">
+        <pc:chgData name="kyo wu" userId="9fc4cbcd-97c4-43ce-ad98-3a3b51c7e791" providerId="ADAL" clId="{4FC10D22-436B-BA44-8B6F-65941A79F02C}" dt="2025-05-26T07:21:28.947" v="753" actId="20577"/>
+        <pc:sldMkLst>
+          <pc:docMk/>
+          <pc:sldMk cId="0" sldId="319"/>
+        </pc:sldMkLst>
+      </pc:sldChg>
+      <pc:sldChg chg="addSp modSp mod">
+        <pc:chgData name="kyo wu" userId="9fc4cbcd-97c4-43ce-ad98-3a3b51c7e791" providerId="ADAL" clId="{4FC10D22-436B-BA44-8B6F-65941A79F02C}" dt="2025-05-27T02:00:08.013" v="2400" actId="1076"/>
+        <pc:sldMkLst>
+          <pc:docMk/>
+          <pc:sldMk cId="519669046" sldId="1036"/>
+        </pc:sldMkLst>
+      </pc:sldChg>
+      <pc:sldChg chg="addSp delSp modSp mod modNotesTx">
+        <pc:chgData name="kyo wu" userId="9fc4cbcd-97c4-43ce-ad98-3a3b51c7e791" providerId="ADAL" clId="{4FC10D22-436B-BA44-8B6F-65941A79F02C}" dt="2025-05-27T08:23:26.706" v="2919" actId="14100"/>
+        <pc:sldMkLst>
+          <pc:docMk/>
+          <pc:sldMk cId="3249069252" sldId="1039"/>
+        </pc:sldMkLst>
+      </pc:sldChg>
+      <pc:sldChg chg="addSp modSp mod">
+        <pc:chgData name="kyo wu" userId="9fc4cbcd-97c4-43ce-ad98-3a3b51c7e791" providerId="ADAL" clId="{4FC10D22-436B-BA44-8B6F-65941A79F02C}" dt="2025-05-26T10:04:04.516" v="1935" actId="14100"/>
+        <pc:sldMkLst>
+          <pc:docMk/>
+          <pc:sldMk cId="789578636" sldId="1049"/>
+        </pc:sldMkLst>
+      </pc:sldChg>
+      <pc:sldChg chg="addSp modSp mod">
+        <pc:chgData name="kyo wu" userId="9fc4cbcd-97c4-43ce-ad98-3a3b51c7e791" providerId="ADAL" clId="{4FC10D22-436B-BA44-8B6F-65941A79F02C}" dt="2025-05-27T02:00:34.196" v="2405" actId="1076"/>
+        <pc:sldMkLst>
+          <pc:docMk/>
+          <pc:sldMk cId="1092222023" sldId="1050"/>
+        </pc:sldMkLst>
+      </pc:sldChg>
+      <pc:sldChg chg="addSp delSp modSp mod modNotesTx">
+        <pc:chgData name="kyo wu" userId="9fc4cbcd-97c4-43ce-ad98-3a3b51c7e791" providerId="ADAL" clId="{4FC10D22-436B-BA44-8B6F-65941A79F02C}" dt="2025-05-27T08:20:13.082" v="2815" actId="207"/>
+        <pc:sldMkLst>
+          <pc:docMk/>
+          <pc:sldMk cId="3353924986" sldId="1052"/>
+        </pc:sldMkLst>
+      </pc:sldChg>
+      <pc:sldChg chg="addSp delSp modSp mod modNotesTx">
+        <pc:chgData name="kyo wu" userId="9fc4cbcd-97c4-43ce-ad98-3a3b51c7e791" providerId="ADAL" clId="{4FC10D22-436B-BA44-8B6F-65941A79F02C}" dt="2025-05-27T08:21:08.496" v="2824" actId="1076"/>
+        <pc:sldMkLst>
+          <pc:docMk/>
+          <pc:sldMk cId="2224113988" sldId="1053"/>
+        </pc:sldMkLst>
+      </pc:sldChg>
+      <pc:sldChg chg="addSp delSp modSp mod">
+        <pc:chgData name="kyo wu" userId="9fc4cbcd-97c4-43ce-ad98-3a3b51c7e791" providerId="ADAL" clId="{4FC10D22-436B-BA44-8B6F-65941A79F02C}" dt="2025-05-27T08:23:54.591" v="2925" actId="1076"/>
+        <pc:sldMkLst>
+          <pc:docMk/>
+          <pc:sldMk cId="4282814327" sldId="1059"/>
+        </pc:sldMkLst>
+      </pc:sldChg>
+      <pc:sldChg chg="addSp delSp modSp mod modNotesTx">
+        <pc:chgData name="kyo wu" userId="9fc4cbcd-97c4-43ce-ad98-3a3b51c7e791" providerId="ADAL" clId="{4FC10D22-436B-BA44-8B6F-65941A79F02C}" dt="2025-05-27T08:24:12.136" v="2964" actId="20577"/>
+        <pc:sldMkLst>
+          <pc:docMk/>
+          <pc:sldMk cId="3482950747" sldId="1062"/>
+        </pc:sldMkLst>
+      </pc:sldChg>
+      <pc:sldChg chg="addSp delSp modSp mod">
+        <pc:chgData name="kyo wu" userId="9fc4cbcd-97c4-43ce-ad98-3a3b51c7e791" providerId="ADAL" clId="{4FC10D22-436B-BA44-8B6F-65941A79F02C}" dt="2025-05-27T02:00:44.520" v="2409" actId="1076"/>
+        <pc:sldMkLst>
+          <pc:docMk/>
+          <pc:sldMk cId="3821561532" sldId="1065"/>
+        </pc:sldMkLst>
+      </pc:sldChg>
+      <pc:sldChg chg="addSp modSp mod modNotesTx">
+        <pc:chgData name="kyo wu" userId="9fc4cbcd-97c4-43ce-ad98-3a3b51c7e791" providerId="ADAL" clId="{4FC10D22-436B-BA44-8B6F-65941A79F02C}" dt="2025-05-27T08:18:52.965" v="2799" actId="1076"/>
+        <pc:sldMkLst>
+          <pc:docMk/>
+          <pc:sldMk cId="1899706140" sldId="1067"/>
+        </pc:sldMkLst>
+      </pc:sldChg>
+      <pc:sldChg chg="addSp delSp modSp mod modNotesTx">
+        <pc:chgData name="kyo wu" userId="9fc4cbcd-97c4-43ce-ad98-3a3b51c7e791" providerId="ADAL" clId="{4FC10D22-436B-BA44-8B6F-65941A79F02C}" dt="2025-05-27T08:19:23.224" v="2806" actId="207"/>
+        <pc:sldMkLst>
+          <pc:docMk/>
+          <pc:sldMk cId="4203713536" sldId="1070"/>
+        </pc:sldMkLst>
+      </pc:sldChg>
+      <pc:sldChg chg="addSp modSp mod modNotesTx">
+        <pc:chgData name="kyo wu" userId="9fc4cbcd-97c4-43ce-ad98-3a3b51c7e791" providerId="ADAL" clId="{4FC10D22-436B-BA44-8B6F-65941A79F02C}" dt="2025-05-27T08:20:34.972" v="2820" actId="207"/>
+        <pc:sldMkLst>
+          <pc:docMk/>
+          <pc:sldMk cId="94235374" sldId="1071"/>
+        </pc:sldMkLst>
+      </pc:sldChg>
+      <pc:sldChg chg="addSp modSp mod">
+        <pc:chgData name="kyo wu" userId="9fc4cbcd-97c4-43ce-ad98-3a3b51c7e791" providerId="ADAL" clId="{4FC10D22-436B-BA44-8B6F-65941A79F02C}" dt="2025-05-27T02:05:17.750" v="2422" actId="1076"/>
+        <pc:sldMkLst>
+          <pc:docMk/>
+          <pc:sldMk cId="1480548481" sldId="1072"/>
+        </pc:sldMkLst>
+      </pc:sldChg>
+      <pc:sldChg chg="addSp delSp modSp mod">
+        <pc:chgData name="kyo wu" userId="9fc4cbcd-97c4-43ce-ad98-3a3b51c7e791" providerId="ADAL" clId="{4FC10D22-436B-BA44-8B6F-65941A79F02C}" dt="2025-05-26T08:57:03.734" v="807" actId="1076"/>
+        <pc:sldMkLst>
+          <pc:docMk/>
+          <pc:sldMk cId="823645288" sldId="1073"/>
+        </pc:sldMkLst>
+      </pc:sldChg>
+      <pc:sldChg chg="addSp modSp mod">
+        <pc:chgData name="kyo wu" userId="9fc4cbcd-97c4-43ce-ad98-3a3b51c7e791" providerId="ADAL" clId="{4FC10D22-436B-BA44-8B6F-65941A79F02C}" dt="2025-05-27T01:59:39.080" v="2392" actId="1076"/>
+        <pc:sldMkLst>
+          <pc:docMk/>
+          <pc:sldMk cId="1195934854" sldId="1074"/>
+        </pc:sldMkLst>
+      </pc:sldChg>
+      <pc:sldChg chg="addSp delSp modSp mod modNotesTx">
+        <pc:chgData name="kyo wu" userId="9fc4cbcd-97c4-43ce-ad98-3a3b51c7e791" providerId="ADAL" clId="{4FC10D22-436B-BA44-8B6F-65941A79F02C}" dt="2025-05-27T08:19:46.120" v="2811" actId="207"/>
+        <pc:sldMkLst>
+          <pc:docMk/>
+          <pc:sldMk cId="946162005" sldId="1075"/>
+        </pc:sldMkLst>
+      </pc:sldChg>
+      <pc:sldChg chg="addSp modSp mod">
+        <pc:chgData name="kyo wu" userId="9fc4cbcd-97c4-43ce-ad98-3a3b51c7e791" providerId="ADAL" clId="{4FC10D22-436B-BA44-8B6F-65941A79F02C}" dt="2025-05-27T02:05:26.983" v="2425" actId="1076"/>
+        <pc:sldMkLst>
+          <pc:docMk/>
+          <pc:sldMk cId="1196232856" sldId="1078"/>
+        </pc:sldMkLst>
+      </pc:sldChg>
+      <pc:sldChg chg="addSp delSp modSp mod">
+        <pc:chgData name="kyo wu" userId="9fc4cbcd-97c4-43ce-ad98-3a3b51c7e791" providerId="ADAL" clId="{4FC10D22-436B-BA44-8B6F-65941A79F02C}" dt="2025-05-26T09:37:02.095" v="1777" actId="1076"/>
+        <pc:sldMkLst>
+          <pc:docMk/>
+          <pc:sldMk cId="962082523" sldId="1079"/>
+        </pc:sldMkLst>
+      </pc:sldChg>
+      <pc:sldChg chg="addSp modSp mod">
+        <pc:chgData name="kyo wu" userId="9fc4cbcd-97c4-43ce-ad98-3a3b51c7e791" providerId="ADAL" clId="{4FC10D22-436B-BA44-8B6F-65941A79F02C}" dt="2025-05-27T02:01:28.099" v="2415" actId="1076"/>
+        <pc:sldMkLst>
+          <pc:docMk/>
+          <pc:sldMk cId="2302265373" sldId="1081"/>
+        </pc:sldMkLst>
+      </pc:sldChg>
+      <pc:sldChg chg="addSp modSp mod">
+        <pc:chgData name="kyo wu" userId="9fc4cbcd-97c4-43ce-ad98-3a3b51c7e791" providerId="ADAL" clId="{4FC10D22-436B-BA44-8B6F-65941A79F02C}" dt="2025-05-26T10:00:53" v="1883"/>
+        <pc:sldMkLst>
+          <pc:docMk/>
+          <pc:sldMk cId="202165637" sldId="1083"/>
+        </pc:sldMkLst>
+      </pc:sldChg>
+      <pc:sldChg chg="addSp modSp mod">
+        <pc:chgData name="kyo wu" userId="9fc4cbcd-97c4-43ce-ad98-3a3b51c7e791" providerId="ADAL" clId="{4FC10D22-436B-BA44-8B6F-65941A79F02C}" dt="2025-05-27T02:04:59.554" v="2419" actId="1076"/>
+        <pc:sldMkLst>
+          <pc:docMk/>
+          <pc:sldMk cId="2653494285" sldId="1084"/>
+        </pc:sldMkLst>
+      </pc:sldChg>
+      <pc:sldChg chg="addSp modSp mod">
+        <pc:chgData name="kyo wu" userId="9fc4cbcd-97c4-43ce-ad98-3a3b51c7e791" providerId="ADAL" clId="{4FC10D22-436B-BA44-8B6F-65941A79F02C}" dt="2025-05-26T10:02:59.905" v="1892" actId="1076"/>
+        <pc:sldMkLst>
+          <pc:docMk/>
+          <pc:sldMk cId="2560179593" sldId="1085"/>
+        </pc:sldMkLst>
+      </pc:sldChg>
+      <pc:sldChg chg="addSp modSp mod">
+        <pc:chgData name="kyo wu" userId="9fc4cbcd-97c4-43ce-ad98-3a3b51c7e791" providerId="ADAL" clId="{4FC10D22-436B-BA44-8B6F-65941A79F02C}" dt="2025-05-26T10:03:40.730" v="1930" actId="1076"/>
+        <pc:sldMkLst>
+          <pc:docMk/>
+          <pc:sldMk cId="4054427876" sldId="1086"/>
+        </pc:sldMkLst>
+      </pc:sldChg>
+      <pc:sldChg chg="addSp delSp modSp mod">
+        <pc:chgData name="kyo wu" userId="9fc4cbcd-97c4-43ce-ad98-3a3b51c7e791" providerId="ADAL" clId="{4FC10D22-436B-BA44-8B6F-65941A79F02C}" dt="2025-05-27T01:59:49.207" v="2395" actId="1076"/>
+        <pc:sldMkLst>
+          <pc:docMk/>
+          <pc:sldMk cId="1229839591" sldId="1087"/>
+        </pc:sldMkLst>
+      </pc:sldChg>
+      <pc:sldChg chg="addSp modSp mod modNotesTx">
+        <pc:chgData name="kyo wu" userId="9fc4cbcd-97c4-43ce-ad98-3a3b51c7e791" providerId="ADAL" clId="{4FC10D22-436B-BA44-8B6F-65941A79F02C}" dt="2025-05-27T08:22:54.383" v="2884" actId="207"/>
+        <pc:sldMkLst>
+          <pc:docMk/>
+          <pc:sldMk cId="2352517393" sldId="1090"/>
+        </pc:sldMkLst>
+      </pc:sldChg>
+      <pc:sldChg chg="addSp delSp modSp add mod modNotesTx">
+        <pc:chgData name="kyo wu" userId="9fc4cbcd-97c4-43ce-ad98-3a3b51c7e791" providerId="ADAL" clId="{4FC10D22-436B-BA44-8B6F-65941A79F02C}" dt="2025-05-27T08:23:51.442" v="2924" actId="1076"/>
+        <pc:sldMkLst>
+          <pc:docMk/>
+          <pc:sldMk cId="2621601975" sldId="1101"/>
+        </pc:sldMkLst>
+      </pc:sldChg>
+      <pc:sldChg chg="addSp modSp add mod modNotesTx">
+        <pc:chgData name="kyo wu" userId="9fc4cbcd-97c4-43ce-ad98-3a3b51c7e791" providerId="ADAL" clId="{4FC10D22-436B-BA44-8B6F-65941A79F02C}" dt="2025-05-27T08:22:32.778" v="2879" actId="207"/>
+        <pc:sldMkLst>
+          <pc:docMk/>
+          <pc:sldMk cId="1162599467" sldId="1102"/>
+        </pc:sldMkLst>
+      </pc:sldChg>
+      <pc:sldChg chg="addSp delSp modSp add mod">
+        <pc:chgData name="kyo wu" userId="9fc4cbcd-97c4-43ce-ad98-3a3b51c7e791" providerId="ADAL" clId="{4FC10D22-436B-BA44-8B6F-65941A79F02C}" dt="2025-05-26T09:36:15.243" v="1731" actId="1076"/>
+        <pc:sldMkLst>
+          <pc:docMk/>
+          <pc:sldMk cId="1999749692" sldId="1103"/>
+        </pc:sldMkLst>
+      </pc:sldChg>
+    </pc:docChg>
+  </pc:docChgLst>
+  <pc:docChgLst>
+    <pc:chgData name="Scott Uresse" userId="S::suresse@weveel.com::8e2bcbc1-71f3-4f21-81e8-3586559f920c" providerId="AD" clId="Web-{74003EEA-4ECF-2DE8-E28D-3D99E1391AD6}"/>
+    <pc:docChg chg="modSld">
+      <pc:chgData name="Scott Uresse" userId="S::suresse@weveel.com::8e2bcbc1-71f3-4f21-81e8-3586559f920c" providerId="AD" clId="Web-{74003EEA-4ECF-2DE8-E28D-3D99E1391AD6}" dt="2025-05-22T18:46:22.619" v="17" actId="20577"/>
+      <pc:docMkLst>
+        <pc:docMk/>
+      </pc:docMkLst>
+      <pc:sldChg chg="modSp">
+        <pc:chgData name="Scott Uresse" userId="S::suresse@weveel.com::8e2bcbc1-71f3-4f21-81e8-3586559f920c" providerId="AD" clId="Web-{74003EEA-4ECF-2DE8-E28D-3D99E1391AD6}" dt="2025-05-22T18:12:20.158" v="6" actId="20577"/>
+        <pc:sldMkLst>
+          <pc:docMk/>
+          <pc:sldMk cId="2224113988" sldId="1053"/>
+        </pc:sldMkLst>
+      </pc:sldChg>
+      <pc:sldChg chg="modSp">
+        <pc:chgData name="Scott Uresse" userId="S::suresse@weveel.com::8e2bcbc1-71f3-4f21-81e8-3586559f920c" providerId="AD" clId="Web-{74003EEA-4ECF-2DE8-E28D-3D99E1391AD6}" dt="2025-05-22T18:38:36.043" v="8" actId="20577"/>
+        <pc:sldMkLst>
+          <pc:docMk/>
+          <pc:sldMk cId="1480548481" sldId="1072"/>
+        </pc:sldMkLst>
+      </pc:sldChg>
+      <pc:sldChg chg="delSp modSp">
+        <pc:chgData name="Scott Uresse" userId="S::suresse@weveel.com::8e2bcbc1-71f3-4f21-81e8-3586559f920c" providerId="AD" clId="Web-{74003EEA-4ECF-2DE8-E28D-3D99E1391AD6}" dt="2025-05-22T18:46:22.619" v="17" actId="20577"/>
+        <pc:sldMkLst>
+          <pc:docMk/>
+          <pc:sldMk cId="2560179593" sldId="1085"/>
+        </pc:sldMkLst>
+      </pc:sldChg>
+    </pc:docChg>
+  </pc:docChgLst>
+  <pc:docChgLst>
+    <pc:chgData name="Trish Chornobroff" userId="S::trish@weveel.com::c16cad3b-4500-4150-9b63-fa63acce065f" providerId="AD" clId="Web-{2AB5D83C-6AC4-E23A-84C3-480B5A709DA1}"/>
+    <pc:docChg chg="modSld">
+      <pc:chgData name="Trish Chornobroff" userId="S::trish@weveel.com::c16cad3b-4500-4150-9b63-fa63acce065f" providerId="AD" clId="Web-{2AB5D83C-6AC4-E23A-84C3-480B5A709DA1}" dt="2025-05-27T12:54:04.465" v="0" actId="1076"/>
+      <pc:docMkLst>
+        <pc:docMk/>
+      </pc:docMkLst>
+      <pc:sldChg chg="modSp">
+        <pc:chgData name="Trish Chornobroff" userId="S::trish@weveel.com::c16cad3b-4500-4150-9b63-fa63acce065f" providerId="AD" clId="Web-{2AB5D83C-6AC4-E23A-84C3-480B5A709DA1}" dt="2025-05-27T12:54:04.465" v="0" actId="1076"/>
+        <pc:sldMkLst>
+          <pc:docMk/>
+          <pc:sldMk cId="2224113988" sldId="1053"/>
+        </pc:sldMkLst>
+      </pc:sldChg>
+    </pc:docChg>
+  </pc:docChgLst>
+  <pc:docChgLst>
+    <pc:chgData name="Trish Chornobroff" userId="c16cad3b-4500-4150-9b63-fa63acce065f" providerId="ADAL" clId="{C187B645-3FCC-416A-9120-24A96812D843}"/>
+    <pc:docChg chg="custSel modSld sldOrd modMainMaster">
+      <pc:chgData name="Trish Chornobroff" userId="c16cad3b-4500-4150-9b63-fa63acce065f" providerId="ADAL" clId="{C187B645-3FCC-416A-9120-24A96812D843}" dt="2025-05-22T16:26:33.940" v="332" actId="20577"/>
+      <pc:docMkLst>
+        <pc:docMk/>
+      </pc:docMkLst>
+      <pc:sldChg chg="modSp mod">
+        <pc:chgData name="Trish Chornobroff" userId="c16cad3b-4500-4150-9b63-fa63acce065f" providerId="ADAL" clId="{C187B645-3FCC-416A-9120-24A96812D843}" dt="2025-05-22T15:54:15.715" v="189" actId="1076"/>
+        <pc:sldMkLst>
+          <pc:docMk/>
+          <pc:sldMk cId="0" sldId="261"/>
+        </pc:sldMkLst>
+      </pc:sldChg>
+      <pc:sldChg chg="modSp mod">
+        <pc:chgData name="Trish Chornobroff" userId="c16cad3b-4500-4150-9b63-fa63acce065f" providerId="ADAL" clId="{C187B645-3FCC-416A-9120-24A96812D843}" dt="2025-05-22T15:54:24.102" v="190" actId="1076"/>
+        <pc:sldMkLst>
+          <pc:docMk/>
+          <pc:sldMk cId="0" sldId="262"/>
+        </pc:sldMkLst>
+      </pc:sldChg>
+      <pc:sldChg chg="modSp mod">
+        <pc:chgData name="Trish Chornobroff" userId="c16cad3b-4500-4150-9b63-fa63acce065f" providerId="ADAL" clId="{C187B645-3FCC-416A-9120-24A96812D843}" dt="2025-05-22T15:54:30.974" v="191" actId="1076"/>
+        <pc:sldMkLst>
+          <pc:docMk/>
+          <pc:sldMk cId="0" sldId="264"/>
+        </pc:sldMkLst>
+      </pc:sldChg>
+      <pc:sldChg chg="modSp mod">
+        <pc:chgData name="Trish Chornobroff" userId="c16cad3b-4500-4150-9b63-fa63acce065f" providerId="ADAL" clId="{C187B645-3FCC-416A-9120-24A96812D843}" dt="2025-05-22T15:54:56.207" v="194" actId="1076"/>
+        <pc:sldMkLst>
+          <pc:docMk/>
+          <pc:sldMk cId="0" sldId="268"/>
+        </pc:sldMkLst>
+      </pc:sldChg>
+      <pc:sldChg chg="modSp mod ord modNotesTx">
+        <pc:chgData name="Trish Chornobroff" userId="c16cad3b-4500-4150-9b63-fa63acce065f" providerId="ADAL" clId="{C187B645-3FCC-416A-9120-24A96812D843}" dt="2025-05-22T16:02:11.199" v="223" actId="20577"/>
+        <pc:sldMkLst>
+          <pc:docMk/>
+          <pc:sldMk cId="519669046" sldId="1036"/>
+        </pc:sldMkLst>
+      </pc:sldChg>
+      <pc:sldChg chg="modSp mod ord">
+        <pc:chgData name="Trish Chornobroff" userId="c16cad3b-4500-4150-9b63-fa63acce065f" providerId="ADAL" clId="{C187B645-3FCC-416A-9120-24A96812D843}" dt="2025-05-22T16:13:49.042" v="283" actId="6549"/>
+        <pc:sldMkLst>
+          <pc:docMk/>
+          <pc:sldMk cId="3249069252" sldId="1039"/>
+        </pc:sldMkLst>
+      </pc:sldChg>
+      <pc:sldChg chg="modSp mod ord">
+        <pc:chgData name="Trish Chornobroff" userId="c16cad3b-4500-4150-9b63-fa63acce065f" providerId="ADAL" clId="{C187B645-3FCC-416A-9120-24A96812D843}" dt="2025-05-22T16:17:14.108" v="297" actId="20577"/>
+        <pc:sldMkLst>
+          <pc:docMk/>
+          <pc:sldMk cId="789578636" sldId="1049"/>
+        </pc:sldMkLst>
+      </pc:sldChg>
+      <pc:sldChg chg="modSp mod modNotesTx">
+        <pc:chgData name="Trish Chornobroff" userId="c16cad3b-4500-4150-9b63-fa63acce065f" providerId="ADAL" clId="{C187B645-3FCC-416A-9120-24A96812D843}" dt="2025-05-22T16:14:57.684" v="287" actId="20577"/>
+        <pc:sldMkLst>
+          <pc:docMk/>
+          <pc:sldMk cId="1092222023" sldId="1050"/>
+        </pc:sldMkLst>
+      </pc:sldChg>
+      <pc:sldChg chg="addSp delSp modSp mod ord modNotesTx">
+        <pc:chgData name="Trish Chornobroff" userId="c16cad3b-4500-4150-9b63-fa63acce065f" providerId="ADAL" clId="{C187B645-3FCC-416A-9120-24A96812D843}" dt="2025-05-22T16:18:41.177" v="300" actId="20577"/>
+        <pc:sldMkLst>
+          <pc:docMk/>
+          <pc:sldMk cId="3353924986" sldId="1052"/>
+        </pc:sldMkLst>
+      </pc:sldChg>
+      <pc:sldChg chg="addSp modSp mod modNotesTx">
+        <pc:chgData name="Trish Chornobroff" userId="c16cad3b-4500-4150-9b63-fa63acce065f" providerId="ADAL" clId="{C187B645-3FCC-416A-9120-24A96812D843}" dt="2025-05-22T16:26:33.940" v="332" actId="20577"/>
+        <pc:sldMkLst>
+          <pc:docMk/>
+          <pc:sldMk cId="2224113988" sldId="1053"/>
+        </pc:sldMkLst>
+      </pc:sldChg>
+      <pc:sldChg chg="modSp mod ord">
+        <pc:chgData name="Trish Chornobroff" userId="c16cad3b-4500-4150-9b63-fa63acce065f" providerId="ADAL" clId="{C187B645-3FCC-416A-9120-24A96812D843}" dt="2025-05-22T16:07:19.932" v="246" actId="1076"/>
+        <pc:sldMkLst>
+          <pc:docMk/>
+          <pc:sldMk cId="4282814327" sldId="1059"/>
+        </pc:sldMkLst>
+      </pc:sldChg>
+      <pc:sldChg chg="modSp mod ord">
+        <pc:chgData name="Trish Chornobroff" userId="c16cad3b-4500-4150-9b63-fa63acce065f" providerId="ADAL" clId="{C187B645-3FCC-416A-9120-24A96812D843}" dt="2025-05-22T16:06:50.133" v="241" actId="20577"/>
+        <pc:sldMkLst>
+          <pc:docMk/>
+          <pc:sldMk cId="3482950747" sldId="1062"/>
+        </pc:sldMkLst>
+      </pc:sldChg>
+      <pc:sldChg chg="addSp modSp mod ord modNotesTx">
+        <pc:chgData name="Trish Chornobroff" userId="c16cad3b-4500-4150-9b63-fa63acce065f" providerId="ADAL" clId="{C187B645-3FCC-416A-9120-24A96812D843}" dt="2025-05-22T16:05:00.363" v="235" actId="20577"/>
+        <pc:sldMkLst>
+          <pc:docMk/>
+          <pc:sldMk cId="3821561532" sldId="1065"/>
+        </pc:sldMkLst>
+      </pc:sldChg>
+      <pc:sldChg chg="modSp mod ord">
+        <pc:chgData name="Trish Chornobroff" userId="c16cad3b-4500-4150-9b63-fa63acce065f" providerId="ADAL" clId="{C187B645-3FCC-416A-9120-24A96812D843}" dt="2025-05-22T15:56:35" v="203" actId="20577"/>
+        <pc:sldMkLst>
+          <pc:docMk/>
+          <pc:sldMk cId="1899706140" sldId="1067"/>
+        </pc:sldMkLst>
+        <pc:spChg chg="mod">
+          <ac:chgData name="Trish Chornobroff" userId="c16cad3b-4500-4150-9b63-fa63acce065f" providerId="ADAL" clId="{C187B645-3FCC-416A-9120-24A96812D843}" dt="2025-05-22T15:56:35" v="203" actId="20577"/>
+          <ac:spMkLst>
+            <pc:docMk/>
+            <pc:sldMk cId="1899706140" sldId="1067"/>
+            <ac:spMk id="19" creationId="{C75EB4B1-FE1E-9122-FFD8-D61661401409}"/>
+          </ac:spMkLst>
+        </pc:spChg>
+      </pc:sldChg>
+      <pc:sldChg chg="addSp modSp mod ord modNotesTx">
+        <pc:chgData name="Trish Chornobroff" userId="c16cad3b-4500-4150-9b63-fa63acce065f" providerId="ADAL" clId="{C187B645-3FCC-416A-9120-24A96812D843}" dt="2025-05-22T16:17:46.960" v="299" actId="20577"/>
+        <pc:sldMkLst>
+          <pc:docMk/>
+          <pc:sldMk cId="4203713536" sldId="1070"/>
+        </pc:sldMkLst>
+      </pc:sldChg>
+      <pc:sldChg chg="modSp mod ord">
+        <pc:chgData name="Trish Chornobroff" userId="c16cad3b-4500-4150-9b63-fa63acce065f" providerId="ADAL" clId="{C187B645-3FCC-416A-9120-24A96812D843}" dt="2025-05-22T16:04:17.302" v="226" actId="20577"/>
+        <pc:sldMkLst>
+          <pc:docMk/>
+          <pc:sldMk cId="94235374" sldId="1071"/>
+        </pc:sldMkLst>
+      </pc:sldChg>
+      <pc:sldChg chg="modSp mod ord">
+        <pc:chgData name="Trish Chornobroff" userId="c16cad3b-4500-4150-9b63-fa63acce065f" providerId="ADAL" clId="{C187B645-3FCC-416A-9120-24A96812D843}" dt="2025-05-22T16:15:50.948" v="291" actId="20577"/>
+        <pc:sldMkLst>
+          <pc:docMk/>
+          <pc:sldMk cId="1480548481" sldId="1072"/>
+        </pc:sldMkLst>
+      </pc:sldChg>
+      <pc:sldChg chg="addSp modSp mod ord">
+        <pc:chgData name="Trish Chornobroff" userId="c16cad3b-4500-4150-9b63-fa63acce065f" providerId="ADAL" clId="{C187B645-3FCC-416A-9120-24A96812D843}" dt="2025-05-22T15:59:59.268" v="209" actId="20577"/>
+        <pc:sldMkLst>
+          <pc:docMk/>
+          <pc:sldMk cId="823645288" sldId="1073"/>
+        </pc:sldMkLst>
+      </pc:sldChg>
+      <pc:sldChg chg="modSp mod ord">
+        <pc:chgData name="Trish Chornobroff" userId="c16cad3b-4500-4150-9b63-fa63acce065f" providerId="ADAL" clId="{C187B645-3FCC-416A-9120-24A96812D843}" dt="2025-05-22T15:49:51.852" v="152" actId="20577"/>
+        <pc:sldMkLst>
+          <pc:docMk/>
+          <pc:sldMk cId="1195934854" sldId="1074"/>
+        </pc:sldMkLst>
+      </pc:sldChg>
+      <pc:sldChg chg="delSp modSp mod ord modNotesTx">
+        <pc:chgData name="Trish Chornobroff" userId="c16cad3b-4500-4150-9b63-fa63acce065f" providerId="ADAL" clId="{C187B645-3FCC-416A-9120-24A96812D843}" dt="2025-05-22T16:01:57.016" v="222" actId="20577"/>
+        <pc:sldMkLst>
+          <pc:docMk/>
+          <pc:sldMk cId="946162005" sldId="1075"/>
+        </pc:sldMkLst>
+      </pc:sldChg>
+      <pc:sldChg chg="modSp mod ord modNotesTx">
+        <pc:chgData name="Trish Chornobroff" userId="c16cad3b-4500-4150-9b63-fa63acce065f" providerId="ADAL" clId="{C187B645-3FCC-416A-9120-24A96812D843}" dt="2025-05-22T15:57:31.609" v="206" actId="20577"/>
+        <pc:sldMkLst>
+          <pc:docMk/>
+          <pc:sldMk cId="1196232856" sldId="1078"/>
+        </pc:sldMkLst>
+      </pc:sldChg>
+      <pc:sldChg chg="delSp modSp mod">
+        <pc:chgData name="Trish Chornobroff" userId="c16cad3b-4500-4150-9b63-fa63acce065f" providerId="ADAL" clId="{C187B645-3FCC-416A-9120-24A96812D843}" dt="2025-05-22T16:08:05.553" v="252" actId="404"/>
+        <pc:sldMkLst>
+          <pc:docMk/>
+          <pc:sldMk cId="962082523" sldId="1079"/>
+        </pc:sldMkLst>
+      </pc:sldChg>
+      <pc:sldChg chg="delSp modSp mod">
+        <pc:chgData name="Trish Chornobroff" userId="c16cad3b-4500-4150-9b63-fa63acce065f" providerId="ADAL" clId="{C187B645-3FCC-416A-9120-24A96812D843}" dt="2025-05-22T16:21:56.588" v="311" actId="20577"/>
+        <pc:sldMkLst>
+          <pc:docMk/>
+          <pc:sldMk cId="2302265373" sldId="1081"/>
+        </pc:sldMkLst>
+      </pc:sldChg>
+      <pc:sldChg chg="delSp modSp mod">
+        <pc:chgData name="Trish Chornobroff" userId="c16cad3b-4500-4150-9b63-fa63acce065f" providerId="ADAL" clId="{C187B645-3FCC-416A-9120-24A96812D843}" dt="2025-05-22T16:22:36.952" v="317" actId="20577"/>
+        <pc:sldMkLst>
+          <pc:docMk/>
+          <pc:sldMk cId="202165637" sldId="1083"/>
+        </pc:sldMkLst>
+      </pc:sldChg>
+      <pc:sldChg chg="modSp mod">
+        <pc:chgData name="Trish Chornobroff" userId="c16cad3b-4500-4150-9b63-fa63acce065f" providerId="ADAL" clId="{C187B645-3FCC-416A-9120-24A96812D843}" dt="2025-05-22T16:19:56.233" v="306" actId="20577"/>
+        <pc:sldMkLst>
+          <pc:docMk/>
+          <pc:sldMk cId="2653494285" sldId="1084"/>
+        </pc:sldMkLst>
+      </pc:sldChg>
+      <pc:sldChg chg="modSp mod ord">
+        <pc:chgData name="Trish Chornobroff" userId="c16cad3b-4500-4150-9b63-fa63acce065f" providerId="ADAL" clId="{C187B645-3FCC-416A-9120-24A96812D843}" dt="2025-05-22T16:18:52.031" v="304" actId="20577"/>
+        <pc:sldMkLst>
+          <pc:docMk/>
+          <pc:sldMk cId="2560179593" sldId="1085"/>
+        </pc:sldMkLst>
+      </pc:sldChg>
+      <pc:sldChg chg="modSp mod ord">
+        <pc:chgData name="Trish Chornobroff" userId="c16cad3b-4500-4150-9b63-fa63acce065f" providerId="ADAL" clId="{C187B645-3FCC-416A-9120-24A96812D843}" dt="2025-05-22T16:16:29.668" v="292" actId="20577"/>
+        <pc:sldMkLst>
+          <pc:docMk/>
+          <pc:sldMk cId="4054427876" sldId="1086"/>
+        </pc:sldMkLst>
+      </pc:sldChg>
+      <pc:sldChg chg="addSp modSp mod ord modNotesTx">
+        <pc:chgData name="Trish Chornobroff" userId="c16cad3b-4500-4150-9b63-fa63acce065f" providerId="ADAL" clId="{C187B645-3FCC-416A-9120-24A96812D843}" dt="2025-05-22T16:16:45.608" v="294" actId="20577"/>
+        <pc:sldMkLst>
+          <pc:docMk/>
+          <pc:sldMk cId="1229839591" sldId="1087"/>
+        </pc:sldMkLst>
+      </pc:sldChg>
+      <pc:sldChg chg="modSp mod ord">
+        <pc:chgData name="Trish Chornobroff" userId="c16cad3b-4500-4150-9b63-fa63acce065f" providerId="ADAL" clId="{C187B645-3FCC-416A-9120-24A96812D843}" dt="2025-05-22T16:23:58.982" v="323" actId="20577"/>
+        <pc:sldMkLst>
+          <pc:docMk/>
+          <pc:sldMk cId="2352517393" sldId="1090"/>
+        </pc:sldMkLst>
+      </pc:sldChg>
+      <pc:sldChg chg="modSp mod">
+        <pc:chgData name="Trish Chornobroff" userId="c16cad3b-4500-4150-9b63-fa63acce065f" providerId="ADAL" clId="{C187B645-3FCC-416A-9120-24A96812D843}" dt="2025-05-22T15:54:02.916" v="187" actId="1076"/>
+        <pc:sldMkLst>
+          <pc:docMk/>
+          <pc:sldMk cId="0" sldId="1092"/>
+        </pc:sldMkLst>
+      </pc:sldChg>
+      <pc:sldChg chg="modSp mod">
+        <pc:chgData name="Trish Chornobroff" userId="c16cad3b-4500-4150-9b63-fa63acce065f" providerId="ADAL" clId="{C187B645-3FCC-416A-9120-24A96812D843}" dt="2025-05-22T15:53:59.233" v="186" actId="1076"/>
+        <pc:sldMkLst>
+          <pc:docMk/>
+          <pc:sldMk cId="0" sldId="1093"/>
+        </pc:sldMkLst>
+      </pc:sldChg>
+      <pc:sldChg chg="modSp mod">
+        <pc:chgData name="Trish Chornobroff" userId="c16cad3b-4500-4150-9b63-fa63acce065f" providerId="ADAL" clId="{C187B645-3FCC-416A-9120-24A96812D843}" dt="2025-05-22T15:53:54.582" v="185" actId="1076"/>
+        <pc:sldMkLst>
+          <pc:docMk/>
+          <pc:sldMk cId="0" sldId="1094"/>
+        </pc:sldMkLst>
+      </pc:sldChg>
+      <pc:sldChg chg="modSp mod">
+        <pc:chgData name="Trish Chornobroff" userId="c16cad3b-4500-4150-9b63-fa63acce065f" providerId="ADAL" clId="{C187B645-3FCC-416A-9120-24A96812D843}" dt="2025-05-22T15:54:10.773" v="188" actId="1076"/>
+        <pc:sldMkLst>
+          <pc:docMk/>
+          <pc:sldMk cId="0" sldId="1095"/>
+        </pc:sldMkLst>
+      </pc:sldChg>
+      <pc:sldChg chg="modSp mod">
+        <pc:chgData name="Trish Chornobroff" userId="c16cad3b-4500-4150-9b63-fa63acce065f" providerId="ADAL" clId="{C187B645-3FCC-416A-9120-24A96812D843}" dt="2025-05-22T15:54:38.684" v="192" actId="1076"/>
+        <pc:sldMkLst>
+          <pc:docMk/>
+          <pc:sldMk cId="0" sldId="1096"/>
+        </pc:sldMkLst>
+      </pc:sldChg>
+      <pc:sldChg chg="modSp mod">
+        <pc:chgData name="Trish Chornobroff" userId="c16cad3b-4500-4150-9b63-fa63acce065f" providerId="ADAL" clId="{C187B645-3FCC-416A-9120-24A96812D843}" dt="2025-05-22T15:54:43.049" v="193" actId="1076"/>
+        <pc:sldMkLst>
+          <pc:docMk/>
+          <pc:sldMk cId="0" sldId="1097"/>
+        </pc:sldMkLst>
+      </pc:sldChg>
+      <pc:sldMasterChg chg="modSldLayout">
+        <pc:chgData name="Trish Chornobroff" userId="c16cad3b-4500-4150-9b63-fa63acce065f" providerId="ADAL" clId="{C187B645-3FCC-416A-9120-24A96812D843}" dt="2025-05-22T15:42:45.140" v="64" actId="1076"/>
+        <pc:sldMasterMkLst>
+          <pc:docMk/>
+          <pc:sldMasterMk cId="1095230361" sldId="2147483654"/>
+        </pc:sldMasterMkLst>
+        <pc:sldLayoutChg chg="modSp mod">
+          <pc:chgData name="Trish Chornobroff" userId="c16cad3b-4500-4150-9b63-fa63acce065f" providerId="ADAL" clId="{C187B645-3FCC-416A-9120-24A96812D843}" dt="2025-05-22T15:42:45.140" v="64" actId="1076"/>
+          <pc:sldLayoutMkLst>
+            <pc:docMk/>
+            <pc:sldMasterMk cId="1095230361" sldId="2147483654"/>
+            <pc:sldLayoutMk cId="2629442108" sldId="2147483661"/>
+          </pc:sldLayoutMkLst>
+        </pc:sldLayoutChg>
+      </pc:sldMasterChg>
+    </pc:docChg>
+  </pc:docChgLst>
+  <pc:docChgLst>
+    <pc:chgData name="Trish Chornobroff" userId="S::trish@weveel.com::c16cad3b-4500-4150-9b63-fa63acce065f" providerId="AD" clId="Web-{209FAAF0-B9B1-30A7-8949-AE78BA6F99A9}"/>
+    <pc:docChg chg="modSld">
+      <pc:chgData name="Trish Chornobroff" userId="S::trish@weveel.com::c16cad3b-4500-4150-9b63-fa63acce065f" providerId="AD" clId="Web-{209FAAF0-B9B1-30A7-8949-AE78BA6F99A9}" dt="2025-05-27T00:29:53.028" v="2" actId="1076"/>
+      <pc:docMkLst>
+        <pc:docMk/>
+      </pc:docMkLst>
+      <pc:sldChg chg="modSp">
+        <pc:chgData name="Trish Chornobroff" userId="S::trish@weveel.com::c16cad3b-4500-4150-9b63-fa63acce065f" providerId="AD" clId="Web-{209FAAF0-B9B1-30A7-8949-AE78BA6F99A9}" dt="2025-05-27T00:29:53.028" v="2" actId="1076"/>
+        <pc:sldMkLst>
+          <pc:docMk/>
+          <pc:sldMk cId="2224113988" sldId="1053"/>
+        </pc:sldMkLst>
+      </pc:sldChg>
+    </pc:docChg>
+  </pc:docChgLst>
+  <pc:docChgLst>
+    <pc:chgData name="Rosa Yu" userId="4aa9040a-ffdc-4a09-94c7-0e64d845824e" providerId="ADAL" clId="{177DF340-F636-4D8A-8958-AEB544EAFAA2}"/>
+    <pc:docChg chg="modNotesMaster modHandout">
+      <pc:chgData name="Rosa Yu" userId="4aa9040a-ffdc-4a09-94c7-0e64d845824e" providerId="ADAL" clId="{177DF340-F636-4D8A-8958-AEB544EAFAA2}" dt="2025-05-26T01:46:55.377" v="0"/>
+      <pc:docMkLst>
+        <pc:docMk/>
+      </pc:docMkLst>
+    </pc:docChg>
+  </pc:docChgLst>
+  <pc:docChgLst>
+    <pc:chgData name="Willa" userId="2543490d-8df5-407c-91d3-3052b2e840db" providerId="ADAL" clId="{95ABA67D-9611-40DE-AA38-E1914ABBD573}"/>
+    <pc:docChg chg="undo redo custSel modSld">
+      <pc:chgData name="Willa" userId="2543490d-8df5-407c-91d3-3052b2e840db" providerId="ADAL" clId="{95ABA67D-9611-40DE-AA38-E1914ABBD573}" dt="2025-05-26T03:17:04.138" v="60" actId="14100"/>
+      <pc:docMkLst>
+        <pc:docMk/>
+      </pc:docMkLst>
+      <pc:sldChg chg="addSp delSp modSp mod">
+        <pc:chgData name="Willa" userId="2543490d-8df5-407c-91d3-3052b2e840db" providerId="ADAL" clId="{95ABA67D-9611-40DE-AA38-E1914ABBD573}" dt="2025-05-26T02:22:28.725" v="54" actId="14100"/>
+        <pc:sldMkLst>
+          <pc:docMk/>
+          <pc:sldMk cId="3482950747" sldId="1062"/>
+        </pc:sldMkLst>
+      </pc:sldChg>
+      <pc:sldChg chg="modSp mod">
+        <pc:chgData name="Willa" userId="2543490d-8df5-407c-91d3-3052b2e840db" providerId="ADAL" clId="{95ABA67D-9611-40DE-AA38-E1914ABBD573}" dt="2025-05-22T09:33:06.390" v="5" actId="20577"/>
+        <pc:sldMkLst>
+          <pc:docMk/>
+          <pc:sldMk cId="94235374" sldId="1071"/>
+        </pc:sldMkLst>
+      </pc:sldChg>
+      <pc:sldChg chg="addSp delSp modSp mod">
+        <pc:chgData name="Willa" userId="2543490d-8df5-407c-91d3-3052b2e840db" providerId="ADAL" clId="{95ABA67D-9611-40DE-AA38-E1914ABBD573}" dt="2025-05-26T03:17:04.138" v="60" actId="14100"/>
+        <pc:sldMkLst>
+          <pc:docMk/>
+          <pc:sldMk cId="823645288" sldId="1073"/>
+        </pc:sldMkLst>
+      </pc:sldChg>
+      <pc:sldChg chg="modSp mod">
+        <pc:chgData name="Willa" userId="2543490d-8df5-407c-91d3-3052b2e840db" providerId="ADAL" clId="{95ABA67D-9611-40DE-AA38-E1914ABBD573}" dt="2025-05-26T02:21:26.788" v="48" actId="1076"/>
+        <pc:sldMkLst>
+          <pc:docMk/>
+          <pc:sldMk cId="962082523" sldId="1079"/>
+        </pc:sldMkLst>
+      </pc:sldChg>
+      <pc:sldChg chg="modSp mod">
+        <pc:chgData name="Willa" userId="2543490d-8df5-407c-91d3-3052b2e840db" providerId="ADAL" clId="{95ABA67D-9611-40DE-AA38-E1914ABBD573}" dt="2025-05-22T09:49:14.821" v="31"/>
+        <pc:sldMkLst>
+          <pc:docMk/>
+          <pc:sldMk cId="2302265373" sldId="1081"/>
+        </pc:sldMkLst>
+      </pc:sldChg>
+      <pc:sldChg chg="modSp mod">
+        <pc:chgData name="Willa" userId="2543490d-8df5-407c-91d3-3052b2e840db" providerId="ADAL" clId="{95ABA67D-9611-40DE-AA38-E1914ABBD573}" dt="2025-05-22T09:37:57.206" v="16" actId="20577"/>
+        <pc:sldMkLst>
+          <pc:docMk/>
+          <pc:sldMk cId="2653494285" sldId="1084"/>
+        </pc:sldMkLst>
+      </pc:sldChg>
+      <pc:sldChg chg="modSp mod">
+        <pc:chgData name="Willa" userId="2543490d-8df5-407c-91d3-3052b2e840db" providerId="ADAL" clId="{95ABA67D-9611-40DE-AA38-E1914ABBD573}" dt="2025-05-22T09:22:45.320" v="3" actId="20577"/>
+        <pc:sldMkLst>
+          <pc:docMk/>
+          <pc:sldMk cId="2560179593" sldId="1085"/>
+        </pc:sldMkLst>
+      </pc:sldChg>
+      <pc:sldChg chg="modSp mod">
+        <pc:chgData name="Willa" userId="2543490d-8df5-407c-91d3-3052b2e840db" providerId="ADAL" clId="{95ABA67D-9611-40DE-AA38-E1914ABBD573}" dt="2025-05-22T09:21:03.083" v="1" actId="20577"/>
+        <pc:sldMkLst>
+          <pc:docMk/>
+          <pc:sldMk cId="2352517393" sldId="1090"/>
+        </pc:sldMkLst>
+      </pc:sldChg>
+      <pc:sldChg chg="delSp mod">
+        <pc:chgData name="Willa" userId="2543490d-8df5-407c-91d3-3052b2e840db" providerId="ADAL" clId="{95ABA67D-9611-40DE-AA38-E1914ABBD573}" dt="2025-05-26T02:20:09.801" v="42" actId="478"/>
+        <pc:sldMkLst>
+          <pc:docMk/>
+          <pc:sldMk cId="2621601975" sldId="1101"/>
+        </pc:sldMkLst>
+      </pc:sldChg>
+      <pc:sldChg chg="delSp mod">
+        <pc:chgData name="Willa" userId="2543490d-8df5-407c-91d3-3052b2e840db" providerId="ADAL" clId="{95ABA67D-9611-40DE-AA38-E1914ABBD573}" dt="2025-05-26T02:20:02.310" v="41" actId="478"/>
+        <pc:sldMkLst>
+          <pc:docMk/>
+          <pc:sldMk cId="1999749692" sldId="1103"/>
+        </pc:sldMkLst>
+      </pc:sldChg>
     </pc:docChg>
   </pc:docChgLst>
 </pc:chgInfo>
 </file>
 
-<file path=ppt/slideLayouts/slideLayout1.xml><?xml version="1.0" encoding="utf-8"?>
-<p:sldLayout xmlns:a="http://schemas.openxmlformats.org/drawingml/2006/main" xmlns:r="http://schemas.openxmlformats.org/officeDocument/2006/relationships" xmlns:p="http://schemas.openxmlformats.org/presentationml/2006/main" type="title" preserve="1">
-  <p:cSld name="标题幻灯片">
+<file path=ppt/handoutMasters/handoutMaster1.xml><?xml version="1.0" encoding="utf-8"?>
+<p:handoutMaster xmlns:a="http://schemas.openxmlformats.org/drawingml/2006/main" xmlns:r="http://schemas.openxmlformats.org/officeDocument/2006/relationships" xmlns:p="http://schemas.openxmlformats.org/presentationml/2006/main">
+  <p:cSld>
+    <p:bg>
+      <p:bgRef idx="1001">
+        <a:schemeClr val="bg1"/>
+      </p:bgRef>
+    </p:bg>
     <p:spTree>
       <p:nvGrpSpPr>
         <p:cNvPr id="1" name=""/>
@@ -229,228 +1337,699 @@
       </p:grpSpPr>
       <p:sp>
         <p:nvSpPr>
-          <p:cNvPr id="2" name="标题 1">
-            <a:extLst>
-              <a:ext uri="{FF2B5EF4-FFF2-40B4-BE49-F238E27FC236}">
-                <a16:creationId xmlns:a16="http://schemas.microsoft.com/office/drawing/2014/main" id="{F8CEA546-CC46-CFC3-82FB-ADF361E86A3D}"/>
-              </a:ext>
-            </a:extLst>
-          </p:cNvPr>
+          <p:cNvPr id="2" name="页眉占位符 1"/>
           <p:cNvSpPr>
             <a:spLocks noGrp="1"/>
           </p:cNvSpPr>
           <p:nvPr>
-            <p:ph type="ctrTitle"/>
+            <p:ph type="hdr" sz="quarter"/>
           </p:nvPr>
         </p:nvSpPr>
         <p:spPr>
           <a:xfrm>
-            <a:off x="1524000" y="1122363"/>
-            <a:ext cx="9144000" cy="2387600"/>
+            <a:off x="0" y="1"/>
+            <a:ext cx="4342341" cy="345413"/>
           </a:xfrm>
           <a:prstGeom prst="rect">
             <a:avLst/>
           </a:prstGeom>
         </p:spPr>
         <p:txBody>
-          <a:bodyPr anchor="b"/>
+          <a:bodyPr vert="horz" lIns="64868" tIns="32434" rIns="64868" bIns="32434" rtlCol="0"/>
           <a:lstStyle>
-            <a:lvl1pPr algn="ctr">
-              <a:defRPr sz="6000"/>
+            <a:lvl1pPr algn="l">
+              <a:defRPr sz="900"/>
             </a:lvl1pPr>
           </a:lstStyle>
           <a:p>
-            <a:r>
-              <a:rPr kumimoji="1" lang="zh-CN" altLang="en-US"/>
-              <a:t>单击此处编辑母版标题样式</a:t>
-            </a:r>
+            <a:endParaRPr lang="zh-CN" altLang="en-US"/>
           </a:p>
         </p:txBody>
       </p:sp>
       <p:sp>
         <p:nvSpPr>
-          <p:cNvPr id="3" name="副标题 2">
-            <a:extLst>
-              <a:ext uri="{FF2B5EF4-FFF2-40B4-BE49-F238E27FC236}">
-                <a16:creationId xmlns:a16="http://schemas.microsoft.com/office/drawing/2014/main" id="{827A6708-2453-C8A0-ACEA-1A335D1F88E0}"/>
-              </a:ext>
-            </a:extLst>
-          </p:cNvPr>
+          <p:cNvPr id="3" name="日期占位符 2"/>
           <p:cNvSpPr>
             <a:spLocks noGrp="1"/>
           </p:cNvSpPr>
           <p:nvPr>
-            <p:ph type="subTitle" idx="1"/>
+            <p:ph type="dt" sz="quarter" idx="1"/>
           </p:nvPr>
         </p:nvSpPr>
         <p:spPr>
           <a:xfrm>
-            <a:off x="1524000" y="3602038"/>
-            <a:ext cx="9144000" cy="1655762"/>
+            <a:off x="5675857" y="1"/>
+            <a:ext cx="4342340" cy="345413"/>
           </a:xfrm>
           <a:prstGeom prst="rect">
             <a:avLst/>
           </a:prstGeom>
         </p:spPr>
         <p:txBody>
-          <a:bodyPr/>
+          <a:bodyPr vert="horz" lIns="64868" tIns="32434" rIns="64868" bIns="32434" rtlCol="0"/>
           <a:lstStyle>
-            <a:lvl1pPr marL="0" indent="0" algn="ctr">
-              <a:buNone/>
-              <a:defRPr sz="2400"/>
+            <a:lvl1pPr algn="r">
+              <a:defRPr sz="900"/>
             </a:lvl1pPr>
-            <a:lvl2pPr marL="457200" indent="0" algn="ctr">
-              <a:buNone/>
-              <a:defRPr sz="2000"/>
-            </a:lvl2pPr>
-            <a:lvl3pPr marL="914400" indent="0" algn="ctr">
-              <a:buNone/>
-              <a:defRPr sz="1800"/>
-            </a:lvl3pPr>
-            <a:lvl4pPr marL="1371600" indent="0" algn="ctr">
-              <a:buNone/>
-              <a:defRPr sz="1600"/>
-            </a:lvl4pPr>
-            <a:lvl5pPr marL="1828800" indent="0" algn="ctr">
-              <a:buNone/>
-              <a:defRPr sz="1600"/>
-            </a:lvl5pPr>
-            <a:lvl6pPr marL="2286000" indent="0" algn="ctr">
-              <a:buNone/>
-              <a:defRPr sz="1600"/>
-            </a:lvl6pPr>
-            <a:lvl7pPr marL="2743200" indent="0" algn="ctr">
-              <a:buNone/>
-              <a:defRPr sz="1600"/>
-            </a:lvl7pPr>
-            <a:lvl8pPr marL="3200400" indent="0" algn="ctr">
-              <a:buNone/>
-              <a:defRPr sz="1600"/>
-            </a:lvl8pPr>
-            <a:lvl9pPr marL="3657600" indent="0" algn="ctr">
-              <a:buNone/>
-              <a:defRPr sz="1600"/>
-            </a:lvl9pPr>
           </a:lstStyle>
           <a:p>
-            <a:r>
-              <a:rPr kumimoji="1" lang="zh-CN" altLang="en-US"/>
-              <a:t>单击此处编辑母版副标题样式</a:t>
-            </a:r>
+            <a:fld id="{F8DA8676-5308-46A3-A7EC-E61E5B8D2AE3}" type="datetimeFigureOut">
+              <a:rPr lang="zh-CN" altLang="en-US" smtClean="0"/>
+              <a:t>2025/6/7</a:t>
+            </a:fld>
+            <a:endParaRPr lang="zh-CN" altLang="en-US"/>
           </a:p>
         </p:txBody>
       </p:sp>
       <p:sp>
         <p:nvSpPr>
-          <p:cNvPr id="4" name="日期占位符 3">
-            <a:extLst>
-              <a:ext uri="{FF2B5EF4-FFF2-40B4-BE49-F238E27FC236}">
-                <a16:creationId xmlns:a16="http://schemas.microsoft.com/office/drawing/2014/main" id="{9D6F856E-9FC0-59A6-C927-06F4B4607AAC}"/>
-              </a:ext>
-            </a:extLst>
-          </p:cNvPr>
+          <p:cNvPr id="4" name="页脚占位符 3"/>
           <p:cNvSpPr>
             <a:spLocks noGrp="1"/>
           </p:cNvSpPr>
           <p:nvPr>
-            <p:ph type="dt" sz="half" idx="10"/>
+            <p:ph type="ftr" sz="quarter" idx="2"/>
           </p:nvPr>
         </p:nvSpPr>
         <p:spPr>
           <a:xfrm>
-            <a:off x="838200" y="6356350"/>
-            <a:ext cx="2743200" cy="365125"/>
+            <a:off x="0" y="6542750"/>
+            <a:ext cx="4342341" cy="345413"/>
           </a:xfrm>
           <a:prstGeom prst="rect">
             <a:avLst/>
           </a:prstGeom>
         </p:spPr>
         <p:txBody>
+          <a:bodyPr vert="horz" lIns="64868" tIns="32434" rIns="64868" bIns="32434" rtlCol="0" anchor="b"/>
+          <a:lstStyle>
+            <a:lvl1pPr algn="l">
+              <a:defRPr sz="900"/>
+            </a:lvl1pPr>
+          </a:lstStyle>
+          <a:p>
+            <a:endParaRPr lang="zh-CN" altLang="en-US"/>
+          </a:p>
+        </p:txBody>
+      </p:sp>
+      <p:sp>
+        <p:nvSpPr>
+          <p:cNvPr id="5" name="灯片编号占位符 4"/>
+          <p:cNvSpPr>
+            <a:spLocks noGrp="1"/>
+          </p:cNvSpPr>
+          <p:nvPr>
+            <p:ph type="sldNum" sz="quarter" idx="3"/>
+          </p:nvPr>
+        </p:nvSpPr>
+        <p:spPr>
+          <a:xfrm>
+            <a:off x="5675857" y="6542750"/>
+            <a:ext cx="4342340" cy="345413"/>
+          </a:xfrm>
+          <a:prstGeom prst="rect">
+            <a:avLst/>
+          </a:prstGeom>
+        </p:spPr>
+        <p:txBody>
+          <a:bodyPr vert="horz" lIns="64868" tIns="32434" rIns="64868" bIns="32434" rtlCol="0" anchor="b"/>
+          <a:lstStyle>
+            <a:lvl1pPr algn="r">
+              <a:defRPr sz="900"/>
+            </a:lvl1pPr>
+          </a:lstStyle>
+          <a:p>
+            <a:fld id="{AE7F6A74-02FD-4AE0-A543-180112E2EA7D}" type="slidenum">
+              <a:rPr lang="zh-CN" altLang="en-US" smtClean="0"/>
+              <a:t>‹#›</a:t>
+            </a:fld>
+            <a:endParaRPr lang="zh-CN" altLang="en-US"/>
+          </a:p>
+        </p:txBody>
+      </p:sp>
+    </p:spTree>
+    <p:extLst>
+      <p:ext uri="{BB962C8B-B14F-4D97-AF65-F5344CB8AC3E}">
+        <p14:creationId xmlns:p14="http://schemas.microsoft.com/office/powerpoint/2010/main" val="1"/>
+      </p:ext>
+    </p:extLst>
+  </p:cSld>
+  <p:clrMap bg1="lt1" tx1="dk1" bg2="lt2" tx2="dk2" accent1="accent1" accent2="accent2" accent3="accent3" accent4="accent4" accent5="accent5" accent6="accent6" hlink="hlink" folHlink="folHlink"/>
+</p:handoutMaster>
+</file>
+
+<file path=ppt/notesMasters/notesMaster1.xml><?xml version="1.0" encoding="utf-8"?>
+<p:notesMaster xmlns:a="http://schemas.openxmlformats.org/drawingml/2006/main" xmlns:r="http://schemas.openxmlformats.org/officeDocument/2006/relationships" xmlns:p="http://schemas.openxmlformats.org/presentationml/2006/main">
+  <p:cSld>
+    <p:bg>
+      <p:bgRef idx="1001">
+        <a:schemeClr val="bg1"/>
+      </p:bgRef>
+    </p:bg>
+    <p:spTree>
+      <p:nvGrpSpPr>
+        <p:cNvPr id="1" name=""/>
+        <p:cNvGrpSpPr/>
+        <p:nvPr/>
+      </p:nvGrpSpPr>
+      <p:grpSpPr>
+        <a:xfrm>
+          <a:off x="0" y="0"/>
+          <a:ext cx="0" cy="0"/>
+          <a:chOff x="0" y="0"/>
+          <a:chExt cx="0" cy="0"/>
+        </a:xfrm>
+      </p:grpSpPr>
+      <p:sp>
+        <p:nvSpPr>
+          <p:cNvPr id="2" name="页眉占位符 1"/>
+          <p:cNvSpPr>
+            <a:spLocks noGrp="1"/>
+          </p:cNvSpPr>
+          <p:nvPr>
+            <p:ph type="hdr" sz="quarter"/>
+          </p:nvPr>
+        </p:nvSpPr>
+        <p:spPr>
+          <a:xfrm>
+            <a:off x="0" y="1"/>
+            <a:ext cx="4342341" cy="345413"/>
+          </a:xfrm>
+          <a:prstGeom prst="rect">
+            <a:avLst/>
+          </a:prstGeom>
+        </p:spPr>
+        <p:txBody>
+          <a:bodyPr vert="horz" lIns="64868" tIns="32434" rIns="64868" bIns="32434" rtlCol="0"/>
+          <a:lstStyle>
+            <a:lvl1pPr algn="l">
+              <a:defRPr sz="900"/>
+            </a:lvl1pPr>
+          </a:lstStyle>
+          <a:p>
+            <a:endParaRPr lang="zh-CN" altLang="en-US"/>
+          </a:p>
+        </p:txBody>
+      </p:sp>
+      <p:sp>
+        <p:nvSpPr>
+          <p:cNvPr id="3" name="日期占位符 2"/>
+          <p:cNvSpPr>
+            <a:spLocks noGrp="1"/>
+          </p:cNvSpPr>
+          <p:nvPr>
+            <p:ph type="dt" idx="1"/>
+          </p:nvPr>
+        </p:nvSpPr>
+        <p:spPr>
+          <a:xfrm>
+            <a:off x="5675857" y="1"/>
+            <a:ext cx="4342340" cy="345413"/>
+          </a:xfrm>
+          <a:prstGeom prst="rect">
+            <a:avLst/>
+          </a:prstGeom>
+        </p:spPr>
+        <p:txBody>
+          <a:bodyPr vert="horz" lIns="64868" tIns="32434" rIns="64868" bIns="32434" rtlCol="0"/>
+          <a:lstStyle>
+            <a:lvl1pPr algn="r">
+              <a:defRPr sz="900"/>
+            </a:lvl1pPr>
+          </a:lstStyle>
+          <a:p>
+            <a:fld id="{CBDCBE15-5CA0-4D45-A54E-1D92D5FB5779}" type="datetimeFigureOut">
+              <a:rPr lang="zh-CN" altLang="en-US" smtClean="0"/>
+              <a:t>2025/6/7</a:t>
+            </a:fld>
+            <a:endParaRPr lang="zh-CN" altLang="en-US"/>
+          </a:p>
+        </p:txBody>
+      </p:sp>
+      <p:sp>
+        <p:nvSpPr>
+          <p:cNvPr id="4" name="幻灯片图像占位符 3"/>
+          <p:cNvSpPr>
+            <a:spLocks noGrp="1" noRot="1" noChangeAspect="1"/>
+          </p:cNvSpPr>
+          <p:nvPr>
+            <p:ph type="sldImg" idx="2"/>
+          </p:nvPr>
+        </p:nvSpPr>
+        <p:spPr>
+          <a:xfrm>
+            <a:off x="2992438" y="862013"/>
+            <a:ext cx="4035425" cy="2324100"/>
+          </a:xfrm>
+          <a:prstGeom prst="rect">
+            <a:avLst/>
+          </a:prstGeom>
+          <a:noFill/>
+          <a:ln w="12700">
+            <a:solidFill>
+              <a:prstClr val="black"/>
+            </a:solidFill>
+          </a:ln>
+        </p:spPr>
+        <p:txBody>
+          <a:bodyPr vert="horz" lIns="64868" tIns="32434" rIns="64868" bIns="32434" rtlCol="0" anchor="ctr"/>
+          <a:lstStyle/>
+          <a:p>
+            <a:endParaRPr lang="zh-CN" altLang="en-US"/>
+          </a:p>
+        </p:txBody>
+      </p:sp>
+      <p:sp>
+        <p:nvSpPr>
+          <p:cNvPr id="5" name="备注占位符 4"/>
+          <p:cNvSpPr>
+            <a:spLocks noGrp="1"/>
+          </p:cNvSpPr>
+          <p:nvPr>
+            <p:ph type="body" sz="quarter" idx="3"/>
+          </p:nvPr>
+        </p:nvSpPr>
+        <p:spPr>
+          <a:xfrm>
+            <a:off x="1002241" y="3314709"/>
+            <a:ext cx="8015819" cy="2713062"/>
+          </a:xfrm>
+          <a:prstGeom prst="rect">
+            <a:avLst/>
+          </a:prstGeom>
+        </p:spPr>
+        <p:txBody>
+          <a:bodyPr vert="horz" lIns="64868" tIns="32434" rIns="64868" bIns="32434" rtlCol="0"/>
+          <a:lstStyle/>
+          <a:p>
+            <a:pPr lvl="0"/>
+            <a:r>
+              <a:rPr lang="zh-CN" altLang="en-US"/>
+              <a:t>单击此处编辑母版文本样式</a:t>
+            </a:r>
+          </a:p>
+          <a:p>
+            <a:pPr lvl="1"/>
+            <a:r>
+              <a:rPr lang="zh-CN" altLang="en-US"/>
+              <a:t>二级</a:t>
+            </a:r>
+          </a:p>
+          <a:p>
+            <a:pPr lvl="2"/>
+            <a:r>
+              <a:rPr lang="zh-CN" altLang="en-US"/>
+              <a:t>三级</a:t>
+            </a:r>
+          </a:p>
+          <a:p>
+            <a:pPr lvl="3"/>
+            <a:r>
+              <a:rPr lang="zh-CN" altLang="en-US"/>
+              <a:t>四级</a:t>
+            </a:r>
+          </a:p>
+          <a:p>
+            <a:pPr lvl="4"/>
+            <a:r>
+              <a:rPr lang="zh-CN" altLang="en-US"/>
+              <a:t>五级</a:t>
+            </a:r>
+          </a:p>
+        </p:txBody>
+      </p:sp>
+      <p:sp>
+        <p:nvSpPr>
+          <p:cNvPr id="6" name="页脚占位符 5"/>
+          <p:cNvSpPr>
+            <a:spLocks noGrp="1"/>
+          </p:cNvSpPr>
+          <p:nvPr>
+            <p:ph type="ftr" sz="quarter" idx="4"/>
+          </p:nvPr>
+        </p:nvSpPr>
+        <p:spPr>
+          <a:xfrm>
+            <a:off x="0" y="6542750"/>
+            <a:ext cx="4342341" cy="345413"/>
+          </a:xfrm>
+          <a:prstGeom prst="rect">
+            <a:avLst/>
+          </a:prstGeom>
+        </p:spPr>
+        <p:txBody>
+          <a:bodyPr vert="horz" lIns="64868" tIns="32434" rIns="64868" bIns="32434" rtlCol="0" anchor="b"/>
+          <a:lstStyle>
+            <a:lvl1pPr algn="l">
+              <a:defRPr sz="900"/>
+            </a:lvl1pPr>
+          </a:lstStyle>
+          <a:p>
+            <a:endParaRPr lang="zh-CN" altLang="en-US"/>
+          </a:p>
+        </p:txBody>
+      </p:sp>
+      <p:sp>
+        <p:nvSpPr>
+          <p:cNvPr id="7" name="灯片编号占位符 6"/>
+          <p:cNvSpPr>
+            <a:spLocks noGrp="1"/>
+          </p:cNvSpPr>
+          <p:nvPr>
+            <p:ph type="sldNum" sz="quarter" idx="5"/>
+          </p:nvPr>
+        </p:nvSpPr>
+        <p:spPr>
+          <a:xfrm>
+            <a:off x="5675857" y="6542750"/>
+            <a:ext cx="4342340" cy="345413"/>
+          </a:xfrm>
+          <a:prstGeom prst="rect">
+            <a:avLst/>
+          </a:prstGeom>
+        </p:spPr>
+        <p:txBody>
+          <a:bodyPr vert="horz" lIns="64868" tIns="32434" rIns="64868" bIns="32434" rtlCol="0" anchor="b"/>
+          <a:lstStyle>
+            <a:lvl1pPr algn="r">
+              <a:defRPr sz="900"/>
+            </a:lvl1pPr>
+          </a:lstStyle>
+          <a:p>
+            <a:fld id="{FD98A3F6-7FE7-4EBD-8D56-E098AD9A1402}" type="slidenum">
+              <a:rPr lang="zh-CN" altLang="en-US" smtClean="0"/>
+              <a:t>‹#›</a:t>
+            </a:fld>
+            <a:endParaRPr lang="zh-CN" altLang="en-US"/>
+          </a:p>
+        </p:txBody>
+      </p:sp>
+    </p:spTree>
+  </p:cSld>
+  <p:clrMap bg1="lt1" tx1="dk1" bg2="lt2" tx2="dk2" accent1="accent1" accent2="accent2" accent3="accent3" accent4="accent4" accent5="accent5" accent6="accent6" hlink="hlink" folHlink="folHlink"/>
+  <p:notesStyle>
+    <a:lvl1pPr marL="0" algn="l" defTabSz="914400" rtl="0" eaLnBrk="1" latinLnBrk="0" hangingPunct="1">
+      <a:defRPr sz="1200" kern="1200">
+        <a:solidFill>
+          <a:schemeClr val="tx1"/>
+        </a:solidFill>
+        <a:latin typeface="+mn-lt"/>
+        <a:ea typeface="+mn-ea"/>
+        <a:cs typeface="+mn-cs"/>
+      </a:defRPr>
+    </a:lvl1pPr>
+    <a:lvl2pPr marL="457200" algn="l" defTabSz="914400" rtl="0" eaLnBrk="1" latinLnBrk="0" hangingPunct="1">
+      <a:defRPr sz="1200" kern="1200">
+        <a:solidFill>
+          <a:schemeClr val="tx1"/>
+        </a:solidFill>
+        <a:latin typeface="+mn-lt"/>
+        <a:ea typeface="+mn-ea"/>
+        <a:cs typeface="+mn-cs"/>
+      </a:defRPr>
+    </a:lvl2pPr>
+    <a:lvl3pPr marL="914400" algn="l" defTabSz="914400" rtl="0" eaLnBrk="1" latinLnBrk="0" hangingPunct="1">
+      <a:defRPr sz="1200" kern="1200">
+        <a:solidFill>
+          <a:schemeClr val="tx1"/>
+        </a:solidFill>
+        <a:latin typeface="+mn-lt"/>
+        <a:ea typeface="+mn-ea"/>
+        <a:cs typeface="+mn-cs"/>
+      </a:defRPr>
+    </a:lvl3pPr>
+    <a:lvl4pPr marL="1371600" algn="l" defTabSz="914400" rtl="0" eaLnBrk="1" latinLnBrk="0" hangingPunct="1">
+      <a:defRPr sz="1200" kern="1200">
+        <a:solidFill>
+          <a:schemeClr val="tx1"/>
+        </a:solidFill>
+        <a:latin typeface="+mn-lt"/>
+        <a:ea typeface="+mn-ea"/>
+        <a:cs typeface="+mn-cs"/>
+      </a:defRPr>
+    </a:lvl4pPr>
+    <a:lvl5pPr marL="1828800" algn="l" defTabSz="914400" rtl="0" eaLnBrk="1" latinLnBrk="0" hangingPunct="1">
+      <a:defRPr sz="1200" kern="1200">
+        <a:solidFill>
+          <a:schemeClr val="tx1"/>
+        </a:solidFill>
+        <a:latin typeface="+mn-lt"/>
+        <a:ea typeface="+mn-ea"/>
+        <a:cs typeface="+mn-cs"/>
+      </a:defRPr>
+    </a:lvl5pPr>
+    <a:lvl6pPr marL="2286000" algn="l" defTabSz="914400" rtl="0" eaLnBrk="1" latinLnBrk="0" hangingPunct="1">
+      <a:defRPr sz="1200" kern="1200">
+        <a:solidFill>
+          <a:schemeClr val="tx1"/>
+        </a:solidFill>
+        <a:latin typeface="+mn-lt"/>
+        <a:ea typeface="+mn-ea"/>
+        <a:cs typeface="+mn-cs"/>
+      </a:defRPr>
+    </a:lvl6pPr>
+    <a:lvl7pPr marL="2743200" algn="l" defTabSz="914400" rtl="0" eaLnBrk="1" latinLnBrk="0" hangingPunct="1">
+      <a:defRPr sz="1200" kern="1200">
+        <a:solidFill>
+          <a:schemeClr val="tx1"/>
+        </a:solidFill>
+        <a:latin typeface="+mn-lt"/>
+        <a:ea typeface="+mn-ea"/>
+        <a:cs typeface="+mn-cs"/>
+      </a:defRPr>
+    </a:lvl7pPr>
+    <a:lvl8pPr marL="3200400" algn="l" defTabSz="914400" rtl="0" eaLnBrk="1" latinLnBrk="0" hangingPunct="1">
+      <a:defRPr sz="1200" kern="1200">
+        <a:solidFill>
+          <a:schemeClr val="tx1"/>
+        </a:solidFill>
+        <a:latin typeface="+mn-lt"/>
+        <a:ea typeface="+mn-ea"/>
+        <a:cs typeface="+mn-cs"/>
+      </a:defRPr>
+    </a:lvl8pPr>
+    <a:lvl9pPr marL="3657600" algn="l" defTabSz="914400" rtl="0" eaLnBrk="1" latinLnBrk="0" hangingPunct="1">
+      <a:defRPr sz="1200" kern="1200">
+        <a:solidFill>
+          <a:schemeClr val="tx1"/>
+        </a:solidFill>
+        <a:latin typeface="+mn-lt"/>
+        <a:ea typeface="+mn-ea"/>
+        <a:cs typeface="+mn-cs"/>
+      </a:defRPr>
+    </a:lvl9pPr>
+  </p:notesStyle>
+</p:notesMaster>
+</file>
+
+<file path=ppt/notesSlides/notesSlide1.xml><?xml version="1.0" encoding="utf-8"?>
+<p:notes xmlns:a="http://schemas.openxmlformats.org/drawingml/2006/main" xmlns:r="http://schemas.openxmlformats.org/officeDocument/2006/relationships" xmlns:p="http://schemas.openxmlformats.org/presentationml/2006/main">
+  <p:cSld>
+    <p:spTree>
+      <p:nvGrpSpPr>
+        <p:cNvPr id="1" name=""/>
+        <p:cNvGrpSpPr/>
+        <p:nvPr/>
+      </p:nvGrpSpPr>
+      <p:grpSpPr>
+        <a:xfrm>
+          <a:off x="0" y="0"/>
+          <a:ext cx="0" cy="0"/>
+          <a:chOff x="0" y="0"/>
+          <a:chExt cx="0" cy="0"/>
+        </a:xfrm>
+      </p:grpSpPr>
+      <p:sp>
+        <p:nvSpPr>
+          <p:cNvPr id="2" name="幻灯片图像占位符 1"/>
+          <p:cNvSpPr>
+            <a:spLocks noGrp="1" noRot="1" noChangeAspect="1"/>
+          </p:cNvSpPr>
+          <p:nvPr>
+            <p:ph type="sldImg"/>
+          </p:nvPr>
+        </p:nvSpPr>
+        <p:spPr/>
+      </p:sp>
+      <p:sp>
+        <p:nvSpPr>
+          <p:cNvPr id="3" name="备注占位符 2"/>
+          <p:cNvSpPr>
+            <a:spLocks noGrp="1"/>
+          </p:cNvSpPr>
+          <p:nvPr>
+            <p:ph type="body" idx="1"/>
+          </p:nvPr>
+        </p:nvSpPr>
+        <p:spPr/>
+        <p:txBody>
           <a:bodyPr/>
           <a:lstStyle/>
           <a:p>
-            <a:fld id="{99015029-ED70-904B-9918-0A5766181A16}" type="datetimeFigureOut">
-              <a:rPr kumimoji="1" lang="zh-CN" altLang="en-US" smtClean="0"/>
-              <a:t>2025/5/19</a:t>
-            </a:fld>
+            <a:r>
+              <a:rPr kumimoji="1" lang="en-US" altLang="zh-CN"/>
+              <a:t>update</a:t>
+            </a:r>
+            <a:r>
+              <a:rPr kumimoji="1" lang="zh-CN" altLang="en-US"/>
+              <a:t> </a:t>
+            </a:r>
+            <a:r>
+              <a:rPr kumimoji="1" lang="en-US" altLang="zh-CN"/>
+              <a:t>the</a:t>
+            </a:r>
+            <a:r>
+              <a:rPr kumimoji="1" lang="zh-CN" altLang="en-US"/>
+              <a:t> </a:t>
+            </a:r>
+            <a:r>
+              <a:rPr kumimoji="1" lang="en-US" altLang="zh-CN"/>
+              <a:t>mix</a:t>
+            </a:r>
+            <a:r>
+              <a:rPr kumimoji="1" lang="zh-CN" altLang="en-US"/>
+              <a:t> </a:t>
+            </a:r>
+            <a:r>
+              <a:rPr kumimoji="1" lang="en-US" altLang="zh-CN"/>
+              <a:t>in</a:t>
+            </a:r>
+            <a:r>
+              <a:rPr kumimoji="1" lang="zh-CN" altLang="en-US"/>
+              <a:t> </a:t>
+            </a:r>
+            <a:r>
+              <a:rPr kumimoji="1" lang="en-US" altLang="zh-CN"/>
+              <a:t>size</a:t>
+            </a:r>
+            <a:r>
+              <a:rPr kumimoji="1" lang="zh-CN" altLang="en-US"/>
+              <a:t> </a:t>
+            </a:r>
+            <a:r>
+              <a:rPr kumimoji="1" lang="en-US" altLang="zh-CN"/>
+              <a:t>to</a:t>
+            </a:r>
+            <a:r>
+              <a:rPr kumimoji="1" lang="zh-CN" altLang="en-US"/>
+              <a:t> </a:t>
+            </a:r>
+            <a:r>
+              <a:rPr kumimoji="1" lang="en-US" altLang="zh-CN"/>
+              <a:t>be</a:t>
+            </a:r>
+            <a:r>
+              <a:rPr kumimoji="1" lang="zh-CN" altLang="en-US"/>
+              <a:t> </a:t>
+            </a:r>
+            <a:r>
+              <a:rPr kumimoji="1" lang="en-US" altLang="zh-CN"/>
+              <a:t>compliant</a:t>
+            </a:r>
+            <a:r>
+              <a:rPr kumimoji="1" lang="zh-CN" altLang="en-US"/>
+              <a:t> </a:t>
+            </a:r>
+            <a:endParaRPr kumimoji="1" lang="en-US" altLang="zh-CN"/>
+          </a:p>
+          <a:p>
+            <a:r>
+              <a:rPr lang="en-US" altLang="zh-CN"/>
+              <a:t>Price</a:t>
+            </a:r>
+            <a:r>
+              <a:rPr lang="zh-CN" altLang="en-US"/>
+              <a:t> </a:t>
+            </a:r>
+            <a:r>
+              <a:rPr lang="en-US" altLang="zh-CN"/>
+              <a:t>is</a:t>
+            </a:r>
+            <a:r>
+              <a:rPr lang="zh-CN" altLang="en-US"/>
+              <a:t> </a:t>
+            </a:r>
+            <a:r>
+              <a:rPr lang="en-US" altLang="zh-CN"/>
+              <a:t>not</a:t>
+            </a:r>
+            <a:r>
+              <a:rPr lang="zh-CN" altLang="en-US"/>
+              <a:t> </a:t>
+            </a:r>
+            <a:r>
+              <a:rPr lang="en-US" altLang="zh-CN"/>
+              <a:t>a</a:t>
+            </a:r>
+            <a:r>
+              <a:rPr lang="zh-CN" altLang="en-US"/>
+              <a:t> </a:t>
+            </a:r>
+            <a:r>
+              <a:rPr lang="en-US" altLang="zh-CN"/>
+              <a:t>concern.</a:t>
+            </a:r>
             <a:endParaRPr kumimoji="1" lang="zh-CN" altLang="en-US"/>
           </a:p>
         </p:txBody>
       </p:sp>
       <p:sp>
         <p:nvSpPr>
-          <p:cNvPr id="5" name="页脚占位符 4">
-            <a:extLst>
-              <a:ext uri="{FF2B5EF4-FFF2-40B4-BE49-F238E27FC236}">
-                <a16:creationId xmlns:a16="http://schemas.microsoft.com/office/drawing/2014/main" id="{99D72E9E-7792-FF14-BC39-284B2C174FBC}"/>
-              </a:ext>
-            </a:extLst>
-          </p:cNvPr>
+          <p:cNvPr id="4" name="灯片编号占位符 3"/>
           <p:cNvSpPr>
             <a:spLocks noGrp="1"/>
           </p:cNvSpPr>
           <p:nvPr>
-            <p:ph type="ftr" sz="quarter" idx="11"/>
+            <p:ph type="sldNum" sz="quarter" idx="5"/>
           </p:nvPr>
         </p:nvSpPr>
-        <p:spPr>
-          <a:xfrm>
-            <a:off x="4038600" y="6356350"/>
-            <a:ext cx="4114800" cy="365125"/>
-          </a:xfrm>
-          <a:prstGeom prst="rect">
-            <a:avLst/>
-          </a:prstGeom>
-        </p:spPr>
+        <p:spPr/>
         <p:txBody>
           <a:bodyPr/>
           <a:lstStyle/>
           <a:p>
-            <a:endParaRPr kumimoji="1" lang="zh-CN" altLang="en-US"/>
-          </a:p>
-        </p:txBody>
-      </p:sp>
-      <p:sp>
-        <p:nvSpPr>
-          <p:cNvPr id="6" name="灯片编号占位符 5">
-            <a:extLst>
-              <a:ext uri="{FF2B5EF4-FFF2-40B4-BE49-F238E27FC236}">
-                <a16:creationId xmlns:a16="http://schemas.microsoft.com/office/drawing/2014/main" id="{38F53A4E-550E-AE96-D0D4-F1FCDCEECF53}"/>
-              </a:ext>
-            </a:extLst>
-          </p:cNvPr>
-          <p:cNvSpPr>
-            <a:spLocks noGrp="1"/>
-          </p:cNvSpPr>
-          <p:nvPr>
-            <p:ph type="sldNum" sz="quarter" idx="12"/>
-          </p:nvPr>
-        </p:nvSpPr>
-        <p:spPr>
-          <a:xfrm>
-            <a:off x="8610600" y="6356350"/>
-            <a:ext cx="2743200" cy="365125"/>
-          </a:xfrm>
-          <a:prstGeom prst="rect">
-            <a:avLst/>
-          </a:prstGeom>
-        </p:spPr>
-        <p:txBody>
-          <a:bodyPr/>
-          <a:lstStyle/>
-          <a:p>
-            <a:fld id="{AD33B918-44FB-E741-B7CF-9D51FCD6E15D}" type="slidenum">
-              <a:rPr kumimoji="1" lang="zh-CN" altLang="en-US" smtClean="0"/>
-              <a:t>‹#›</a:t>
+            <a:fld id="{FD98A3F6-7FE7-4EBD-8D56-E098AD9A1402}" type="slidenum">
+              <a:rPr lang="zh-CN" altLang="en-US" smtClean="0"/>
+              <a:t>1</a:t>
             </a:fld>
-            <a:endParaRPr kumimoji="1" lang="zh-CN" altLang="en-US"/>
+            <a:endParaRPr lang="zh-CN" altLang="en-US"/>
           </a:p>
         </p:txBody>
       </p:sp>
     </p:spTree>
     <p:extLst>
       <p:ext uri="{BB962C8B-B14F-4D97-AF65-F5344CB8AC3E}">
-        <p14:creationId xmlns:p14="http://schemas.microsoft.com/office/powerpoint/2010/main" val="2842975835"/>
+        <p14:creationId xmlns:p14="http://schemas.microsoft.com/office/powerpoint/2010/main" val="1632437994"/>
+      </p:ext>
+    </p:extLst>
+  </p:cSld>
+  <p:clrMapOvr>
+    <a:masterClrMapping/>
+  </p:clrMapOvr>
+</p:notes>
+</file>
+
+<file path=ppt/slideLayouts/slideLayout1.xml><?xml version="1.0" encoding="utf-8"?>
+<p:sldLayout xmlns:a="http://schemas.openxmlformats.org/drawingml/2006/main" xmlns:r="http://schemas.openxmlformats.org/officeDocument/2006/relationships" xmlns:p="http://schemas.openxmlformats.org/presentationml/2006/main" type="blank" preserve="1">
+  <p:cSld name="Blank">
+    <p:spTree>
+      <p:nvGrpSpPr>
+        <p:cNvPr id="1" name=""/>
+        <p:cNvGrpSpPr/>
+        <p:nvPr/>
+      </p:nvGrpSpPr>
+      <p:grpSpPr>
+        <a:xfrm>
+          <a:off x="0" y="0"/>
+          <a:ext cx="0" cy="0"/>
+          <a:chOff x="0" y="0"/>
+          <a:chExt cx="0" cy="0"/>
+        </a:xfrm>
+      </p:grpSpPr>
+    </p:spTree>
+    <p:extLst>
+      <p:ext uri="{BB962C8B-B14F-4D97-AF65-F5344CB8AC3E}">
+        <p14:creationId xmlns:p14="http://schemas.microsoft.com/office/powerpoint/2010/main" val="2629442108"/>
       </p:ext>
     </p:extLst>
   </p:cSld>
@@ -482,20 +2061,232 @@
           <a:chExt cx="0" cy="0"/>
         </a:xfrm>
       </p:grpSpPr>
+      <p:sp>
+        <p:nvSpPr>
+          <p:cNvPr id="2" name="Title Placeholder 1"/>
+          <p:cNvSpPr>
+            <a:spLocks noGrp="1"/>
+          </p:cNvSpPr>
+          <p:nvPr>
+            <p:ph type="title"/>
+          </p:nvPr>
+        </p:nvSpPr>
+        <p:spPr>
+          <a:xfrm>
+            <a:off x="1039892" y="463506"/>
+            <a:ext cx="13045916" cy="1682729"/>
+          </a:xfrm>
+          <a:prstGeom prst="rect">
+            <a:avLst/>
+          </a:prstGeom>
+        </p:spPr>
+        <p:txBody>
+          <a:bodyPr vert="horz" lIns="91440" tIns="45720" rIns="91440" bIns="45720" rtlCol="0" anchor="ctr">
+            <a:normAutofit/>
+          </a:bodyPr>
+          <a:lstStyle/>
+          <a:p>
+            <a:r>
+              <a:rPr lang="en-US"/>
+              <a:t>Click to edit Master title style</a:t>
+            </a:r>
+          </a:p>
+        </p:txBody>
+      </p:sp>
+      <p:sp>
+        <p:nvSpPr>
+          <p:cNvPr id="3" name="Text Placeholder 2"/>
+          <p:cNvSpPr>
+            <a:spLocks noGrp="1"/>
+          </p:cNvSpPr>
+          <p:nvPr>
+            <p:ph type="body" idx="1"/>
+          </p:nvPr>
+        </p:nvSpPr>
+        <p:spPr>
+          <a:xfrm>
+            <a:off x="1039892" y="2317529"/>
+            <a:ext cx="13045916" cy="5523782"/>
+          </a:xfrm>
+          <a:prstGeom prst="rect">
+            <a:avLst/>
+          </a:prstGeom>
+        </p:spPr>
+        <p:txBody>
+          <a:bodyPr vert="horz" lIns="91440" tIns="45720" rIns="91440" bIns="45720" rtlCol="0">
+            <a:normAutofit/>
+          </a:bodyPr>
+          <a:lstStyle/>
+          <a:p>
+            <a:pPr lvl="0"/>
+            <a:r>
+              <a:rPr lang="en-US"/>
+              <a:t>Click to edit Master text styles</a:t>
+            </a:r>
+          </a:p>
+          <a:p>
+            <a:pPr lvl="1"/>
+            <a:r>
+              <a:rPr lang="en-US"/>
+              <a:t>Second level</a:t>
+            </a:r>
+          </a:p>
+          <a:p>
+            <a:pPr lvl="2"/>
+            <a:r>
+              <a:rPr lang="en-US"/>
+              <a:t>Third level</a:t>
+            </a:r>
+          </a:p>
+          <a:p>
+            <a:pPr lvl="3"/>
+            <a:r>
+              <a:rPr lang="en-US"/>
+              <a:t>Fourth level</a:t>
+            </a:r>
+          </a:p>
+          <a:p>
+            <a:pPr lvl="4"/>
+            <a:r>
+              <a:rPr lang="en-US"/>
+              <a:t>Fifth level</a:t>
+            </a:r>
+          </a:p>
+        </p:txBody>
+      </p:sp>
+      <p:sp>
+        <p:nvSpPr>
+          <p:cNvPr id="4" name="Date Placeholder 3"/>
+          <p:cNvSpPr>
+            <a:spLocks noGrp="1"/>
+          </p:cNvSpPr>
+          <p:nvPr>
+            <p:ph type="dt" sz="half" idx="2"/>
+          </p:nvPr>
+        </p:nvSpPr>
+        <p:spPr>
+          <a:xfrm>
+            <a:off x="1039892" y="8069034"/>
+            <a:ext cx="3403283" cy="463506"/>
+          </a:xfrm>
+          <a:prstGeom prst="rect">
+            <a:avLst/>
+          </a:prstGeom>
+        </p:spPr>
+        <p:txBody>
+          <a:bodyPr vert="horz" lIns="91440" tIns="45720" rIns="91440" bIns="45720" rtlCol="0" anchor="ctr"/>
+          <a:lstStyle>
+            <a:lvl1pPr algn="l">
+              <a:defRPr sz="1489">
+                <a:solidFill>
+                  <a:schemeClr val="tx1">
+                    <a:tint val="75000"/>
+                  </a:schemeClr>
+                </a:solidFill>
+              </a:defRPr>
+            </a:lvl1pPr>
+          </a:lstStyle>
+          <a:p>
+            <a:fld id="{1D8BD707-D9CF-40AE-B4C6-C98DA3205C09}" type="datetimeFigureOut">
+              <a:rPr lang="en-US" smtClean="0"/>
+              <a:t>6/7/25</a:t>
+            </a:fld>
+            <a:endParaRPr lang="en-US"/>
+          </a:p>
+        </p:txBody>
+      </p:sp>
+      <p:sp>
+        <p:nvSpPr>
+          <p:cNvPr id="5" name="Footer Placeholder 4"/>
+          <p:cNvSpPr>
+            <a:spLocks noGrp="1"/>
+          </p:cNvSpPr>
+          <p:nvPr>
+            <p:ph type="ftr" sz="quarter" idx="3"/>
+          </p:nvPr>
+        </p:nvSpPr>
+        <p:spPr>
+          <a:xfrm>
+            <a:off x="5010388" y="8069034"/>
+            <a:ext cx="5104924" cy="463506"/>
+          </a:xfrm>
+          <a:prstGeom prst="rect">
+            <a:avLst/>
+          </a:prstGeom>
+        </p:spPr>
+        <p:txBody>
+          <a:bodyPr vert="horz" lIns="91440" tIns="45720" rIns="91440" bIns="45720" rtlCol="0" anchor="ctr"/>
+          <a:lstStyle>
+            <a:lvl1pPr algn="ctr">
+              <a:defRPr sz="1489">
+                <a:solidFill>
+                  <a:schemeClr val="tx1">
+                    <a:tint val="75000"/>
+                  </a:schemeClr>
+                </a:solidFill>
+              </a:defRPr>
+            </a:lvl1pPr>
+          </a:lstStyle>
+          <a:p>
+            <a:endParaRPr lang="en-US"/>
+          </a:p>
+        </p:txBody>
+      </p:sp>
+      <p:sp>
+        <p:nvSpPr>
+          <p:cNvPr id="6" name="Slide Number Placeholder 5"/>
+          <p:cNvSpPr>
+            <a:spLocks noGrp="1"/>
+          </p:cNvSpPr>
+          <p:nvPr>
+            <p:ph type="sldNum" sz="quarter" idx="4"/>
+          </p:nvPr>
+        </p:nvSpPr>
+        <p:spPr>
+          <a:xfrm>
+            <a:off x="10682525" y="8069034"/>
+            <a:ext cx="3403283" cy="463506"/>
+          </a:xfrm>
+          <a:prstGeom prst="rect">
+            <a:avLst/>
+          </a:prstGeom>
+        </p:spPr>
+        <p:txBody>
+          <a:bodyPr vert="horz" lIns="91440" tIns="45720" rIns="91440" bIns="45720" rtlCol="0" anchor="ctr"/>
+          <a:lstStyle>
+            <a:lvl1pPr algn="r">
+              <a:defRPr sz="1489">
+                <a:solidFill>
+                  <a:schemeClr val="tx1">
+                    <a:tint val="75000"/>
+                  </a:schemeClr>
+                </a:solidFill>
+              </a:defRPr>
+            </a:lvl1pPr>
+          </a:lstStyle>
+          <a:p>
+            <a:fld id="{B6F15528-21DE-4FAA-801E-634DDDAF4B2B}" type="slidenum">
+              <a:rPr lang="en-US" smtClean="0"/>
+              <a:t>‹#›</a:t>
+            </a:fld>
+            <a:endParaRPr lang="en-US"/>
+          </a:p>
+        </p:txBody>
+      </p:sp>
     </p:spTree>
     <p:extLst>
       <p:ext uri="{BB962C8B-B14F-4D97-AF65-F5344CB8AC3E}">
-        <p14:creationId xmlns:p14="http://schemas.microsoft.com/office/powerpoint/2010/main" val="1600407953"/>
+        <p14:creationId xmlns:p14="http://schemas.microsoft.com/office/powerpoint/2010/main" val="1095230361"/>
       </p:ext>
     </p:extLst>
   </p:cSld>
   <p:clrMap bg1="lt1" tx1="dk1" bg2="lt2" tx2="dk2" accent1="accent1" accent2="accent2" accent3="accent3" accent4="accent4" accent5="accent5" accent6="accent6" hlink="hlink" folHlink="folHlink"/>
   <p:sldLayoutIdLst>
-    <p:sldLayoutId id="2147483649" r:id="rId1"/>
+    <p:sldLayoutId id="2147483661" r:id="rId1"/>
   </p:sldLayoutIdLst>
   <p:txStyles>
     <p:titleStyle>
-      <a:lvl1pPr algn="l" defTabSz="914400" rtl="0" eaLnBrk="1" latinLnBrk="0" hangingPunct="1">
+      <a:lvl1pPr algn="l" defTabSz="1134405" rtl="0" eaLnBrk="1" latinLnBrk="0" hangingPunct="1">
         <a:lnSpc>
           <a:spcPct val="90000"/>
         </a:lnSpc>
@@ -503,7 +2294,7 @@
           <a:spcPct val="0"/>
         </a:spcBef>
         <a:buNone/>
-        <a:defRPr sz="4400" kern="1200">
+        <a:defRPr sz="5459" kern="1200">
           <a:solidFill>
             <a:schemeClr val="tx1"/>
           </a:solidFill>
@@ -514,16 +2305,16 @@
       </a:lvl1pPr>
     </p:titleStyle>
     <p:bodyStyle>
-      <a:lvl1pPr marL="228600" indent="-228600" algn="l" defTabSz="914400" rtl="0" eaLnBrk="1" latinLnBrk="0" hangingPunct="1">
+      <a:lvl1pPr marL="283601" indent="-283601" algn="l" defTabSz="1134405" rtl="0" eaLnBrk="1" latinLnBrk="0" hangingPunct="1">
         <a:lnSpc>
           <a:spcPct val="90000"/>
         </a:lnSpc>
         <a:spcBef>
-          <a:spcPts val="1000"/>
+          <a:spcPts val="1241"/>
         </a:spcBef>
         <a:buFont typeface="Arial" panose="020B0604020202020204" pitchFamily="34" charset="0"/>
         <a:buChar char="•"/>
-        <a:defRPr sz="2800" kern="1200">
+        <a:defRPr sz="3474" kern="1200">
           <a:solidFill>
             <a:schemeClr val="tx1"/>
           </a:solidFill>
@@ -532,16 +2323,16 @@
           <a:cs typeface="+mn-cs"/>
         </a:defRPr>
       </a:lvl1pPr>
-      <a:lvl2pPr marL="685800" indent="-228600" algn="l" defTabSz="914400" rtl="0" eaLnBrk="1" latinLnBrk="0" hangingPunct="1">
+      <a:lvl2pPr marL="850803" indent="-283601" algn="l" defTabSz="1134405" rtl="0" eaLnBrk="1" latinLnBrk="0" hangingPunct="1">
         <a:lnSpc>
           <a:spcPct val="90000"/>
         </a:lnSpc>
         <a:spcBef>
-          <a:spcPts val="500"/>
+          <a:spcPts val="620"/>
         </a:spcBef>
         <a:buFont typeface="Arial" panose="020B0604020202020204" pitchFamily="34" charset="0"/>
         <a:buChar char="•"/>
-        <a:defRPr sz="2400" kern="1200">
+        <a:defRPr sz="2977" kern="1200">
           <a:solidFill>
             <a:schemeClr val="tx1"/>
           </a:solidFill>
@@ -550,16 +2341,16 @@
           <a:cs typeface="+mn-cs"/>
         </a:defRPr>
       </a:lvl2pPr>
-      <a:lvl3pPr marL="1143000" indent="-228600" algn="l" defTabSz="914400" rtl="0" eaLnBrk="1" latinLnBrk="0" hangingPunct="1">
+      <a:lvl3pPr marL="1418006" indent="-283601" algn="l" defTabSz="1134405" rtl="0" eaLnBrk="1" latinLnBrk="0" hangingPunct="1">
         <a:lnSpc>
           <a:spcPct val="90000"/>
         </a:lnSpc>
         <a:spcBef>
-          <a:spcPts val="500"/>
+          <a:spcPts val="620"/>
         </a:spcBef>
         <a:buFont typeface="Arial" panose="020B0604020202020204" pitchFamily="34" charset="0"/>
         <a:buChar char="•"/>
-        <a:defRPr sz="2000" kern="1200">
+        <a:defRPr sz="2481" kern="1200">
           <a:solidFill>
             <a:schemeClr val="tx1"/>
           </a:solidFill>
@@ -568,16 +2359,16 @@
           <a:cs typeface="+mn-cs"/>
         </a:defRPr>
       </a:lvl3pPr>
-      <a:lvl4pPr marL="1600200" indent="-228600" algn="l" defTabSz="914400" rtl="0" eaLnBrk="1" latinLnBrk="0" hangingPunct="1">
+      <a:lvl4pPr marL="1985208" indent="-283601" algn="l" defTabSz="1134405" rtl="0" eaLnBrk="1" latinLnBrk="0" hangingPunct="1">
         <a:lnSpc>
           <a:spcPct val="90000"/>
         </a:lnSpc>
         <a:spcBef>
-          <a:spcPts val="500"/>
+          <a:spcPts val="620"/>
         </a:spcBef>
         <a:buFont typeface="Arial" panose="020B0604020202020204" pitchFamily="34" charset="0"/>
         <a:buChar char="•"/>
-        <a:defRPr sz="1800" kern="1200">
+        <a:defRPr sz="2233" kern="1200">
           <a:solidFill>
             <a:schemeClr val="tx1"/>
           </a:solidFill>
@@ -586,16 +2377,16 @@
           <a:cs typeface="+mn-cs"/>
         </a:defRPr>
       </a:lvl4pPr>
-      <a:lvl5pPr marL="2057400" indent="-228600" algn="l" defTabSz="914400" rtl="0" eaLnBrk="1" latinLnBrk="0" hangingPunct="1">
+      <a:lvl5pPr marL="2552410" indent="-283601" algn="l" defTabSz="1134405" rtl="0" eaLnBrk="1" latinLnBrk="0" hangingPunct="1">
         <a:lnSpc>
           <a:spcPct val="90000"/>
         </a:lnSpc>
         <a:spcBef>
-          <a:spcPts val="500"/>
+          <a:spcPts val="620"/>
         </a:spcBef>
         <a:buFont typeface="Arial" panose="020B0604020202020204" pitchFamily="34" charset="0"/>
         <a:buChar char="•"/>
-        <a:defRPr sz="1800" kern="1200">
+        <a:defRPr sz="2233" kern="1200">
           <a:solidFill>
             <a:schemeClr val="tx1"/>
           </a:solidFill>
@@ -604,16 +2395,16 @@
           <a:cs typeface="+mn-cs"/>
         </a:defRPr>
       </a:lvl5pPr>
-      <a:lvl6pPr marL="2514600" indent="-228600" algn="l" defTabSz="914400" rtl="0" eaLnBrk="1" latinLnBrk="0" hangingPunct="1">
+      <a:lvl6pPr marL="3119613" indent="-283601" algn="l" defTabSz="1134405" rtl="0" eaLnBrk="1" latinLnBrk="0" hangingPunct="1">
         <a:lnSpc>
           <a:spcPct val="90000"/>
         </a:lnSpc>
         <a:spcBef>
-          <a:spcPts val="500"/>
+          <a:spcPts val="620"/>
         </a:spcBef>
         <a:buFont typeface="Arial" panose="020B0604020202020204" pitchFamily="34" charset="0"/>
         <a:buChar char="•"/>
-        <a:defRPr sz="1800" kern="1200">
+        <a:defRPr sz="2233" kern="1200">
           <a:solidFill>
             <a:schemeClr val="tx1"/>
           </a:solidFill>
@@ -622,16 +2413,16 @@
           <a:cs typeface="+mn-cs"/>
         </a:defRPr>
       </a:lvl6pPr>
-      <a:lvl7pPr marL="2971800" indent="-228600" algn="l" defTabSz="914400" rtl="0" eaLnBrk="1" latinLnBrk="0" hangingPunct="1">
+      <a:lvl7pPr marL="3686815" indent="-283601" algn="l" defTabSz="1134405" rtl="0" eaLnBrk="1" latinLnBrk="0" hangingPunct="1">
         <a:lnSpc>
           <a:spcPct val="90000"/>
         </a:lnSpc>
         <a:spcBef>
-          <a:spcPts val="500"/>
+          <a:spcPts val="620"/>
         </a:spcBef>
         <a:buFont typeface="Arial" panose="020B0604020202020204" pitchFamily="34" charset="0"/>
         <a:buChar char="•"/>
-        <a:defRPr sz="1800" kern="1200">
+        <a:defRPr sz="2233" kern="1200">
           <a:solidFill>
             <a:schemeClr val="tx1"/>
           </a:solidFill>
@@ -640,16 +2431,16 @@
           <a:cs typeface="+mn-cs"/>
         </a:defRPr>
       </a:lvl7pPr>
-      <a:lvl8pPr marL="3429000" indent="-228600" algn="l" defTabSz="914400" rtl="0" eaLnBrk="1" latinLnBrk="0" hangingPunct="1">
+      <a:lvl8pPr marL="4254017" indent="-283601" algn="l" defTabSz="1134405" rtl="0" eaLnBrk="1" latinLnBrk="0" hangingPunct="1">
         <a:lnSpc>
           <a:spcPct val="90000"/>
         </a:lnSpc>
         <a:spcBef>
-          <a:spcPts val="500"/>
+          <a:spcPts val="620"/>
         </a:spcBef>
         <a:buFont typeface="Arial" panose="020B0604020202020204" pitchFamily="34" charset="0"/>
         <a:buChar char="•"/>
-        <a:defRPr sz="1800" kern="1200">
+        <a:defRPr sz="2233" kern="1200">
           <a:solidFill>
             <a:schemeClr val="tx1"/>
           </a:solidFill>
@@ -658,16 +2449,16 @@
           <a:cs typeface="+mn-cs"/>
         </a:defRPr>
       </a:lvl8pPr>
-      <a:lvl9pPr marL="3886200" indent="-228600" algn="l" defTabSz="914400" rtl="0" eaLnBrk="1" latinLnBrk="0" hangingPunct="1">
+      <a:lvl9pPr marL="4821220" indent="-283601" algn="l" defTabSz="1134405" rtl="0" eaLnBrk="1" latinLnBrk="0" hangingPunct="1">
         <a:lnSpc>
           <a:spcPct val="90000"/>
         </a:lnSpc>
         <a:spcBef>
-          <a:spcPts val="500"/>
+          <a:spcPts val="620"/>
         </a:spcBef>
         <a:buFont typeface="Arial" panose="020B0604020202020204" pitchFamily="34" charset="0"/>
         <a:buChar char="•"/>
-        <a:defRPr sz="1800" kern="1200">
+        <a:defRPr sz="2233" kern="1200">
           <a:solidFill>
             <a:schemeClr val="tx1"/>
           </a:solidFill>
@@ -679,10 +2470,10 @@
     </p:bodyStyle>
     <p:otherStyle>
       <a:defPPr>
-        <a:defRPr lang="zh-CN"/>
+        <a:defRPr lang="en-US"/>
       </a:defPPr>
-      <a:lvl1pPr marL="0" algn="l" defTabSz="914400" rtl="0" eaLnBrk="1" latinLnBrk="0" hangingPunct="1">
-        <a:defRPr sz="1800" kern="1200">
+      <a:lvl1pPr marL="0" algn="l" defTabSz="1134405" rtl="0" eaLnBrk="1" latinLnBrk="0" hangingPunct="1">
+        <a:defRPr sz="2233" kern="1200">
           <a:solidFill>
             <a:schemeClr val="tx1"/>
           </a:solidFill>
@@ -691,8 +2482,8 @@
           <a:cs typeface="+mn-cs"/>
         </a:defRPr>
       </a:lvl1pPr>
-      <a:lvl2pPr marL="457200" algn="l" defTabSz="914400" rtl="0" eaLnBrk="1" latinLnBrk="0" hangingPunct="1">
-        <a:defRPr sz="1800" kern="1200">
+      <a:lvl2pPr marL="567202" algn="l" defTabSz="1134405" rtl="0" eaLnBrk="1" latinLnBrk="0" hangingPunct="1">
+        <a:defRPr sz="2233" kern="1200">
           <a:solidFill>
             <a:schemeClr val="tx1"/>
           </a:solidFill>
@@ -701,8 +2492,8 @@
           <a:cs typeface="+mn-cs"/>
         </a:defRPr>
       </a:lvl2pPr>
-      <a:lvl3pPr marL="914400" algn="l" defTabSz="914400" rtl="0" eaLnBrk="1" latinLnBrk="0" hangingPunct="1">
-        <a:defRPr sz="1800" kern="1200">
+      <a:lvl3pPr marL="1134405" algn="l" defTabSz="1134405" rtl="0" eaLnBrk="1" latinLnBrk="0" hangingPunct="1">
+        <a:defRPr sz="2233" kern="1200">
           <a:solidFill>
             <a:schemeClr val="tx1"/>
           </a:solidFill>
@@ -711,8 +2502,8 @@
           <a:cs typeface="+mn-cs"/>
         </a:defRPr>
       </a:lvl3pPr>
-      <a:lvl4pPr marL="1371600" algn="l" defTabSz="914400" rtl="0" eaLnBrk="1" latinLnBrk="0" hangingPunct="1">
-        <a:defRPr sz="1800" kern="1200">
+      <a:lvl4pPr marL="1701607" algn="l" defTabSz="1134405" rtl="0" eaLnBrk="1" latinLnBrk="0" hangingPunct="1">
+        <a:defRPr sz="2233" kern="1200">
           <a:solidFill>
             <a:schemeClr val="tx1"/>
           </a:solidFill>
@@ -721,8 +2512,8 @@
           <a:cs typeface="+mn-cs"/>
         </a:defRPr>
       </a:lvl4pPr>
-      <a:lvl5pPr marL="1828800" algn="l" defTabSz="914400" rtl="0" eaLnBrk="1" latinLnBrk="0" hangingPunct="1">
-        <a:defRPr sz="1800" kern="1200">
+      <a:lvl5pPr marL="2268809" algn="l" defTabSz="1134405" rtl="0" eaLnBrk="1" latinLnBrk="0" hangingPunct="1">
+        <a:defRPr sz="2233" kern="1200">
           <a:solidFill>
             <a:schemeClr val="tx1"/>
           </a:solidFill>
@@ -731,8 +2522,8 @@
           <a:cs typeface="+mn-cs"/>
         </a:defRPr>
       </a:lvl5pPr>
-      <a:lvl6pPr marL="2286000" algn="l" defTabSz="914400" rtl="0" eaLnBrk="1" latinLnBrk="0" hangingPunct="1">
-        <a:defRPr sz="1800" kern="1200">
+      <a:lvl6pPr marL="2836012" algn="l" defTabSz="1134405" rtl="0" eaLnBrk="1" latinLnBrk="0" hangingPunct="1">
+        <a:defRPr sz="2233" kern="1200">
           <a:solidFill>
             <a:schemeClr val="tx1"/>
           </a:solidFill>
@@ -741,8 +2532,8 @@
           <a:cs typeface="+mn-cs"/>
         </a:defRPr>
       </a:lvl6pPr>
-      <a:lvl7pPr marL="2743200" algn="l" defTabSz="914400" rtl="0" eaLnBrk="1" latinLnBrk="0" hangingPunct="1">
-        <a:defRPr sz="1800" kern="1200">
+      <a:lvl7pPr marL="3403214" algn="l" defTabSz="1134405" rtl="0" eaLnBrk="1" latinLnBrk="0" hangingPunct="1">
+        <a:defRPr sz="2233" kern="1200">
           <a:solidFill>
             <a:schemeClr val="tx1"/>
           </a:solidFill>
@@ -751,8 +2542,8 @@
           <a:cs typeface="+mn-cs"/>
         </a:defRPr>
       </a:lvl7pPr>
-      <a:lvl8pPr marL="3200400" algn="l" defTabSz="914400" rtl="0" eaLnBrk="1" latinLnBrk="0" hangingPunct="1">
-        <a:defRPr sz="1800" kern="1200">
+      <a:lvl8pPr marL="3970416" algn="l" defTabSz="1134405" rtl="0" eaLnBrk="1" latinLnBrk="0" hangingPunct="1">
+        <a:defRPr sz="2233" kern="1200">
           <a:solidFill>
             <a:schemeClr val="tx1"/>
           </a:solidFill>
@@ -761,8 +2552,8 @@
           <a:cs typeface="+mn-cs"/>
         </a:defRPr>
       </a:lvl8pPr>
-      <a:lvl9pPr marL="3657600" algn="l" defTabSz="914400" rtl="0" eaLnBrk="1" latinLnBrk="0" hangingPunct="1">
-        <a:defRPr sz="1800" kern="1200">
+      <a:lvl9pPr marL="4537619" algn="l" defTabSz="1134405" rtl="0" eaLnBrk="1" latinLnBrk="0" hangingPunct="1">
+        <a:defRPr sz="2233" kern="1200">
           <a:solidFill>
             <a:schemeClr val="tx1"/>
           </a:solidFill>
@@ -781,7 +2572,13 @@
   <p:cSld>
     <p:spTree>
       <p:nvGrpSpPr>
-        <p:cNvPr id="1" name=""/>
+        <p:cNvPr id="1" name="">
+          <a:extLst>
+            <a:ext uri="{FF2B5EF4-FFF2-40B4-BE49-F238E27FC236}">
+              <a16:creationId xmlns:a16="http://schemas.microsoft.com/office/drawing/2014/main" id="{4DB0C99A-50F9-9511-7AB1-001FA26F49EA}"/>
+            </a:ext>
+          </a:extLst>
+        </p:cNvPr>
         <p:cNvGrpSpPr/>
         <p:nvPr/>
       </p:nvGrpSpPr>
@@ -793,12 +2590,107 @@
           <a:chExt cx="0" cy="0"/>
         </a:xfrm>
       </p:grpSpPr>
+      <p:cxnSp>
+        <p:nvCxnSpPr>
+          <p:cNvPr id="6" name="Straight Connector 5">
+            <a:extLst>
+              <a:ext uri="{FF2B5EF4-FFF2-40B4-BE49-F238E27FC236}">
+                <a16:creationId xmlns:a16="http://schemas.microsoft.com/office/drawing/2014/main" id="{50E48F57-AFF2-DF1E-FC78-3D7AE382FE93}"/>
+              </a:ext>
+            </a:extLst>
+          </p:cNvPr>
+          <p:cNvCxnSpPr>
+            <a:cxnSpLocks/>
+          </p:cNvCxnSpPr>
+          <p:nvPr/>
+        </p:nvCxnSpPr>
+        <p:spPr>
+          <a:xfrm>
+            <a:off x="10823052" y="436085"/>
+            <a:ext cx="0" cy="7557740"/>
+          </a:xfrm>
+          <a:prstGeom prst="line">
+            <a:avLst/>
+          </a:prstGeom>
+          <a:ln>
+            <a:solidFill>
+              <a:srgbClr val="FE4AC1"/>
+            </a:solidFill>
+          </a:ln>
+        </p:spPr>
+        <p:style>
+          <a:lnRef idx="2">
+            <a:schemeClr val="accent1"/>
+          </a:lnRef>
+          <a:fillRef idx="0">
+            <a:schemeClr val="accent1"/>
+          </a:fillRef>
+          <a:effectRef idx="1">
+            <a:schemeClr val="accent1"/>
+          </a:effectRef>
+          <a:fontRef idx="minor">
+            <a:schemeClr val="tx1"/>
+          </a:fontRef>
+        </p:style>
+      </p:cxnSp>
       <p:sp>
         <p:nvSpPr>
-          <p:cNvPr id="2" name="文本框 1">
+          <p:cNvPr id="15" name="Oval 14">
             <a:extLst>
               <a:ext uri="{FF2B5EF4-FFF2-40B4-BE49-F238E27FC236}">
-                <a16:creationId xmlns:a16="http://schemas.microsoft.com/office/drawing/2014/main" id="{251B605A-57A2-567B-6F84-07F32D224BF6}"/>
+                <a16:creationId xmlns:a16="http://schemas.microsoft.com/office/drawing/2014/main" id="{DC75415F-A12E-2E93-ACAC-96E528F64E30}"/>
+              </a:ext>
+            </a:extLst>
+          </p:cNvPr>
+          <p:cNvSpPr/>
+          <p:nvPr/>
+        </p:nvSpPr>
+        <p:spPr>
+          <a:xfrm>
+            <a:off x="9161767" y="963985"/>
+            <a:ext cx="1012057" cy="1012057"/>
+          </a:xfrm>
+          <a:prstGeom prst="ellipse">
+            <a:avLst/>
+          </a:prstGeom>
+          <a:solidFill>
+            <a:srgbClr val="FE4AC1"/>
+          </a:solidFill>
+          <a:ln>
+            <a:noFill/>
+          </a:ln>
+        </p:spPr>
+        <p:style>
+          <a:lnRef idx="2">
+            <a:schemeClr val="accent1">
+              <a:shade val="15000"/>
+            </a:schemeClr>
+          </a:lnRef>
+          <a:fillRef idx="1">
+            <a:schemeClr val="accent1"/>
+          </a:fillRef>
+          <a:effectRef idx="0">
+            <a:schemeClr val="accent1"/>
+          </a:effectRef>
+          <a:fontRef idx="minor">
+            <a:schemeClr val="lt1"/>
+          </a:fontRef>
+        </p:style>
+        <p:txBody>
+          <a:bodyPr rtlCol="0" anchor="ctr"/>
+          <a:lstStyle/>
+          <a:p>
+            <a:pPr algn="ctr"/>
+            <a:endParaRPr lang="en-US" sz="2233"/>
+          </a:p>
+        </p:txBody>
+      </p:sp>
+      <p:sp>
+        <p:nvSpPr>
+          <p:cNvPr id="16" name="TextBox 15">
+            <a:extLst>
+              <a:ext uri="{FF2B5EF4-FFF2-40B4-BE49-F238E27FC236}">
+                <a16:creationId xmlns:a16="http://schemas.microsoft.com/office/drawing/2014/main" id="{64FE9EF5-1041-AB82-4282-3C25A33C388F}"/>
               </a:ext>
             </a:extLst>
           </p:cNvPr>
@@ -807,8 +2699,8 @@
         </p:nvSpPr>
         <p:spPr>
           <a:xfrm>
-            <a:off x="770740" y="2562433"/>
-            <a:ext cx="6775688" cy="1837939"/>
+            <a:off x="9161767" y="1136678"/>
+            <a:ext cx="1000469" cy="636649"/>
           </a:xfrm>
           <a:prstGeom prst="rect">
             <a:avLst/>
@@ -821,137 +2713,267 @@
           </a:bodyPr>
           <a:lstStyle/>
           <a:p>
-            <a:r>
-              <a:rPr lang="en-US" altLang="zh-CN" sz="1418" b="1" dirty="0">
+            <a:pPr algn="ctr"/>
+            <a:r>
+              <a:rPr lang="en-US" sz="1737" b="1" dirty="0">
+                <a:solidFill>
+                  <a:schemeClr val="bg1"/>
+                </a:solidFill>
+                <a:latin typeface="AvenirNext LT Pro Bold" panose="020B0504020202020204" pitchFamily="34" charset="77"/>
+              </a:rPr>
+              <a:t>Item #</a:t>
+            </a:r>
+          </a:p>
+          <a:p>
+            <a:pPr algn="ctr"/>
+            <a:r>
+              <a:rPr lang="en-US" altLang="zh-CN" sz="1737" b="1" dirty="0">
+                <a:solidFill>
+                  <a:schemeClr val="bg1"/>
+                </a:solidFill>
+                <a:latin typeface="AvenirNext LT Pro Bold" panose="020B0504020202020204" pitchFamily="34" charset="77"/>
+              </a:rPr>
+              <a:t>{ITEM# }</a:t>
+            </a:r>
+            <a:endParaRPr lang="en-US" sz="1737" b="1" dirty="0">
+              <a:solidFill>
+                <a:schemeClr val="bg1"/>
+              </a:solidFill>
+              <a:latin typeface="AvenirNext LT Pro Bold" panose="020B0504020202020204" pitchFamily="34" charset="77"/>
+            </a:endParaRPr>
+          </a:p>
+        </p:txBody>
+      </p:sp>
+      <p:sp>
+        <p:nvSpPr>
+          <p:cNvPr id="19" name="TextBox 18">
+            <a:extLst>
+              <a:ext uri="{FF2B5EF4-FFF2-40B4-BE49-F238E27FC236}">
+                <a16:creationId xmlns:a16="http://schemas.microsoft.com/office/drawing/2014/main" id="{C75EB4B1-FE1E-9122-FFD8-D61661401409}"/>
+              </a:ext>
+            </a:extLst>
+          </p:cNvPr>
+          <p:cNvSpPr txBox="1"/>
+          <p:nvPr/>
+        </p:nvSpPr>
+        <p:spPr>
+          <a:xfrm>
+            <a:off x="11106890" y="963985"/>
+            <a:ext cx="3854128" cy="2642262"/>
+          </a:xfrm>
+          <a:prstGeom prst="rect">
+            <a:avLst/>
+          </a:prstGeom>
+          <a:noFill/>
+        </p:spPr>
+        <p:txBody>
+          <a:bodyPr wrap="square" rtlCol="0">
+            <a:spAutoFit/>
+          </a:bodyPr>
+          <a:lstStyle/>
+          <a:p>
+            <a:r>
+              <a:rPr lang="en-US" altLang="zh-CN" sz="1985" b="1" dirty="0" err="1">
+                <a:solidFill>
+                  <a:srgbClr val="FE4AC1"/>
+                </a:solidFill>
+                <a:latin typeface="AvenirNext LT Pro Bold" panose="020B0504020202020204" pitchFamily="34" charset="77"/>
+              </a:rPr>
+              <a:t>xxxxxxxxxxxxxxxx</a:t>
+            </a:r>
+            <a:endParaRPr lang="en-US" sz="1985" b="1" dirty="0">
+              <a:solidFill>
+                <a:srgbClr val="FE4AC1"/>
+              </a:solidFill>
+              <a:latin typeface="AvenirNext LT Pro Bold" panose="020B0504020202020204" pitchFamily="34" charset="77"/>
+            </a:endParaRPr>
+          </a:p>
+          <a:p>
+            <a:endParaRPr lang="en-US" sz="1985" b="1" dirty="0">
+              <a:solidFill>
+                <a:srgbClr val="EE3B95"/>
+              </a:solidFill>
+              <a:latin typeface="AvenirNext LT Pro Bold" panose="020B0504020202020204" pitchFamily="34" charset="77"/>
+            </a:endParaRPr>
+          </a:p>
+          <a:p>
+            <a:r>
+              <a:rPr lang="en-US" sz="1400" b="1" dirty="0">
+                <a:solidFill>
+                  <a:schemeClr val="tx1">
+                    <a:lumMod val="65000"/>
+                    <a:lumOff val="35000"/>
+                  </a:schemeClr>
+                </a:solidFill>
+                <a:latin typeface="Avenir Next" panose="020B0503020202020204" pitchFamily="34" charset="0"/>
+              </a:rPr>
+              <a:t>Item #</a:t>
+            </a:r>
+            <a:r>
+              <a:rPr lang="en-US" altLang="zh-CN" sz="1400" b="1" dirty="0">
+                <a:solidFill>
+                  <a:schemeClr val="tx1">
+                    <a:lumMod val="65000"/>
+                    <a:lumOff val="35000"/>
+                  </a:schemeClr>
+                </a:solidFill>
+                <a:latin typeface="Avenir Next" panose="020B0503020202020204" pitchFamily="34" charset="0"/>
+              </a:rPr>
+              <a:t>{</a:t>
+            </a:r>
+            <a:r>
+              <a:rPr lang="en-US" sz="1400" b="1" dirty="0">
+                <a:solidFill>
+                  <a:schemeClr val="tx1">
+                    <a:lumMod val="65000"/>
+                    <a:lumOff val="35000"/>
+                  </a:schemeClr>
+                </a:solidFill>
+                <a:latin typeface="Avenir Next" panose="020B0503020202020204" pitchFamily="34" charset="0"/>
+              </a:rPr>
+              <a:t>ITEM#</a:t>
+            </a:r>
+            <a:r>
+              <a:rPr lang="en-US" altLang="zh-CN" sz="1400" b="1" dirty="0">
+                <a:solidFill>
+                  <a:schemeClr val="tx1">
+                    <a:lumMod val="65000"/>
+                    <a:lumOff val="35000"/>
+                  </a:schemeClr>
+                </a:solidFill>
+                <a:latin typeface="Avenir Next" panose="020B0503020202020204" pitchFamily="34" charset="0"/>
+              </a:rPr>
+              <a:t>}</a:t>
+            </a:r>
+            <a:endParaRPr lang="en-US" sz="1400" b="1" dirty="0">
+              <a:solidFill>
+                <a:schemeClr val="tx1">
+                  <a:lumMod val="65000"/>
+                  <a:lumOff val="35000"/>
+                </a:schemeClr>
+              </a:solidFill>
+              <a:latin typeface="Avenir Next" panose="020B0503020202020204" pitchFamily="34" charset="0"/>
+            </a:endParaRPr>
+          </a:p>
+          <a:p>
+            <a:r>
+              <a:rPr lang="en-US" sz="1400" b="1" dirty="0">
+                <a:solidFill>
+                  <a:schemeClr val="tx1">
+                    <a:lumMod val="65000"/>
+                    <a:lumOff val="35000"/>
+                  </a:schemeClr>
+                </a:solidFill>
+                <a:latin typeface="Avenir Next" panose="020B0503020202020204" pitchFamily="34" charset="0"/>
+              </a:rPr>
+              <a:t>{Item Description}</a:t>
+            </a:r>
+          </a:p>
+          <a:p>
+            <a:endParaRPr lang="en-US" sz="1400" dirty="0">
+              <a:solidFill>
+                <a:srgbClr val="FF0000"/>
+              </a:solidFill>
+              <a:latin typeface="Avenir Next" panose="020B0503020202020204" pitchFamily="34" charset="0"/>
+            </a:endParaRPr>
+          </a:p>
+          <a:p>
+            <a:r>
+              <a:rPr lang="en-US" altLang="zh-CN" sz="1400" b="1" dirty="0">
                 <a:solidFill>
                   <a:srgbClr val="262626"/>
                 </a:solidFill>
-                <a:latin typeface="AvenirNext LT Pro Regular" panose="020B0504020202020204" pitchFamily="34" charset="0"/>
+                <a:latin typeface="Avenir Next" panose="020B0503020202020204" pitchFamily="34" charset="0"/>
               </a:rPr>
-              <a:t>{ITEM#}</a:t>
-            </a:r>
-          </a:p>
-          <a:p>
-            <a:endParaRPr lang="en-US" altLang="zh-CN" sz="1418" b="1" dirty="0">
-              <a:solidFill>
-                <a:srgbClr val="262626"/>
-              </a:solidFill>
-              <a:latin typeface="AvenirNext LT Pro Regular" panose="020B0504020202020204" pitchFamily="34" charset="0"/>
-            </a:endParaRPr>
-          </a:p>
-          <a:p>
-            <a:r>
-              <a:rPr lang="en-US" altLang="zh-CN" sz="1418" b="1" dirty="0">
+              <a:t>Dims:</a:t>
+            </a:r>
+            <a:r>
+              <a:rPr lang="zh-CN" altLang="en-US" sz="1400" b="1" dirty="0">
                 <a:solidFill>
                   <a:srgbClr val="262626"/>
                 </a:solidFill>
-                <a:latin typeface="AvenirNext LT Pro Regular" panose="020B0504020202020204" pitchFamily="34" charset="0"/>
+                <a:latin typeface="Avenir Next" panose="020B0503020202020204" pitchFamily="34" charset="0"/>
               </a:rPr>
-              <a:t>{Item Description}</a:t>
-            </a:r>
-          </a:p>
-          <a:p>
-            <a:endParaRPr lang="en-US" altLang="zh-CN" sz="1418" b="1" dirty="0">
-              <a:solidFill>
-                <a:srgbClr val="262626"/>
-              </a:solidFill>
-              <a:latin typeface="AvenirNext LT Pro Regular" panose="020B0504020202020204" pitchFamily="34" charset="0"/>
-            </a:endParaRPr>
-          </a:p>
-          <a:p>
-            <a:r>
-              <a:rPr lang="en-US" altLang="zh-CN" sz="1418" b="1" dirty="0">
+              <a:t> </a:t>
+            </a:r>
+            <a:r>
+              <a:rPr lang="en-US" altLang="zh-CN" sz="1400" b="1" dirty="0">
                 <a:solidFill>
                   <a:srgbClr val="262626"/>
                 </a:solidFill>
-                <a:latin typeface="AvenirNext LT Pro Regular" panose="020B0504020202020204" pitchFamily="34" charset="0"/>
+                <a:latin typeface="Avenir Next" panose="020B0503020202020204" pitchFamily="34" charset="0"/>
               </a:rPr>
-              <a:t>Dims:</a:t>
-            </a:r>
-            <a:r>
-              <a:rPr lang="zh-CN" altLang="en-US" sz="1418" b="1" dirty="0">
-                <a:solidFill>
-                  <a:srgbClr val="262626"/>
-                </a:solidFill>
-                <a:latin typeface="AvenirNext LT Pro Regular" panose="020B0504020202020204" pitchFamily="34" charset="0"/>
-              </a:rPr>
-              <a:t> </a:t>
-            </a:r>
-            <a:r>
-              <a:rPr lang="en-US" altLang="zh-CN" sz="1418" b="1" dirty="0">
-                <a:solidFill>
-                  <a:srgbClr val="262626"/>
-                </a:solidFill>
-                <a:latin typeface="AvenirNext LT Pro Regular" panose="020B0504020202020204" pitchFamily="34" charset="0"/>
-              </a:rPr>
-              <a:t>W {Item Width(Inch)} cm x D {Item Depth (inch)} cm x H</a:t>
-            </a:r>
-            <a:r>
-              <a:rPr lang="zh-CN" altLang="en-US" sz="1418" b="1" dirty="0">
-                <a:solidFill>
-                  <a:srgbClr val="262626"/>
-                </a:solidFill>
-                <a:latin typeface="AvenirNext LT Pro Regular" panose="020B0504020202020204" pitchFamily="34" charset="0"/>
-              </a:rPr>
-              <a:t> </a:t>
-            </a:r>
-            <a:r>
-              <a:rPr lang="en-US" altLang="zh-CN" sz="1418" b="1" dirty="0">
-                <a:solidFill>
-                  <a:srgbClr val="262626"/>
-                </a:solidFill>
-                <a:latin typeface="AvenirNext LT Pro Regular" panose="020B0504020202020204" pitchFamily="34" charset="0"/>
-              </a:rPr>
-              <a:t>{Item Height (inch)} cm</a:t>
+              <a:t>W {Item Width(Inch)} cm x D {Item Depth (inch)} cm x H {Item Height (inch)} cm </a:t>
             </a:r>
           </a:p>
           <a:p>
             <a:pPr fontAlgn="base"/>
-            <a:endParaRPr lang="en-US" altLang="zh-CN" sz="1418" b="1" dirty="0">
+            <a:endParaRPr lang="en-US" altLang="zh-CN" sz="1400" b="1" dirty="0">
               <a:solidFill>
                 <a:srgbClr val="00B0F0"/>
               </a:solidFill>
-              <a:latin typeface="AvenirNext LT Pro Regular" panose="020B0504020202020204" pitchFamily="34" charset="0"/>
+              <a:latin typeface="Avenir Next" panose="020B0503020202020204" pitchFamily="34" charset="0"/>
             </a:endParaRPr>
           </a:p>
           <a:p>
             <a:pPr fontAlgn="base"/>
             <a:r>
-              <a:rPr lang="en-US" altLang="zh-CN" sz="1418" b="1" dirty="0">
+              <a:rPr lang="en-US" altLang="zh-CN" sz="1400" b="1" dirty="0">
                 <a:solidFill>
                   <a:srgbClr val="00B0F0"/>
                 </a:solidFill>
-                <a:latin typeface="AvenirNext LT Pro Regular" panose="020B0504020202020204" pitchFamily="34" charset="0"/>
+                <a:latin typeface="Avenir Next" panose="020B0503020202020204" pitchFamily="34" charset="0"/>
               </a:rPr>
-              <a:t>FOB : ${FOB NB}</a:t>
+              <a:t>FOB : ${FOB}</a:t>
             </a:r>
           </a:p>
           <a:p>
             <a:pPr fontAlgn="base"/>
             <a:r>
-              <a:rPr lang="en-US" altLang="zh-CN" sz="1418" b="1" dirty="0">
+              <a:rPr lang="en-US" altLang="zh-CN" sz="1400" b="1" dirty="0">
                 <a:solidFill>
                   <a:srgbClr val="00B0F0"/>
                 </a:solidFill>
-                <a:latin typeface="AvenirNext LT Pro Regular" panose="020B0504020202020204" pitchFamily="34" charset="0"/>
+                <a:latin typeface="Avenir Next" panose="020B0503020202020204" pitchFamily="34" charset="0"/>
               </a:rPr>
-              <a:t>Suggested Retail AU: ${Retail AUD}</a:t>
-            </a:r>
-            <a:endParaRPr lang="en-US" altLang="zh-CN" sz="1418" dirty="0">
+              <a:t>Suggested Retail AU: ${Retail</a:t>
+            </a:r>
+            <a:r>
+              <a:rPr lang="zh-CN" altLang="en-US" sz="1400" b="1" dirty="0">
+                <a:solidFill>
+                  <a:srgbClr val="00B0F0"/>
+                </a:solidFill>
+                <a:latin typeface="Avenir Next" panose="020B0503020202020204" pitchFamily="34" charset="0"/>
+              </a:rPr>
+              <a:t> </a:t>
+            </a:r>
+            <a:r>
+              <a:rPr lang="en-US" altLang="zh-CN" sz="1400" b="1" dirty="0">
+                <a:solidFill>
+                  <a:srgbClr val="00B0F0"/>
+                </a:solidFill>
+                <a:latin typeface="Avenir Next" panose="020B0503020202020204" pitchFamily="34" charset="0"/>
+              </a:rPr>
+              <a:t>AUD}</a:t>
+            </a:r>
+            <a:endParaRPr lang="en-US" sz="1489" dirty="0">
               <a:solidFill>
                 <a:schemeClr val="tx1">
-                  <a:lumMod val="85000"/>
-                  <a:lumOff val="15000"/>
+                  <a:lumMod val="65000"/>
+                  <a:lumOff val="35000"/>
                 </a:schemeClr>
               </a:solidFill>
-              <a:latin typeface="AvenirNext LT Pro Regular" panose="020B0504020202020204" pitchFamily="34" charset="0"/>
-              <a:cs typeface="Times New Roman" panose="02020603050405020304" pitchFamily="18" charset="0"/>
-              <a:sym typeface="Wingdings 2" panose="05020102010507070707" pitchFamily="18" charset="2"/>
+              <a:latin typeface="AvenirNext LT Pro Bold" panose="020B0504020202020204" pitchFamily="34" charset="77"/>
             </a:endParaRPr>
           </a:p>
         </p:txBody>
       </p:sp>
     </p:spTree>
+    <p:extLst>
+      <p:ext uri="{BB962C8B-B14F-4D97-AF65-F5344CB8AC3E}">
+        <p14:creationId xmlns:p14="http://schemas.microsoft.com/office/powerpoint/2010/main" val="1899706140"/>
+      </p:ext>
+    </p:extLst>
   </p:cSld>
   <p:clrMapOvr>
     <a:masterClrMapping/>
@@ -959,7 +2981,274 @@
 </p:sld>
 </file>
 
+<file path=ppt/tags/tag1.xml><?xml version="1.0" encoding="utf-8"?>
+<p:tagLst xmlns:a="http://schemas.openxmlformats.org/drawingml/2006/main" xmlns:r="http://schemas.openxmlformats.org/officeDocument/2006/relationships" xmlns:p="http://schemas.openxmlformats.org/presentationml/2006/main">
+  <p:tag name="COMMONDATA" val="eyJoZGlkIjoiNTI3ODZkYTg0NGNlZmIxNDkzMmMyMTdlMDY3ODhkYzIifQ=="/>
+</p:tagLst>
+</file>
+
 <file path=ppt/theme/theme1.xml><?xml version="1.0" encoding="utf-8"?>
+<a:theme xmlns:a="http://schemas.openxmlformats.org/drawingml/2006/main" name="Office 2013 - 2022 Theme">
+  <a:themeElements>
+    <a:clrScheme name="Office 2013 - 2022 Theme">
+      <a:dk1>
+        <a:sysClr val="windowText" lastClr="000000"/>
+      </a:dk1>
+      <a:lt1>
+        <a:sysClr val="window" lastClr="FFFFFF"/>
+      </a:lt1>
+      <a:dk2>
+        <a:srgbClr val="44546A"/>
+      </a:dk2>
+      <a:lt2>
+        <a:srgbClr val="E7E6E6"/>
+      </a:lt2>
+      <a:accent1>
+        <a:srgbClr val="4472C4"/>
+      </a:accent1>
+      <a:accent2>
+        <a:srgbClr val="ED7D31"/>
+      </a:accent2>
+      <a:accent3>
+        <a:srgbClr val="A5A5A5"/>
+      </a:accent3>
+      <a:accent4>
+        <a:srgbClr val="FFC000"/>
+      </a:accent4>
+      <a:accent5>
+        <a:srgbClr val="5B9BD5"/>
+      </a:accent5>
+      <a:accent6>
+        <a:srgbClr val="70AD47"/>
+      </a:accent6>
+      <a:hlink>
+        <a:srgbClr val="0563C1"/>
+      </a:hlink>
+      <a:folHlink>
+        <a:srgbClr val="954F72"/>
+      </a:folHlink>
+    </a:clrScheme>
+    <a:fontScheme name="Office 2013 - 2022 Theme">
+      <a:majorFont>
+        <a:latin typeface="Calibri Light" panose="020F0302020204030204"/>
+        <a:ea typeface=""/>
+        <a:cs typeface=""/>
+        <a:font script="Jpan" typeface="游ゴシック Light"/>
+        <a:font script="Hang" typeface="맑은 고딕"/>
+        <a:font script="Hans" typeface="等线 Light"/>
+        <a:font script="Hant" typeface="新細明體"/>
+        <a:font script="Arab" typeface="Times New Roman"/>
+        <a:font script="Hebr" typeface="Times New Roman"/>
+        <a:font script="Thai" typeface="Angsana New"/>
+        <a:font script="Ethi" typeface="Nyala"/>
+        <a:font script="Beng" typeface="Vrinda"/>
+        <a:font script="Gujr" typeface="Shruti"/>
+        <a:font script="Khmr" typeface="MoolBoran"/>
+        <a:font script="Knda" typeface="Tunga"/>
+        <a:font script="Guru" typeface="Raavi"/>
+        <a:font script="Cans" typeface="Euphemia"/>
+        <a:font script="Cher" typeface="Plantagenet Cherokee"/>
+        <a:font script="Yiii" typeface="Microsoft Yi Baiti"/>
+        <a:font script="Tibt" typeface="Microsoft Himalaya"/>
+        <a:font script="Thaa" typeface="MV Boli"/>
+        <a:font script="Deva" typeface="Mangal"/>
+        <a:font script="Telu" typeface="Gautami"/>
+        <a:font script="Taml" typeface="Latha"/>
+        <a:font script="Syrc" typeface="Estrangelo Edessa"/>
+        <a:font script="Orya" typeface="Kalinga"/>
+        <a:font script="Mlym" typeface="Kartika"/>
+        <a:font script="Laoo" typeface="DokChampa"/>
+        <a:font script="Sinh" typeface="Iskoola Pota"/>
+        <a:font script="Mong" typeface="Mongolian Baiti"/>
+        <a:font script="Viet" typeface="Times New Roman"/>
+        <a:font script="Uigh" typeface="Microsoft Uighur"/>
+        <a:font script="Geor" typeface="Sylfaen"/>
+      </a:majorFont>
+      <a:minorFont>
+        <a:latin typeface="Calibri" panose="020F0502020204030204"/>
+        <a:ea typeface=""/>
+        <a:cs typeface=""/>
+        <a:font script="Jpan" typeface="游ゴシック"/>
+        <a:font script="Hang" typeface="맑은 고딕"/>
+        <a:font script="Hans" typeface="等线"/>
+        <a:font script="Hant" typeface="新細明體"/>
+        <a:font script="Arab" typeface="Arial"/>
+        <a:font script="Hebr" typeface="Arial"/>
+        <a:font script="Thai" typeface="Cordia New"/>
+        <a:font script="Ethi" typeface="Nyala"/>
+        <a:font script="Beng" typeface="Vrinda"/>
+        <a:font script="Gujr" typeface="Shruti"/>
+        <a:font script="Khmr" typeface="DaunPenh"/>
+        <a:font script="Knda" typeface="Tunga"/>
+        <a:font script="Guru" typeface="Raavi"/>
+        <a:font script="Cans" typeface="Euphemia"/>
+        <a:font script="Cher" typeface="Plantagenet Cherokee"/>
+        <a:font script="Yiii" typeface="Microsoft Yi Baiti"/>
+        <a:font script="Tibt" typeface="Microsoft Himalaya"/>
+        <a:font script="Thaa" typeface="MV Boli"/>
+        <a:font script="Deva" typeface="Mangal"/>
+        <a:font script="Telu" typeface="Gautami"/>
+        <a:font script="Taml" typeface="Latha"/>
+        <a:font script="Syrc" typeface="Estrangelo Edessa"/>
+        <a:font script="Orya" typeface="Kalinga"/>
+        <a:font script="Mlym" typeface="Kartika"/>
+        <a:font script="Laoo" typeface="DokChampa"/>
+        <a:font script="Sinh" typeface="Iskoola Pota"/>
+        <a:font script="Mong" typeface="Mongolian Baiti"/>
+        <a:font script="Viet" typeface="Arial"/>
+        <a:font script="Uigh" typeface="Microsoft Uighur"/>
+        <a:font script="Geor" typeface="Sylfaen"/>
+      </a:minorFont>
+    </a:fontScheme>
+    <a:fmtScheme name="Office 2013 - 2022 Theme">
+      <a:fillStyleLst>
+        <a:solidFill>
+          <a:schemeClr val="phClr"/>
+        </a:solidFill>
+        <a:gradFill rotWithShape="1">
+          <a:gsLst>
+            <a:gs pos="0">
+              <a:schemeClr val="phClr">
+                <a:lumMod val="110000"/>
+                <a:satMod val="105000"/>
+                <a:tint val="67000"/>
+              </a:schemeClr>
+            </a:gs>
+            <a:gs pos="50000">
+              <a:schemeClr val="phClr">
+                <a:lumMod val="105000"/>
+                <a:satMod val="103000"/>
+                <a:tint val="73000"/>
+              </a:schemeClr>
+            </a:gs>
+            <a:gs pos="100000">
+              <a:schemeClr val="phClr">
+                <a:lumMod val="105000"/>
+                <a:satMod val="109000"/>
+                <a:tint val="81000"/>
+              </a:schemeClr>
+            </a:gs>
+          </a:gsLst>
+          <a:lin ang="5400000" scaled="0"/>
+        </a:gradFill>
+        <a:gradFill rotWithShape="1">
+          <a:gsLst>
+            <a:gs pos="0">
+              <a:schemeClr val="phClr">
+                <a:satMod val="103000"/>
+                <a:lumMod val="102000"/>
+                <a:tint val="94000"/>
+              </a:schemeClr>
+            </a:gs>
+            <a:gs pos="50000">
+              <a:schemeClr val="phClr">
+                <a:satMod val="110000"/>
+                <a:lumMod val="100000"/>
+                <a:shade val="100000"/>
+              </a:schemeClr>
+            </a:gs>
+            <a:gs pos="100000">
+              <a:schemeClr val="phClr">
+                <a:lumMod val="99000"/>
+                <a:satMod val="120000"/>
+                <a:shade val="78000"/>
+              </a:schemeClr>
+            </a:gs>
+          </a:gsLst>
+          <a:lin ang="5400000" scaled="0"/>
+        </a:gradFill>
+      </a:fillStyleLst>
+      <a:lnStyleLst>
+        <a:ln w="6350" cap="flat" cmpd="sng" algn="ctr">
+          <a:solidFill>
+            <a:schemeClr val="phClr"/>
+          </a:solidFill>
+          <a:prstDash val="solid"/>
+          <a:miter lim="800000"/>
+        </a:ln>
+        <a:ln w="12700" cap="flat" cmpd="sng" algn="ctr">
+          <a:solidFill>
+            <a:schemeClr val="phClr"/>
+          </a:solidFill>
+          <a:prstDash val="solid"/>
+          <a:miter lim="800000"/>
+        </a:ln>
+        <a:ln w="19050" cap="flat" cmpd="sng" algn="ctr">
+          <a:solidFill>
+            <a:schemeClr val="phClr"/>
+          </a:solidFill>
+          <a:prstDash val="solid"/>
+          <a:miter lim="800000"/>
+        </a:ln>
+      </a:lnStyleLst>
+      <a:effectStyleLst>
+        <a:effectStyle>
+          <a:effectLst/>
+        </a:effectStyle>
+        <a:effectStyle>
+          <a:effectLst/>
+        </a:effectStyle>
+        <a:effectStyle>
+          <a:effectLst>
+            <a:outerShdw blurRad="57150" dist="19050" dir="5400000" algn="ctr" rotWithShape="0">
+              <a:srgbClr val="000000">
+                <a:alpha val="63000"/>
+              </a:srgbClr>
+            </a:outerShdw>
+          </a:effectLst>
+        </a:effectStyle>
+      </a:effectStyleLst>
+      <a:bgFillStyleLst>
+        <a:solidFill>
+          <a:schemeClr val="phClr"/>
+        </a:solidFill>
+        <a:solidFill>
+          <a:schemeClr val="phClr">
+            <a:tint val="95000"/>
+            <a:satMod val="170000"/>
+          </a:schemeClr>
+        </a:solidFill>
+        <a:gradFill rotWithShape="1">
+          <a:gsLst>
+            <a:gs pos="0">
+              <a:schemeClr val="phClr">
+                <a:tint val="93000"/>
+                <a:satMod val="150000"/>
+                <a:shade val="98000"/>
+                <a:lumMod val="102000"/>
+              </a:schemeClr>
+            </a:gs>
+            <a:gs pos="50000">
+              <a:schemeClr val="phClr">
+                <a:tint val="98000"/>
+                <a:satMod val="130000"/>
+                <a:shade val="90000"/>
+                <a:lumMod val="103000"/>
+              </a:schemeClr>
+            </a:gs>
+            <a:gs pos="100000">
+              <a:schemeClr val="phClr">
+                <a:shade val="63000"/>
+                <a:satMod val="120000"/>
+              </a:schemeClr>
+            </a:gs>
+          </a:gsLst>
+          <a:lin ang="5400000" scaled="0"/>
+        </a:gradFill>
+      </a:bgFillStyleLst>
+    </a:fmtScheme>
+  </a:themeElements>
+  <a:objectDefaults/>
+  <a:extraClrSchemeLst/>
+  <a:extLst>
+    <a:ext uri="{05A4C25C-085E-4340-85A3-A5531E510DB2}">
+      <thm15:themeFamily xmlns:thm15="http://schemas.microsoft.com/office/thememl/2012/main" name="Office 2013 - 2022 Theme" id="{62F939B6-93AF-4DB8-9C6B-D6C7DFDC589F}" vid="{4A3C46E8-61CC-4603-A589-7422A47A8E4A}"/>
+    </a:ext>
+  </a:extLst>
+</a:theme>
+</file>
+
+<file path=ppt/theme/theme2.xml><?xml version="1.0" encoding="utf-8"?>
 <a:theme xmlns:a="http://schemas.openxmlformats.org/drawingml/2006/main" name="Office 主题​​">
   <a:themeElements>
     <a:clrScheme name="Office">
@@ -1002,7 +3291,7 @@
     </a:clrScheme>
     <a:fontScheme name="Office">
       <a:majorFont>
-        <a:latin typeface="等线 Light" panose="02110004020202020204"/>
+        <a:latin typeface="等线 Light"/>
         <a:ea typeface=""/>
         <a:cs typeface=""/>
         <a:font script="Jpan" typeface="游ゴシック Light"/>
@@ -1035,26 +3324,9 @@
         <a:font script="Viet" typeface="Times New Roman"/>
         <a:font script="Uigh" typeface="Microsoft Uighur"/>
         <a:font script="Geor" typeface="Sylfaen"/>
-        <a:font script="Armn" typeface="Arial"/>
-        <a:font script="Bugi" typeface="Leelawadee UI"/>
-        <a:font script="Bopo" typeface="Microsoft JhengHei"/>
-        <a:font script="Java" typeface="Javanese Text"/>
-        <a:font script="Lisu" typeface="Segoe UI"/>
-        <a:font script="Mymr" typeface="Myanmar Text"/>
-        <a:font script="Nkoo" typeface="Ebrima"/>
-        <a:font script="Olck" typeface="Nirmala UI"/>
-        <a:font script="Osma" typeface="Ebrima"/>
-        <a:font script="Phag" typeface="Phagspa"/>
-        <a:font script="Syrn" typeface="Estrangelo Edessa"/>
-        <a:font script="Syrj" typeface="Estrangelo Edessa"/>
-        <a:font script="Syre" typeface="Estrangelo Edessa"/>
-        <a:font script="Sora" typeface="Nirmala UI"/>
-        <a:font script="Tale" typeface="Microsoft Tai Le"/>
-        <a:font script="Talu" typeface="Microsoft New Tai Lue"/>
-        <a:font script="Tfng" typeface="Ebrima"/>
       </a:majorFont>
       <a:minorFont>
-        <a:latin typeface="等线" panose="02110004020202020204"/>
+        <a:latin typeface="等线"/>
         <a:ea typeface=""/>
         <a:cs typeface=""/>
         <a:font script="Jpan" typeface="游ゴシック"/>
@@ -1087,23 +3359,6 @@
         <a:font script="Viet" typeface="Arial"/>
         <a:font script="Uigh" typeface="Microsoft Uighur"/>
         <a:font script="Geor" typeface="Sylfaen"/>
-        <a:font script="Armn" typeface="Arial"/>
-        <a:font script="Bugi" typeface="Leelawadee UI"/>
-        <a:font script="Bopo" typeface="Microsoft JhengHei"/>
-        <a:font script="Java" typeface="Javanese Text"/>
-        <a:font script="Lisu" typeface="Segoe UI"/>
-        <a:font script="Mymr" typeface="Myanmar Text"/>
-        <a:font script="Nkoo" typeface="Ebrima"/>
-        <a:font script="Olck" typeface="Nirmala UI"/>
-        <a:font script="Osma" typeface="Ebrima"/>
-        <a:font script="Phag" typeface="Phagspa"/>
-        <a:font script="Syrn" typeface="Estrangelo Edessa"/>
-        <a:font script="Syrj" typeface="Estrangelo Edessa"/>
-        <a:font script="Syre" typeface="Estrangelo Edessa"/>
-        <a:font script="Sora" typeface="Nirmala UI"/>
-        <a:font script="Tale" typeface="Microsoft Tai Le"/>
-        <a:font script="Talu" typeface="Microsoft New Tai Lue"/>
-        <a:font script="Tfng" typeface="Ebrima"/>
       </a:minorFont>
     </a:fontScheme>
     <a:fmtScheme name="Office">
@@ -1268,33 +3523,294 @@
   <a:extraClrSchemeLst/>
   <a:extLst>
     <a:ext uri="{05A4C25C-085E-4340-85A3-A5531E510DB2}">
-      <thm15:themeFamily xmlns:thm15="http://schemas.microsoft.com/office/thememl/2012/main" name="Office Theme" id="{2E142A2C-CD16-42D6-873A-C26D2A0506FA}" vid="{1BDDFF52-6CD6-40A5-AB3C-68EB2F1E4D0A}"/>
+      <thm15:themeFamily xmlns:thm15="http://schemas.microsoft.com/office/thememl/2012/main" name="Office Theme" id="{62F939B6-93AF-4DB8-9C6B-D6C7DFDC589F}" vid="{4A3C46E8-61CC-4603-A589-7422A47A8E4A}"/>
+    </a:ext>
+  </a:extLst>
+</a:theme>
+</file>
+
+<file path=ppt/theme/theme3.xml><?xml version="1.0" encoding="utf-8"?>
+<a:theme xmlns:a="http://schemas.openxmlformats.org/drawingml/2006/main" name="Office 主题​​">
+  <a:themeElements>
+    <a:clrScheme name="Office">
+      <a:dk1>
+        <a:sysClr val="windowText" lastClr="000000"/>
+      </a:dk1>
+      <a:lt1>
+        <a:sysClr val="window" lastClr="FFFFFF"/>
+      </a:lt1>
+      <a:dk2>
+        <a:srgbClr val="0E2841"/>
+      </a:dk2>
+      <a:lt2>
+        <a:srgbClr val="E8E8E8"/>
+      </a:lt2>
+      <a:accent1>
+        <a:srgbClr val="156082"/>
+      </a:accent1>
+      <a:accent2>
+        <a:srgbClr val="E97132"/>
+      </a:accent2>
+      <a:accent3>
+        <a:srgbClr val="196B24"/>
+      </a:accent3>
+      <a:accent4>
+        <a:srgbClr val="0F9ED5"/>
+      </a:accent4>
+      <a:accent5>
+        <a:srgbClr val="A02B93"/>
+      </a:accent5>
+      <a:accent6>
+        <a:srgbClr val="4EA72E"/>
+      </a:accent6>
+      <a:hlink>
+        <a:srgbClr val="467886"/>
+      </a:hlink>
+      <a:folHlink>
+        <a:srgbClr val="96607D"/>
+      </a:folHlink>
+    </a:clrScheme>
+    <a:fontScheme name="Office">
+      <a:majorFont>
+        <a:latin typeface="等线 Light"/>
+        <a:ea typeface=""/>
+        <a:cs typeface=""/>
+        <a:font script="Jpan" typeface="游ゴシック Light"/>
+        <a:font script="Hang" typeface="맑은 고딕"/>
+        <a:font script="Hans" typeface="等线 Light"/>
+        <a:font script="Hant" typeface="新細明體"/>
+        <a:font script="Arab" typeface="Times New Roman"/>
+        <a:font script="Hebr" typeface="Times New Roman"/>
+        <a:font script="Thai" typeface="Angsana New"/>
+        <a:font script="Ethi" typeface="Nyala"/>
+        <a:font script="Beng" typeface="Vrinda"/>
+        <a:font script="Gujr" typeface="Shruti"/>
+        <a:font script="Khmr" typeface="MoolBoran"/>
+        <a:font script="Knda" typeface="Tunga"/>
+        <a:font script="Guru" typeface="Raavi"/>
+        <a:font script="Cans" typeface="Euphemia"/>
+        <a:font script="Cher" typeface="Plantagenet Cherokee"/>
+        <a:font script="Yiii" typeface="Microsoft Yi Baiti"/>
+        <a:font script="Tibt" typeface="Microsoft Himalaya"/>
+        <a:font script="Thaa" typeface="MV Boli"/>
+        <a:font script="Deva" typeface="Mangal"/>
+        <a:font script="Telu" typeface="Gautami"/>
+        <a:font script="Taml" typeface="Latha"/>
+        <a:font script="Syrc" typeface="Estrangelo Edessa"/>
+        <a:font script="Orya" typeface="Kalinga"/>
+        <a:font script="Mlym" typeface="Kartika"/>
+        <a:font script="Laoo" typeface="DokChampa"/>
+        <a:font script="Sinh" typeface="Iskoola Pota"/>
+        <a:font script="Mong" typeface="Mongolian Baiti"/>
+        <a:font script="Viet" typeface="Times New Roman"/>
+        <a:font script="Uigh" typeface="Microsoft Uighur"/>
+        <a:font script="Geor" typeface="Sylfaen"/>
+      </a:majorFont>
+      <a:minorFont>
+        <a:latin typeface="等线"/>
+        <a:ea typeface=""/>
+        <a:cs typeface=""/>
+        <a:font script="Jpan" typeface="游ゴシック"/>
+        <a:font script="Hang" typeface="맑은 고딕"/>
+        <a:font script="Hans" typeface="等线"/>
+        <a:font script="Hant" typeface="新細明體"/>
+        <a:font script="Arab" typeface="Arial"/>
+        <a:font script="Hebr" typeface="Arial"/>
+        <a:font script="Thai" typeface="Cordia New"/>
+        <a:font script="Ethi" typeface="Nyala"/>
+        <a:font script="Beng" typeface="Vrinda"/>
+        <a:font script="Gujr" typeface="Shruti"/>
+        <a:font script="Khmr" typeface="DaunPenh"/>
+        <a:font script="Knda" typeface="Tunga"/>
+        <a:font script="Guru" typeface="Raavi"/>
+        <a:font script="Cans" typeface="Euphemia"/>
+        <a:font script="Cher" typeface="Plantagenet Cherokee"/>
+        <a:font script="Yiii" typeface="Microsoft Yi Baiti"/>
+        <a:font script="Tibt" typeface="Microsoft Himalaya"/>
+        <a:font script="Thaa" typeface="MV Boli"/>
+        <a:font script="Deva" typeface="Mangal"/>
+        <a:font script="Telu" typeface="Gautami"/>
+        <a:font script="Taml" typeface="Latha"/>
+        <a:font script="Syrc" typeface="Estrangelo Edessa"/>
+        <a:font script="Orya" typeface="Kalinga"/>
+        <a:font script="Mlym" typeface="Kartika"/>
+        <a:font script="Laoo" typeface="DokChampa"/>
+        <a:font script="Sinh" typeface="Iskoola Pota"/>
+        <a:font script="Mong" typeface="Mongolian Baiti"/>
+        <a:font script="Viet" typeface="Arial"/>
+        <a:font script="Uigh" typeface="Microsoft Uighur"/>
+        <a:font script="Geor" typeface="Sylfaen"/>
+      </a:minorFont>
+    </a:fontScheme>
+    <a:fmtScheme name="Office">
+      <a:fillStyleLst>
+        <a:solidFill>
+          <a:schemeClr val="phClr"/>
+        </a:solidFill>
+        <a:gradFill rotWithShape="1">
+          <a:gsLst>
+            <a:gs pos="0">
+              <a:schemeClr val="phClr">
+                <a:lumMod val="110000"/>
+                <a:satMod val="105000"/>
+                <a:tint val="67000"/>
+              </a:schemeClr>
+            </a:gs>
+            <a:gs pos="50000">
+              <a:schemeClr val="phClr">
+                <a:lumMod val="105000"/>
+                <a:satMod val="103000"/>
+                <a:tint val="73000"/>
+              </a:schemeClr>
+            </a:gs>
+            <a:gs pos="100000">
+              <a:schemeClr val="phClr">
+                <a:lumMod val="105000"/>
+                <a:satMod val="109000"/>
+                <a:tint val="81000"/>
+              </a:schemeClr>
+            </a:gs>
+          </a:gsLst>
+          <a:lin ang="5400000" scaled="0"/>
+        </a:gradFill>
+        <a:gradFill rotWithShape="1">
+          <a:gsLst>
+            <a:gs pos="0">
+              <a:schemeClr val="phClr">
+                <a:satMod val="103000"/>
+                <a:lumMod val="102000"/>
+                <a:tint val="94000"/>
+              </a:schemeClr>
+            </a:gs>
+            <a:gs pos="50000">
+              <a:schemeClr val="phClr">
+                <a:satMod val="110000"/>
+                <a:lumMod val="100000"/>
+                <a:shade val="100000"/>
+              </a:schemeClr>
+            </a:gs>
+            <a:gs pos="100000">
+              <a:schemeClr val="phClr">
+                <a:lumMod val="99000"/>
+                <a:satMod val="120000"/>
+                <a:shade val="78000"/>
+              </a:schemeClr>
+            </a:gs>
+          </a:gsLst>
+          <a:lin ang="5400000" scaled="0"/>
+        </a:gradFill>
+      </a:fillStyleLst>
+      <a:lnStyleLst>
+        <a:ln w="12700" cap="flat" cmpd="sng" algn="ctr">
+          <a:solidFill>
+            <a:schemeClr val="phClr"/>
+          </a:solidFill>
+          <a:prstDash val="solid"/>
+          <a:miter lim="800000"/>
+        </a:ln>
+        <a:ln w="19050" cap="flat" cmpd="sng" algn="ctr">
+          <a:solidFill>
+            <a:schemeClr val="phClr"/>
+          </a:solidFill>
+          <a:prstDash val="solid"/>
+          <a:miter lim="800000"/>
+        </a:ln>
+        <a:ln w="25400" cap="flat" cmpd="sng" algn="ctr">
+          <a:solidFill>
+            <a:schemeClr val="phClr"/>
+          </a:solidFill>
+          <a:prstDash val="solid"/>
+          <a:miter lim="800000"/>
+        </a:ln>
+      </a:lnStyleLst>
+      <a:effectStyleLst>
+        <a:effectStyle>
+          <a:effectLst/>
+        </a:effectStyle>
+        <a:effectStyle>
+          <a:effectLst/>
+        </a:effectStyle>
+        <a:effectStyle>
+          <a:effectLst>
+            <a:outerShdw blurRad="57150" dist="19050" dir="5400000" algn="ctr" rotWithShape="0">
+              <a:srgbClr val="000000">
+                <a:alpha val="63000"/>
+              </a:srgbClr>
+            </a:outerShdw>
+          </a:effectLst>
+        </a:effectStyle>
+      </a:effectStyleLst>
+      <a:bgFillStyleLst>
+        <a:solidFill>
+          <a:schemeClr val="phClr"/>
+        </a:solidFill>
+        <a:solidFill>
+          <a:schemeClr val="phClr">
+            <a:tint val="95000"/>
+            <a:satMod val="170000"/>
+          </a:schemeClr>
+        </a:solidFill>
+        <a:gradFill rotWithShape="1">
+          <a:gsLst>
+            <a:gs pos="0">
+              <a:schemeClr val="phClr">
+                <a:tint val="93000"/>
+                <a:satMod val="150000"/>
+                <a:shade val="98000"/>
+                <a:lumMod val="102000"/>
+              </a:schemeClr>
+            </a:gs>
+            <a:gs pos="50000">
+              <a:schemeClr val="phClr">
+                <a:tint val="98000"/>
+                <a:satMod val="130000"/>
+                <a:shade val="90000"/>
+                <a:lumMod val="103000"/>
+              </a:schemeClr>
+            </a:gs>
+            <a:gs pos="100000">
+              <a:schemeClr val="phClr">
+                <a:shade val="63000"/>
+                <a:satMod val="120000"/>
+              </a:schemeClr>
+            </a:gs>
+          </a:gsLst>
+          <a:lin ang="5400000" scaled="0"/>
+        </a:gradFill>
+      </a:bgFillStyleLst>
+    </a:fmtScheme>
+  </a:themeElements>
+  <a:objectDefaults>
+    <a:lnDef>
+      <a:spPr/>
+      <a:bodyPr/>
+      <a:lstStyle/>
+      <a:style>
+        <a:lnRef idx="2">
+          <a:schemeClr val="accent1"/>
+        </a:lnRef>
+        <a:fillRef idx="0">
+          <a:schemeClr val="accent1"/>
+        </a:fillRef>
+        <a:effectRef idx="1">
+          <a:schemeClr val="accent1"/>
+        </a:effectRef>
+        <a:fontRef idx="minor">
+          <a:schemeClr val="tx1"/>
+        </a:fontRef>
+      </a:style>
+    </a:lnDef>
+  </a:objectDefaults>
+  <a:extraClrSchemeLst/>
+  <a:extLst>
+    <a:ext uri="{05A4C25C-085E-4340-85A3-A5531E510DB2}">
+      <thm15:themeFamily xmlns:thm15="http://schemas.microsoft.com/office/thememl/2012/main" name="Office Theme" id="{62F939B6-93AF-4DB8-9C6B-D6C7DFDC589F}" vid="{4A3C46E8-61CC-4603-A589-7422A47A8E4A}"/>
     </a:ext>
   </a:extLst>
 </a:theme>
 </file>
 
 <file path=customXml/item1.xml><?xml version="1.0" encoding="utf-8"?>
-<?mso-contentType ?>
-<FormTemplates xmlns="http://schemas.microsoft.com/sharepoint/v3/contenttype/forms">
-  <Display>DocumentLibraryForm</Display>
-  <Edit>DocumentLibraryForm</Edit>
-  <New>DocumentLibraryForm</New>
-</FormTemplates>
-</file>
-
-<file path=customXml/item2.xml><?xml version="1.0" encoding="utf-8"?>
-<p:properties xmlns:p="http://schemas.microsoft.com/office/2006/metadata/properties" xmlns:xsi="http://www.w3.org/2001/XMLSchema-instance" xmlns:pc="http://schemas.microsoft.com/office/infopath/2007/PartnerControls">
-  <documentManagement>
-    <TaxCatchAll xmlns="94a76dde-41db-43fa-bae3-1dbbfdafda97" xsi:nil="true"/>
-    <lcf76f155ced4ddcb4097134ff3c332f xmlns="4626ec3b-11ea-4ddf-af8b-d0515e0c815e">
-      <Terms xmlns="http://schemas.microsoft.com/office/infopath/2007/PartnerControls"/>
-    </lcf76f155ced4ddcb4097134ff3c332f>
-  </documentManagement>
-</p:properties>
-</file>
-
-<file path=customXml/item3.xml><?xml version="1.0" encoding="utf-8"?>
 <ct:contentTypeSchema xmlns:ct="http://schemas.microsoft.com/office/2006/metadata/contentType" xmlns:ma="http://schemas.microsoft.com/office/2006/metadata/properties/metaAttributes" ct:_="" ma:_="" ma:contentTypeName="文档" ma:contentTypeID="0x010100FA99BE4EC341124FA7808D337DCB9188" ma:contentTypeVersion="15" ma:contentTypeDescription="新建文档。" ma:contentTypeScope="" ma:versionID="e5e501d8dc891368dcb6e7d54331eb39">
   <xsd:schema xmlns:xsd="http://www.w3.org/2001/XMLSchema" xmlns:xs="http://www.w3.org/2001/XMLSchema" xmlns:p="http://schemas.microsoft.com/office/2006/metadata/properties" xmlns:ns2="4626ec3b-11ea-4ddf-af8b-d0515e0c815e" xmlns:ns3="94a76dde-41db-43fa-bae3-1dbbfdafda97" targetNamespace="http://schemas.microsoft.com/office/2006/metadata/properties" ma:root="true" ma:fieldsID="b270a440fc78e4190f1ec31d61186603" ns2:_="" ns3:_="">
     <xsd:import namespace="4626ec3b-11ea-4ddf-af8b-d0515e0c815e"/>
@@ -1529,33 +4045,28 @@
 </ct:contentTypeSchema>
 </file>
 
-<file path=customXml/itemProps1.xml><?xml version="1.0" encoding="utf-8"?>
-<ds:datastoreItem xmlns:ds="http://schemas.openxmlformats.org/officeDocument/2006/customXml" ds:itemID="{1521AEB9-2113-4246-AA43-6AEF726BCA53}">
-  <ds:schemaRefs>
-    <ds:schemaRef ds:uri="http://schemas.microsoft.com/sharepoint/v3/contenttype/forms"/>
-  </ds:schemaRefs>
-</ds:datastoreItem>
+<file path=customXml/item2.xml><?xml version="1.0" encoding="utf-8"?>
+<p:properties xmlns:p="http://schemas.microsoft.com/office/2006/metadata/properties" xmlns:xsi="http://www.w3.org/2001/XMLSchema-instance" xmlns:pc="http://schemas.microsoft.com/office/infopath/2007/PartnerControls">
+  <documentManagement>
+    <TaxCatchAll xmlns="94a76dde-41db-43fa-bae3-1dbbfdafda97" xsi:nil="true"/>
+    <lcf76f155ced4ddcb4097134ff3c332f xmlns="4626ec3b-11ea-4ddf-af8b-d0515e0c815e">
+      <Terms xmlns="http://schemas.microsoft.com/office/infopath/2007/PartnerControls"/>
+    </lcf76f155ced4ddcb4097134ff3c332f>
+  </documentManagement>
+</p:properties>
 </file>
 
-<file path=customXml/itemProps2.xml><?xml version="1.0" encoding="utf-8"?>
-<ds:datastoreItem xmlns:ds="http://schemas.openxmlformats.org/officeDocument/2006/customXml" ds:itemID="{D0A68984-439C-47E3-95AC-8DFB0336B393}">
-  <ds:schemaRefs>
-    <ds:schemaRef ds:uri="http://purl.org/dc/dcmitype/"/>
-    <ds:schemaRef ds:uri="http://www.w3.org/XML/1998/namespace"/>
-    <ds:schemaRef ds:uri="http://purl.org/dc/terms/"/>
-    <ds:schemaRef ds:uri="http://purl.org/dc/elements/1.1/"/>
-    <ds:schemaRef ds:uri="http://schemas.openxmlformats.org/package/2006/metadata/core-properties"/>
-    <ds:schemaRef ds:uri="4626ec3b-11ea-4ddf-af8b-d0515e0c815e"/>
-    <ds:schemaRef ds:uri="http://schemas.microsoft.com/office/2006/documentManagement/types"/>
-    <ds:schemaRef ds:uri="http://schemas.microsoft.com/office/infopath/2007/PartnerControls"/>
-    <ds:schemaRef ds:uri="94a76dde-41db-43fa-bae3-1dbbfdafda97"/>
-    <ds:schemaRef ds:uri="http://schemas.microsoft.com/office/2006/metadata/properties"/>
-  </ds:schemaRefs>
-</ds:datastoreItem>
+<file path=customXml/item3.xml><?xml version="1.0" encoding="utf-8"?>
+<?mso-contentType ?>
+<FormTemplates xmlns="http://schemas.microsoft.com/sharepoint/v3/contenttype/forms">
+  <Display>DocumentLibraryForm</Display>
+  <Edit>DocumentLibraryForm</Edit>
+  <New>DocumentLibraryForm</New>
+</FormTemplates>
 </file>
 
-<file path=customXml/itemProps3.xml><?xml version="1.0" encoding="utf-8"?>
-<ds:datastoreItem xmlns:ds="http://schemas.openxmlformats.org/officeDocument/2006/customXml" ds:itemID="{5454099B-D61E-4F8C-B843-17E54467701D}">
+<file path=customXml/itemProps1.xml><?xml version="1.0" encoding="utf-8"?>
+<ds:datastoreItem xmlns:ds="http://schemas.openxmlformats.org/officeDocument/2006/customXml" ds:itemID="{C1BA30DA-3A59-4BAB-8C2E-968B7342420E}">
   <ds:schemaRefs>
     <ds:schemaRef ds:uri="4626ec3b-11ea-4ddf-af8b-d0515e0c815e"/>
     <ds:schemaRef ds:uri="94a76dde-41db-43fa-bae3-1dbbfdafda97"/>
@@ -1568,7 +4079,33 @@
     <ds:schemaRef ds:uri="http://schemas.microsoft.com/office/2006/metadata/properties/metaAttributes"/>
     <ds:schemaRef ds:uri="http://schemas.microsoft.com/office/infopath/2007/PartnerControls"/>
     <ds:schemaRef ds:uri="http://schemas.openxmlformats.org/package/2006/metadata/core-properties"/>
+    <ds:schemaRef ds:uri="http://www.w3.org/2000/xmlns/"/>
     <ds:schemaRef ds:uri="http://www.w3.org/2001/XMLSchema"/>
   </ds:schemaRefs>
 </ds:datastoreItem>
+</file>
+
+<file path=customXml/itemProps2.xml><?xml version="1.0" encoding="utf-8"?>
+<ds:datastoreItem xmlns:ds="http://schemas.openxmlformats.org/officeDocument/2006/customXml" ds:itemID="{05FA37EF-7AAF-4B05-A0B0-7096BA9FD3FC}">
+  <ds:schemaRefs>
+    <ds:schemaRef ds:uri="http://purl.org/dc/terms/"/>
+    <ds:schemaRef ds:uri="http://schemas.openxmlformats.org/package/2006/metadata/core-properties"/>
+    <ds:schemaRef ds:uri="http://schemas.microsoft.com/office/2006/documentManagement/types"/>
+    <ds:schemaRef ds:uri="http://purl.org/dc/elements/1.1/"/>
+    <ds:schemaRef ds:uri="4626ec3b-11ea-4ddf-af8b-d0515e0c815e"/>
+    <ds:schemaRef ds:uri="http://www.w3.org/XML/1998/namespace"/>
+    <ds:schemaRef ds:uri="http://purl.org/dc/dcmitype/"/>
+    <ds:schemaRef ds:uri="http://schemas.microsoft.com/office/infopath/2007/PartnerControls"/>
+    <ds:schemaRef ds:uri="94a76dde-41db-43fa-bae3-1dbbfdafda97"/>
+    <ds:schemaRef ds:uri="http://schemas.microsoft.com/office/2006/metadata/properties"/>
+  </ds:schemaRefs>
+</ds:datastoreItem>
+</file>
+
+<file path=customXml/itemProps3.xml><?xml version="1.0" encoding="utf-8"?>
+<ds:datastoreItem xmlns:ds="http://schemas.openxmlformats.org/officeDocument/2006/customXml" ds:itemID="{3D4BFE18-8609-4672-91ED-E87B20F8C714}">
+  <ds:schemaRefs>
+    <ds:schemaRef ds:uri="http://schemas.microsoft.com/sharepoint/v3/contenttype/forms"/>
+  </ds:schemaRefs>
+</ds:datastoreItem>
 </file>
--- a/1.pptx
+++ b/1.pptx
@@ -162,6 +162,308 @@
     </pc:docChg>
   </pc:docChgLst>
   <pc:docChgLst>
+    <pc:chgData name="Trish Chornobroff" userId="S::trish@weveel.com::c16cad3b-4500-4150-9b63-fa63acce065f" providerId="AD" clId="Web-{2AB5D83C-6AC4-E23A-84C3-480B5A709DA1}"/>
+    <pc:docChg chg="modSld">
+      <pc:chgData name="Trish Chornobroff" userId="S::trish@weveel.com::c16cad3b-4500-4150-9b63-fa63acce065f" providerId="AD" clId="Web-{2AB5D83C-6AC4-E23A-84C3-480B5A709DA1}" dt="2025-05-27T12:54:04.465" v="0" actId="1076"/>
+      <pc:docMkLst>
+        <pc:docMk/>
+      </pc:docMkLst>
+      <pc:sldChg chg="modSp">
+        <pc:chgData name="Trish Chornobroff" userId="S::trish@weveel.com::c16cad3b-4500-4150-9b63-fa63acce065f" providerId="AD" clId="Web-{2AB5D83C-6AC4-E23A-84C3-480B5A709DA1}" dt="2025-05-27T12:54:04.465" v="0" actId="1076"/>
+        <pc:sldMkLst>
+          <pc:docMk/>
+          <pc:sldMk cId="2224113988" sldId="1053"/>
+        </pc:sldMkLst>
+      </pc:sldChg>
+    </pc:docChg>
+  </pc:docChgLst>
+  <pc:docChgLst>
+    <pc:chgData name="Trish Chornobroff" userId="c16cad3b-4500-4150-9b63-fa63acce065f" providerId="ADAL" clId="{C187B645-3FCC-416A-9120-24A96812D843}"/>
+    <pc:docChg chg="custSel modSld sldOrd modMainMaster">
+      <pc:chgData name="Trish Chornobroff" userId="c16cad3b-4500-4150-9b63-fa63acce065f" providerId="ADAL" clId="{C187B645-3FCC-416A-9120-24A96812D843}" dt="2025-05-22T16:26:33.940" v="332" actId="20577"/>
+      <pc:docMkLst>
+        <pc:docMk/>
+      </pc:docMkLst>
+      <pc:sldChg chg="modSp mod">
+        <pc:chgData name="Trish Chornobroff" userId="c16cad3b-4500-4150-9b63-fa63acce065f" providerId="ADAL" clId="{C187B645-3FCC-416A-9120-24A96812D843}" dt="2025-05-22T15:54:15.715" v="189" actId="1076"/>
+        <pc:sldMkLst>
+          <pc:docMk/>
+          <pc:sldMk cId="0" sldId="261"/>
+        </pc:sldMkLst>
+      </pc:sldChg>
+      <pc:sldChg chg="modSp mod">
+        <pc:chgData name="Trish Chornobroff" userId="c16cad3b-4500-4150-9b63-fa63acce065f" providerId="ADAL" clId="{C187B645-3FCC-416A-9120-24A96812D843}" dt="2025-05-22T15:54:24.102" v="190" actId="1076"/>
+        <pc:sldMkLst>
+          <pc:docMk/>
+          <pc:sldMk cId="0" sldId="262"/>
+        </pc:sldMkLst>
+      </pc:sldChg>
+      <pc:sldChg chg="modSp mod">
+        <pc:chgData name="Trish Chornobroff" userId="c16cad3b-4500-4150-9b63-fa63acce065f" providerId="ADAL" clId="{C187B645-3FCC-416A-9120-24A96812D843}" dt="2025-05-22T15:54:30.974" v="191" actId="1076"/>
+        <pc:sldMkLst>
+          <pc:docMk/>
+          <pc:sldMk cId="0" sldId="264"/>
+        </pc:sldMkLst>
+      </pc:sldChg>
+      <pc:sldChg chg="modSp mod">
+        <pc:chgData name="Trish Chornobroff" userId="c16cad3b-4500-4150-9b63-fa63acce065f" providerId="ADAL" clId="{C187B645-3FCC-416A-9120-24A96812D843}" dt="2025-05-22T15:54:56.207" v="194" actId="1076"/>
+        <pc:sldMkLst>
+          <pc:docMk/>
+          <pc:sldMk cId="0" sldId="268"/>
+        </pc:sldMkLst>
+      </pc:sldChg>
+      <pc:sldChg chg="modSp mod ord modNotesTx">
+        <pc:chgData name="Trish Chornobroff" userId="c16cad3b-4500-4150-9b63-fa63acce065f" providerId="ADAL" clId="{C187B645-3FCC-416A-9120-24A96812D843}" dt="2025-05-22T16:02:11.199" v="223" actId="20577"/>
+        <pc:sldMkLst>
+          <pc:docMk/>
+          <pc:sldMk cId="519669046" sldId="1036"/>
+        </pc:sldMkLst>
+      </pc:sldChg>
+      <pc:sldChg chg="modSp mod ord">
+        <pc:chgData name="Trish Chornobroff" userId="c16cad3b-4500-4150-9b63-fa63acce065f" providerId="ADAL" clId="{C187B645-3FCC-416A-9120-24A96812D843}" dt="2025-05-22T16:13:49.042" v="283" actId="6549"/>
+        <pc:sldMkLst>
+          <pc:docMk/>
+          <pc:sldMk cId="3249069252" sldId="1039"/>
+        </pc:sldMkLst>
+      </pc:sldChg>
+      <pc:sldChg chg="modSp mod ord">
+        <pc:chgData name="Trish Chornobroff" userId="c16cad3b-4500-4150-9b63-fa63acce065f" providerId="ADAL" clId="{C187B645-3FCC-416A-9120-24A96812D843}" dt="2025-05-22T16:17:14.108" v="297" actId="20577"/>
+        <pc:sldMkLst>
+          <pc:docMk/>
+          <pc:sldMk cId="789578636" sldId="1049"/>
+        </pc:sldMkLst>
+      </pc:sldChg>
+      <pc:sldChg chg="modSp mod modNotesTx">
+        <pc:chgData name="Trish Chornobroff" userId="c16cad3b-4500-4150-9b63-fa63acce065f" providerId="ADAL" clId="{C187B645-3FCC-416A-9120-24A96812D843}" dt="2025-05-22T16:14:57.684" v="287" actId="20577"/>
+        <pc:sldMkLst>
+          <pc:docMk/>
+          <pc:sldMk cId="1092222023" sldId="1050"/>
+        </pc:sldMkLst>
+      </pc:sldChg>
+      <pc:sldChg chg="addSp delSp modSp mod ord modNotesTx">
+        <pc:chgData name="Trish Chornobroff" userId="c16cad3b-4500-4150-9b63-fa63acce065f" providerId="ADAL" clId="{C187B645-3FCC-416A-9120-24A96812D843}" dt="2025-05-22T16:18:41.177" v="300" actId="20577"/>
+        <pc:sldMkLst>
+          <pc:docMk/>
+          <pc:sldMk cId="3353924986" sldId="1052"/>
+        </pc:sldMkLst>
+      </pc:sldChg>
+      <pc:sldChg chg="addSp modSp mod modNotesTx">
+        <pc:chgData name="Trish Chornobroff" userId="c16cad3b-4500-4150-9b63-fa63acce065f" providerId="ADAL" clId="{C187B645-3FCC-416A-9120-24A96812D843}" dt="2025-05-22T16:26:33.940" v="332" actId="20577"/>
+        <pc:sldMkLst>
+          <pc:docMk/>
+          <pc:sldMk cId="2224113988" sldId="1053"/>
+        </pc:sldMkLst>
+      </pc:sldChg>
+      <pc:sldChg chg="modSp mod ord">
+        <pc:chgData name="Trish Chornobroff" userId="c16cad3b-4500-4150-9b63-fa63acce065f" providerId="ADAL" clId="{C187B645-3FCC-416A-9120-24A96812D843}" dt="2025-05-22T16:07:19.932" v="246" actId="1076"/>
+        <pc:sldMkLst>
+          <pc:docMk/>
+          <pc:sldMk cId="4282814327" sldId="1059"/>
+        </pc:sldMkLst>
+      </pc:sldChg>
+      <pc:sldChg chg="modSp mod ord">
+        <pc:chgData name="Trish Chornobroff" userId="c16cad3b-4500-4150-9b63-fa63acce065f" providerId="ADAL" clId="{C187B645-3FCC-416A-9120-24A96812D843}" dt="2025-05-22T16:06:50.133" v="241" actId="20577"/>
+        <pc:sldMkLst>
+          <pc:docMk/>
+          <pc:sldMk cId="3482950747" sldId="1062"/>
+        </pc:sldMkLst>
+      </pc:sldChg>
+      <pc:sldChg chg="addSp modSp mod ord modNotesTx">
+        <pc:chgData name="Trish Chornobroff" userId="c16cad3b-4500-4150-9b63-fa63acce065f" providerId="ADAL" clId="{C187B645-3FCC-416A-9120-24A96812D843}" dt="2025-05-22T16:05:00.363" v="235" actId="20577"/>
+        <pc:sldMkLst>
+          <pc:docMk/>
+          <pc:sldMk cId="3821561532" sldId="1065"/>
+        </pc:sldMkLst>
+      </pc:sldChg>
+      <pc:sldChg chg="modSp mod ord">
+        <pc:chgData name="Trish Chornobroff" userId="c16cad3b-4500-4150-9b63-fa63acce065f" providerId="ADAL" clId="{C187B645-3FCC-416A-9120-24A96812D843}" dt="2025-05-22T15:56:35" v="203" actId="20577"/>
+        <pc:sldMkLst>
+          <pc:docMk/>
+          <pc:sldMk cId="1899706140" sldId="1067"/>
+        </pc:sldMkLst>
+        <pc:spChg chg="mod">
+          <ac:chgData name="Trish Chornobroff" userId="c16cad3b-4500-4150-9b63-fa63acce065f" providerId="ADAL" clId="{C187B645-3FCC-416A-9120-24A96812D843}" dt="2025-05-22T15:56:35" v="203" actId="20577"/>
+          <ac:spMkLst>
+            <pc:docMk/>
+            <pc:sldMk cId="1899706140" sldId="1067"/>
+            <ac:spMk id="19" creationId="{C75EB4B1-FE1E-9122-FFD8-D61661401409}"/>
+          </ac:spMkLst>
+        </pc:spChg>
+      </pc:sldChg>
+      <pc:sldChg chg="addSp modSp mod ord modNotesTx">
+        <pc:chgData name="Trish Chornobroff" userId="c16cad3b-4500-4150-9b63-fa63acce065f" providerId="ADAL" clId="{C187B645-3FCC-416A-9120-24A96812D843}" dt="2025-05-22T16:17:46.960" v="299" actId="20577"/>
+        <pc:sldMkLst>
+          <pc:docMk/>
+          <pc:sldMk cId="4203713536" sldId="1070"/>
+        </pc:sldMkLst>
+      </pc:sldChg>
+      <pc:sldChg chg="modSp mod ord">
+        <pc:chgData name="Trish Chornobroff" userId="c16cad3b-4500-4150-9b63-fa63acce065f" providerId="ADAL" clId="{C187B645-3FCC-416A-9120-24A96812D843}" dt="2025-05-22T16:04:17.302" v="226" actId="20577"/>
+        <pc:sldMkLst>
+          <pc:docMk/>
+          <pc:sldMk cId="94235374" sldId="1071"/>
+        </pc:sldMkLst>
+      </pc:sldChg>
+      <pc:sldChg chg="modSp mod ord">
+        <pc:chgData name="Trish Chornobroff" userId="c16cad3b-4500-4150-9b63-fa63acce065f" providerId="ADAL" clId="{C187B645-3FCC-416A-9120-24A96812D843}" dt="2025-05-22T16:15:50.948" v="291" actId="20577"/>
+        <pc:sldMkLst>
+          <pc:docMk/>
+          <pc:sldMk cId="1480548481" sldId="1072"/>
+        </pc:sldMkLst>
+      </pc:sldChg>
+      <pc:sldChg chg="addSp modSp mod ord">
+        <pc:chgData name="Trish Chornobroff" userId="c16cad3b-4500-4150-9b63-fa63acce065f" providerId="ADAL" clId="{C187B645-3FCC-416A-9120-24A96812D843}" dt="2025-05-22T15:59:59.268" v="209" actId="20577"/>
+        <pc:sldMkLst>
+          <pc:docMk/>
+          <pc:sldMk cId="823645288" sldId="1073"/>
+        </pc:sldMkLst>
+      </pc:sldChg>
+      <pc:sldChg chg="modSp mod ord">
+        <pc:chgData name="Trish Chornobroff" userId="c16cad3b-4500-4150-9b63-fa63acce065f" providerId="ADAL" clId="{C187B645-3FCC-416A-9120-24A96812D843}" dt="2025-05-22T15:49:51.852" v="152" actId="20577"/>
+        <pc:sldMkLst>
+          <pc:docMk/>
+          <pc:sldMk cId="1195934854" sldId="1074"/>
+        </pc:sldMkLst>
+      </pc:sldChg>
+      <pc:sldChg chg="delSp modSp mod ord modNotesTx">
+        <pc:chgData name="Trish Chornobroff" userId="c16cad3b-4500-4150-9b63-fa63acce065f" providerId="ADAL" clId="{C187B645-3FCC-416A-9120-24A96812D843}" dt="2025-05-22T16:01:57.016" v="222" actId="20577"/>
+        <pc:sldMkLst>
+          <pc:docMk/>
+          <pc:sldMk cId="946162005" sldId="1075"/>
+        </pc:sldMkLst>
+      </pc:sldChg>
+      <pc:sldChg chg="modSp mod ord modNotesTx">
+        <pc:chgData name="Trish Chornobroff" userId="c16cad3b-4500-4150-9b63-fa63acce065f" providerId="ADAL" clId="{C187B645-3FCC-416A-9120-24A96812D843}" dt="2025-05-22T15:57:31.609" v="206" actId="20577"/>
+        <pc:sldMkLst>
+          <pc:docMk/>
+          <pc:sldMk cId="1196232856" sldId="1078"/>
+        </pc:sldMkLst>
+      </pc:sldChg>
+      <pc:sldChg chg="delSp modSp mod">
+        <pc:chgData name="Trish Chornobroff" userId="c16cad3b-4500-4150-9b63-fa63acce065f" providerId="ADAL" clId="{C187B645-3FCC-416A-9120-24A96812D843}" dt="2025-05-22T16:08:05.553" v="252" actId="404"/>
+        <pc:sldMkLst>
+          <pc:docMk/>
+          <pc:sldMk cId="962082523" sldId="1079"/>
+        </pc:sldMkLst>
+      </pc:sldChg>
+      <pc:sldChg chg="delSp modSp mod">
+        <pc:chgData name="Trish Chornobroff" userId="c16cad3b-4500-4150-9b63-fa63acce065f" providerId="ADAL" clId="{C187B645-3FCC-416A-9120-24A96812D843}" dt="2025-05-22T16:21:56.588" v="311" actId="20577"/>
+        <pc:sldMkLst>
+          <pc:docMk/>
+          <pc:sldMk cId="2302265373" sldId="1081"/>
+        </pc:sldMkLst>
+      </pc:sldChg>
+      <pc:sldChg chg="delSp modSp mod">
+        <pc:chgData name="Trish Chornobroff" userId="c16cad3b-4500-4150-9b63-fa63acce065f" providerId="ADAL" clId="{C187B645-3FCC-416A-9120-24A96812D843}" dt="2025-05-22T16:22:36.952" v="317" actId="20577"/>
+        <pc:sldMkLst>
+          <pc:docMk/>
+          <pc:sldMk cId="202165637" sldId="1083"/>
+        </pc:sldMkLst>
+      </pc:sldChg>
+      <pc:sldChg chg="modSp mod">
+        <pc:chgData name="Trish Chornobroff" userId="c16cad3b-4500-4150-9b63-fa63acce065f" providerId="ADAL" clId="{C187B645-3FCC-416A-9120-24A96812D843}" dt="2025-05-22T16:19:56.233" v="306" actId="20577"/>
+        <pc:sldMkLst>
+          <pc:docMk/>
+          <pc:sldMk cId="2653494285" sldId="1084"/>
+        </pc:sldMkLst>
+      </pc:sldChg>
+      <pc:sldChg chg="modSp mod ord">
+        <pc:chgData name="Trish Chornobroff" userId="c16cad3b-4500-4150-9b63-fa63acce065f" providerId="ADAL" clId="{C187B645-3FCC-416A-9120-24A96812D843}" dt="2025-05-22T16:18:52.031" v="304" actId="20577"/>
+        <pc:sldMkLst>
+          <pc:docMk/>
+          <pc:sldMk cId="2560179593" sldId="1085"/>
+        </pc:sldMkLst>
+      </pc:sldChg>
+      <pc:sldChg chg="modSp mod ord">
+        <pc:chgData name="Trish Chornobroff" userId="c16cad3b-4500-4150-9b63-fa63acce065f" providerId="ADAL" clId="{C187B645-3FCC-416A-9120-24A96812D843}" dt="2025-05-22T16:16:29.668" v="292" actId="20577"/>
+        <pc:sldMkLst>
+          <pc:docMk/>
+          <pc:sldMk cId="4054427876" sldId="1086"/>
+        </pc:sldMkLst>
+      </pc:sldChg>
+      <pc:sldChg chg="addSp modSp mod ord modNotesTx">
+        <pc:chgData name="Trish Chornobroff" userId="c16cad3b-4500-4150-9b63-fa63acce065f" providerId="ADAL" clId="{C187B645-3FCC-416A-9120-24A96812D843}" dt="2025-05-22T16:16:45.608" v="294" actId="20577"/>
+        <pc:sldMkLst>
+          <pc:docMk/>
+          <pc:sldMk cId="1229839591" sldId="1087"/>
+        </pc:sldMkLst>
+      </pc:sldChg>
+      <pc:sldChg chg="modSp mod ord">
+        <pc:chgData name="Trish Chornobroff" userId="c16cad3b-4500-4150-9b63-fa63acce065f" providerId="ADAL" clId="{C187B645-3FCC-416A-9120-24A96812D843}" dt="2025-05-22T16:23:58.982" v="323" actId="20577"/>
+        <pc:sldMkLst>
+          <pc:docMk/>
+          <pc:sldMk cId="2352517393" sldId="1090"/>
+        </pc:sldMkLst>
+      </pc:sldChg>
+      <pc:sldChg chg="modSp mod">
+        <pc:chgData name="Trish Chornobroff" userId="c16cad3b-4500-4150-9b63-fa63acce065f" providerId="ADAL" clId="{C187B645-3FCC-416A-9120-24A96812D843}" dt="2025-05-22T15:54:02.916" v="187" actId="1076"/>
+        <pc:sldMkLst>
+          <pc:docMk/>
+          <pc:sldMk cId="0" sldId="1092"/>
+        </pc:sldMkLst>
+      </pc:sldChg>
+      <pc:sldChg chg="modSp mod">
+        <pc:chgData name="Trish Chornobroff" userId="c16cad3b-4500-4150-9b63-fa63acce065f" providerId="ADAL" clId="{C187B645-3FCC-416A-9120-24A96812D843}" dt="2025-05-22T15:53:59.233" v="186" actId="1076"/>
+        <pc:sldMkLst>
+          <pc:docMk/>
+          <pc:sldMk cId="0" sldId="1093"/>
+        </pc:sldMkLst>
+      </pc:sldChg>
+      <pc:sldChg chg="modSp mod">
+        <pc:chgData name="Trish Chornobroff" userId="c16cad3b-4500-4150-9b63-fa63acce065f" providerId="ADAL" clId="{C187B645-3FCC-416A-9120-24A96812D843}" dt="2025-05-22T15:53:54.582" v="185" actId="1076"/>
+        <pc:sldMkLst>
+          <pc:docMk/>
+          <pc:sldMk cId="0" sldId="1094"/>
+        </pc:sldMkLst>
+      </pc:sldChg>
+      <pc:sldChg chg="modSp mod">
+        <pc:chgData name="Trish Chornobroff" userId="c16cad3b-4500-4150-9b63-fa63acce065f" providerId="ADAL" clId="{C187B645-3FCC-416A-9120-24A96812D843}" dt="2025-05-22T15:54:10.773" v="188" actId="1076"/>
+        <pc:sldMkLst>
+          <pc:docMk/>
+          <pc:sldMk cId="0" sldId="1095"/>
+        </pc:sldMkLst>
+      </pc:sldChg>
+      <pc:sldChg chg="modSp mod">
+        <pc:chgData name="Trish Chornobroff" userId="c16cad3b-4500-4150-9b63-fa63acce065f" providerId="ADAL" clId="{C187B645-3FCC-416A-9120-24A96812D843}" dt="2025-05-22T15:54:38.684" v="192" actId="1076"/>
+        <pc:sldMkLst>
+          <pc:docMk/>
+          <pc:sldMk cId="0" sldId="1096"/>
+        </pc:sldMkLst>
+      </pc:sldChg>
+      <pc:sldChg chg="modSp mod">
+        <pc:chgData name="Trish Chornobroff" userId="c16cad3b-4500-4150-9b63-fa63acce065f" providerId="ADAL" clId="{C187B645-3FCC-416A-9120-24A96812D843}" dt="2025-05-22T15:54:43.049" v="193" actId="1076"/>
+        <pc:sldMkLst>
+          <pc:docMk/>
+          <pc:sldMk cId="0" sldId="1097"/>
+        </pc:sldMkLst>
+      </pc:sldChg>
+      <pc:sldMasterChg chg="modSldLayout">
+        <pc:chgData name="Trish Chornobroff" userId="c16cad3b-4500-4150-9b63-fa63acce065f" providerId="ADAL" clId="{C187B645-3FCC-416A-9120-24A96812D843}" dt="2025-05-22T15:42:45.140" v="64" actId="1076"/>
+        <pc:sldMasterMkLst>
+          <pc:docMk/>
+          <pc:sldMasterMk cId="1095230361" sldId="2147483654"/>
+        </pc:sldMasterMkLst>
+        <pc:sldLayoutChg chg="modSp mod">
+          <pc:chgData name="Trish Chornobroff" userId="c16cad3b-4500-4150-9b63-fa63acce065f" providerId="ADAL" clId="{C187B645-3FCC-416A-9120-24A96812D843}" dt="2025-05-22T15:42:45.140" v="64" actId="1076"/>
+          <pc:sldLayoutMkLst>
+            <pc:docMk/>
+            <pc:sldMasterMk cId="1095230361" sldId="2147483654"/>
+            <pc:sldLayoutMk cId="2629442108" sldId="2147483661"/>
+          </pc:sldLayoutMkLst>
+        </pc:sldLayoutChg>
+      </pc:sldMasterChg>
+    </pc:docChg>
+  </pc:docChgLst>
+  <pc:docChgLst>
+    <pc:chgData name="Rosa Yu" userId="4aa9040a-ffdc-4a09-94c7-0e64d845824e" providerId="ADAL" clId="{177DF340-F636-4D8A-8958-AEB544EAFAA2}"/>
+    <pc:docChg chg="modNotesMaster modHandout">
+      <pc:chgData name="Rosa Yu" userId="4aa9040a-ffdc-4a09-94c7-0e64d845824e" providerId="ADAL" clId="{177DF340-F636-4D8A-8958-AEB544EAFAA2}" dt="2025-05-26T01:46:55.377" v="0"/>
+      <pc:docMkLst>
+        <pc:docMk/>
+      </pc:docMkLst>
+    </pc:docChg>
+  </pc:docChgLst>
+  <pc:docChgLst>
     <pc:chgData name="kyo wu" userId="9fc4cbcd-97c4-43ce-ad98-3a3b51c7e791" providerId="ADAL" clId="{6A5F27C0-358D-A74E-AB89-1A9B4EFE88A3}"/>
     <pc:docChg chg="undo custSel delSld modSld modMainMaster">
       <pc:chgData name="kyo wu" userId="9fc4cbcd-97c4-43ce-ad98-3a3b51c7e791" providerId="ADAL" clId="{6A5F27C0-358D-A74E-AB89-1A9B4EFE88A3}" dt="2025-06-07T10:41:04.082" v="86"/>
@@ -672,6 +974,85 @@
     </pc:docChg>
   </pc:docChgLst>
   <pc:docChgLst>
+    <pc:chgData name="Willa" userId="2543490d-8df5-407c-91d3-3052b2e840db" providerId="ADAL" clId="{95ABA67D-9611-40DE-AA38-E1914ABBD573}"/>
+    <pc:docChg chg="undo redo custSel modSld">
+      <pc:chgData name="Willa" userId="2543490d-8df5-407c-91d3-3052b2e840db" providerId="ADAL" clId="{95ABA67D-9611-40DE-AA38-E1914ABBD573}" dt="2025-05-26T03:17:04.138" v="60" actId="14100"/>
+      <pc:docMkLst>
+        <pc:docMk/>
+      </pc:docMkLst>
+      <pc:sldChg chg="addSp delSp modSp mod">
+        <pc:chgData name="Willa" userId="2543490d-8df5-407c-91d3-3052b2e840db" providerId="ADAL" clId="{95ABA67D-9611-40DE-AA38-E1914ABBD573}" dt="2025-05-26T02:22:28.725" v="54" actId="14100"/>
+        <pc:sldMkLst>
+          <pc:docMk/>
+          <pc:sldMk cId="3482950747" sldId="1062"/>
+        </pc:sldMkLst>
+      </pc:sldChg>
+      <pc:sldChg chg="modSp mod">
+        <pc:chgData name="Willa" userId="2543490d-8df5-407c-91d3-3052b2e840db" providerId="ADAL" clId="{95ABA67D-9611-40DE-AA38-E1914ABBD573}" dt="2025-05-22T09:33:06.390" v="5" actId="20577"/>
+        <pc:sldMkLst>
+          <pc:docMk/>
+          <pc:sldMk cId="94235374" sldId="1071"/>
+        </pc:sldMkLst>
+      </pc:sldChg>
+      <pc:sldChg chg="addSp delSp modSp mod">
+        <pc:chgData name="Willa" userId="2543490d-8df5-407c-91d3-3052b2e840db" providerId="ADAL" clId="{95ABA67D-9611-40DE-AA38-E1914ABBD573}" dt="2025-05-26T03:17:04.138" v="60" actId="14100"/>
+        <pc:sldMkLst>
+          <pc:docMk/>
+          <pc:sldMk cId="823645288" sldId="1073"/>
+        </pc:sldMkLst>
+      </pc:sldChg>
+      <pc:sldChg chg="modSp mod">
+        <pc:chgData name="Willa" userId="2543490d-8df5-407c-91d3-3052b2e840db" providerId="ADAL" clId="{95ABA67D-9611-40DE-AA38-E1914ABBD573}" dt="2025-05-26T02:21:26.788" v="48" actId="1076"/>
+        <pc:sldMkLst>
+          <pc:docMk/>
+          <pc:sldMk cId="962082523" sldId="1079"/>
+        </pc:sldMkLst>
+      </pc:sldChg>
+      <pc:sldChg chg="modSp mod">
+        <pc:chgData name="Willa" userId="2543490d-8df5-407c-91d3-3052b2e840db" providerId="ADAL" clId="{95ABA67D-9611-40DE-AA38-E1914ABBD573}" dt="2025-05-22T09:49:14.821" v="31"/>
+        <pc:sldMkLst>
+          <pc:docMk/>
+          <pc:sldMk cId="2302265373" sldId="1081"/>
+        </pc:sldMkLst>
+      </pc:sldChg>
+      <pc:sldChg chg="modSp mod">
+        <pc:chgData name="Willa" userId="2543490d-8df5-407c-91d3-3052b2e840db" providerId="ADAL" clId="{95ABA67D-9611-40DE-AA38-E1914ABBD573}" dt="2025-05-22T09:37:57.206" v="16" actId="20577"/>
+        <pc:sldMkLst>
+          <pc:docMk/>
+          <pc:sldMk cId="2653494285" sldId="1084"/>
+        </pc:sldMkLst>
+      </pc:sldChg>
+      <pc:sldChg chg="modSp mod">
+        <pc:chgData name="Willa" userId="2543490d-8df5-407c-91d3-3052b2e840db" providerId="ADAL" clId="{95ABA67D-9611-40DE-AA38-E1914ABBD573}" dt="2025-05-22T09:22:45.320" v="3" actId="20577"/>
+        <pc:sldMkLst>
+          <pc:docMk/>
+          <pc:sldMk cId="2560179593" sldId="1085"/>
+        </pc:sldMkLst>
+      </pc:sldChg>
+      <pc:sldChg chg="modSp mod">
+        <pc:chgData name="Willa" userId="2543490d-8df5-407c-91d3-3052b2e840db" providerId="ADAL" clId="{95ABA67D-9611-40DE-AA38-E1914ABBD573}" dt="2025-05-22T09:21:03.083" v="1" actId="20577"/>
+        <pc:sldMkLst>
+          <pc:docMk/>
+          <pc:sldMk cId="2352517393" sldId="1090"/>
+        </pc:sldMkLst>
+      </pc:sldChg>
+      <pc:sldChg chg="delSp mod">
+        <pc:chgData name="Willa" userId="2543490d-8df5-407c-91d3-3052b2e840db" providerId="ADAL" clId="{95ABA67D-9611-40DE-AA38-E1914ABBD573}" dt="2025-05-26T02:20:09.801" v="42" actId="478"/>
+        <pc:sldMkLst>
+          <pc:docMk/>
+          <pc:sldMk cId="2621601975" sldId="1101"/>
+        </pc:sldMkLst>
+      </pc:sldChg>
+      <pc:sldChg chg="delSp mod">
+        <pc:chgData name="Willa" userId="2543490d-8df5-407c-91d3-3052b2e840db" providerId="ADAL" clId="{95ABA67D-9611-40DE-AA38-E1914ABBD573}" dt="2025-05-26T02:20:02.310" v="41" actId="478"/>
+        <pc:sldMkLst>
+          <pc:docMk/>
+          <pc:sldMk cId="1999749692" sldId="1103"/>
+        </pc:sldMkLst>
+      </pc:sldChg>
+    </pc:docChg>
+  </pc:docChgLst>
+  <pc:docChgLst>
     <pc:chgData name="kyo wu" userId="9fc4cbcd-97c4-43ce-ad98-3a3b51c7e791" providerId="ADAL" clId="{4FC10D22-436B-BA44-8B6F-65941A79F02C}"/>
     <pc:docChg chg="undo custSel addSld modSld">
       <pc:chgData name="kyo wu" userId="9fc4cbcd-97c4-43ce-ad98-3a3b51c7e791" providerId="ADAL" clId="{4FC10D22-436B-BA44-8B6F-65941A79F02C}" dt="2025-05-27T08:24:12.136" v="2964" actId="20577"/>
@@ -879,6 +1260,22 @@
         <pc:sldMkLst>
           <pc:docMk/>
           <pc:sldMk cId="1999749692" sldId="1103"/>
+        </pc:sldMkLst>
+      </pc:sldChg>
+    </pc:docChg>
+  </pc:docChgLst>
+  <pc:docChgLst>
+    <pc:chgData name="Trish Chornobroff" userId="S::trish@weveel.com::c16cad3b-4500-4150-9b63-fa63acce065f" providerId="AD" clId="Web-{209FAAF0-B9B1-30A7-8949-AE78BA6F99A9}"/>
+    <pc:docChg chg="modSld">
+      <pc:chgData name="Trish Chornobroff" userId="S::trish@weveel.com::c16cad3b-4500-4150-9b63-fa63acce065f" providerId="AD" clId="Web-{209FAAF0-B9B1-30A7-8949-AE78BA6F99A9}" dt="2025-05-27T00:29:53.028" v="2" actId="1076"/>
+      <pc:docMkLst>
+        <pc:docMk/>
+      </pc:docMkLst>
+      <pc:sldChg chg="modSp">
+        <pc:chgData name="Trish Chornobroff" userId="S::trish@weveel.com::c16cad3b-4500-4150-9b63-fa63acce065f" providerId="AD" clId="Web-{209FAAF0-B9B1-30A7-8949-AE78BA6F99A9}" dt="2025-05-27T00:29:53.028" v="2" actId="1076"/>
+        <pc:sldMkLst>
+          <pc:docMk/>
+          <pc:sldMk cId="2224113988" sldId="1053"/>
         </pc:sldMkLst>
       </pc:sldChg>
     </pc:docChg>
@@ -909,403 +1306,6 @@
         <pc:sldMkLst>
           <pc:docMk/>
           <pc:sldMk cId="2560179593" sldId="1085"/>
-        </pc:sldMkLst>
-      </pc:sldChg>
-    </pc:docChg>
-  </pc:docChgLst>
-  <pc:docChgLst>
-    <pc:chgData name="Trish Chornobroff" userId="S::trish@weveel.com::c16cad3b-4500-4150-9b63-fa63acce065f" providerId="AD" clId="Web-{2AB5D83C-6AC4-E23A-84C3-480B5A709DA1}"/>
-    <pc:docChg chg="modSld">
-      <pc:chgData name="Trish Chornobroff" userId="S::trish@weveel.com::c16cad3b-4500-4150-9b63-fa63acce065f" providerId="AD" clId="Web-{2AB5D83C-6AC4-E23A-84C3-480B5A709DA1}" dt="2025-05-27T12:54:04.465" v="0" actId="1076"/>
-      <pc:docMkLst>
-        <pc:docMk/>
-      </pc:docMkLst>
-      <pc:sldChg chg="modSp">
-        <pc:chgData name="Trish Chornobroff" userId="S::trish@weveel.com::c16cad3b-4500-4150-9b63-fa63acce065f" providerId="AD" clId="Web-{2AB5D83C-6AC4-E23A-84C3-480B5A709DA1}" dt="2025-05-27T12:54:04.465" v="0" actId="1076"/>
-        <pc:sldMkLst>
-          <pc:docMk/>
-          <pc:sldMk cId="2224113988" sldId="1053"/>
-        </pc:sldMkLst>
-      </pc:sldChg>
-    </pc:docChg>
-  </pc:docChgLst>
-  <pc:docChgLst>
-    <pc:chgData name="Trish Chornobroff" userId="c16cad3b-4500-4150-9b63-fa63acce065f" providerId="ADAL" clId="{C187B645-3FCC-416A-9120-24A96812D843}"/>
-    <pc:docChg chg="custSel modSld sldOrd modMainMaster">
-      <pc:chgData name="Trish Chornobroff" userId="c16cad3b-4500-4150-9b63-fa63acce065f" providerId="ADAL" clId="{C187B645-3FCC-416A-9120-24A96812D843}" dt="2025-05-22T16:26:33.940" v="332" actId="20577"/>
-      <pc:docMkLst>
-        <pc:docMk/>
-      </pc:docMkLst>
-      <pc:sldChg chg="modSp mod">
-        <pc:chgData name="Trish Chornobroff" userId="c16cad3b-4500-4150-9b63-fa63acce065f" providerId="ADAL" clId="{C187B645-3FCC-416A-9120-24A96812D843}" dt="2025-05-22T15:54:15.715" v="189" actId="1076"/>
-        <pc:sldMkLst>
-          <pc:docMk/>
-          <pc:sldMk cId="0" sldId="261"/>
-        </pc:sldMkLst>
-      </pc:sldChg>
-      <pc:sldChg chg="modSp mod">
-        <pc:chgData name="Trish Chornobroff" userId="c16cad3b-4500-4150-9b63-fa63acce065f" providerId="ADAL" clId="{C187B645-3FCC-416A-9120-24A96812D843}" dt="2025-05-22T15:54:24.102" v="190" actId="1076"/>
-        <pc:sldMkLst>
-          <pc:docMk/>
-          <pc:sldMk cId="0" sldId="262"/>
-        </pc:sldMkLst>
-      </pc:sldChg>
-      <pc:sldChg chg="modSp mod">
-        <pc:chgData name="Trish Chornobroff" userId="c16cad3b-4500-4150-9b63-fa63acce065f" providerId="ADAL" clId="{C187B645-3FCC-416A-9120-24A96812D843}" dt="2025-05-22T15:54:30.974" v="191" actId="1076"/>
-        <pc:sldMkLst>
-          <pc:docMk/>
-          <pc:sldMk cId="0" sldId="264"/>
-        </pc:sldMkLst>
-      </pc:sldChg>
-      <pc:sldChg chg="modSp mod">
-        <pc:chgData name="Trish Chornobroff" userId="c16cad3b-4500-4150-9b63-fa63acce065f" providerId="ADAL" clId="{C187B645-3FCC-416A-9120-24A96812D843}" dt="2025-05-22T15:54:56.207" v="194" actId="1076"/>
-        <pc:sldMkLst>
-          <pc:docMk/>
-          <pc:sldMk cId="0" sldId="268"/>
-        </pc:sldMkLst>
-      </pc:sldChg>
-      <pc:sldChg chg="modSp mod ord modNotesTx">
-        <pc:chgData name="Trish Chornobroff" userId="c16cad3b-4500-4150-9b63-fa63acce065f" providerId="ADAL" clId="{C187B645-3FCC-416A-9120-24A96812D843}" dt="2025-05-22T16:02:11.199" v="223" actId="20577"/>
-        <pc:sldMkLst>
-          <pc:docMk/>
-          <pc:sldMk cId="519669046" sldId="1036"/>
-        </pc:sldMkLst>
-      </pc:sldChg>
-      <pc:sldChg chg="modSp mod ord">
-        <pc:chgData name="Trish Chornobroff" userId="c16cad3b-4500-4150-9b63-fa63acce065f" providerId="ADAL" clId="{C187B645-3FCC-416A-9120-24A96812D843}" dt="2025-05-22T16:13:49.042" v="283" actId="6549"/>
-        <pc:sldMkLst>
-          <pc:docMk/>
-          <pc:sldMk cId="3249069252" sldId="1039"/>
-        </pc:sldMkLst>
-      </pc:sldChg>
-      <pc:sldChg chg="modSp mod ord">
-        <pc:chgData name="Trish Chornobroff" userId="c16cad3b-4500-4150-9b63-fa63acce065f" providerId="ADAL" clId="{C187B645-3FCC-416A-9120-24A96812D843}" dt="2025-05-22T16:17:14.108" v="297" actId="20577"/>
-        <pc:sldMkLst>
-          <pc:docMk/>
-          <pc:sldMk cId="789578636" sldId="1049"/>
-        </pc:sldMkLst>
-      </pc:sldChg>
-      <pc:sldChg chg="modSp mod modNotesTx">
-        <pc:chgData name="Trish Chornobroff" userId="c16cad3b-4500-4150-9b63-fa63acce065f" providerId="ADAL" clId="{C187B645-3FCC-416A-9120-24A96812D843}" dt="2025-05-22T16:14:57.684" v="287" actId="20577"/>
-        <pc:sldMkLst>
-          <pc:docMk/>
-          <pc:sldMk cId="1092222023" sldId="1050"/>
-        </pc:sldMkLst>
-      </pc:sldChg>
-      <pc:sldChg chg="addSp delSp modSp mod ord modNotesTx">
-        <pc:chgData name="Trish Chornobroff" userId="c16cad3b-4500-4150-9b63-fa63acce065f" providerId="ADAL" clId="{C187B645-3FCC-416A-9120-24A96812D843}" dt="2025-05-22T16:18:41.177" v="300" actId="20577"/>
-        <pc:sldMkLst>
-          <pc:docMk/>
-          <pc:sldMk cId="3353924986" sldId="1052"/>
-        </pc:sldMkLst>
-      </pc:sldChg>
-      <pc:sldChg chg="addSp modSp mod modNotesTx">
-        <pc:chgData name="Trish Chornobroff" userId="c16cad3b-4500-4150-9b63-fa63acce065f" providerId="ADAL" clId="{C187B645-3FCC-416A-9120-24A96812D843}" dt="2025-05-22T16:26:33.940" v="332" actId="20577"/>
-        <pc:sldMkLst>
-          <pc:docMk/>
-          <pc:sldMk cId="2224113988" sldId="1053"/>
-        </pc:sldMkLst>
-      </pc:sldChg>
-      <pc:sldChg chg="modSp mod ord">
-        <pc:chgData name="Trish Chornobroff" userId="c16cad3b-4500-4150-9b63-fa63acce065f" providerId="ADAL" clId="{C187B645-3FCC-416A-9120-24A96812D843}" dt="2025-05-22T16:07:19.932" v="246" actId="1076"/>
-        <pc:sldMkLst>
-          <pc:docMk/>
-          <pc:sldMk cId="4282814327" sldId="1059"/>
-        </pc:sldMkLst>
-      </pc:sldChg>
-      <pc:sldChg chg="modSp mod ord">
-        <pc:chgData name="Trish Chornobroff" userId="c16cad3b-4500-4150-9b63-fa63acce065f" providerId="ADAL" clId="{C187B645-3FCC-416A-9120-24A96812D843}" dt="2025-05-22T16:06:50.133" v="241" actId="20577"/>
-        <pc:sldMkLst>
-          <pc:docMk/>
-          <pc:sldMk cId="3482950747" sldId="1062"/>
-        </pc:sldMkLst>
-      </pc:sldChg>
-      <pc:sldChg chg="addSp modSp mod ord modNotesTx">
-        <pc:chgData name="Trish Chornobroff" userId="c16cad3b-4500-4150-9b63-fa63acce065f" providerId="ADAL" clId="{C187B645-3FCC-416A-9120-24A96812D843}" dt="2025-05-22T16:05:00.363" v="235" actId="20577"/>
-        <pc:sldMkLst>
-          <pc:docMk/>
-          <pc:sldMk cId="3821561532" sldId="1065"/>
-        </pc:sldMkLst>
-      </pc:sldChg>
-      <pc:sldChg chg="modSp mod ord">
-        <pc:chgData name="Trish Chornobroff" userId="c16cad3b-4500-4150-9b63-fa63acce065f" providerId="ADAL" clId="{C187B645-3FCC-416A-9120-24A96812D843}" dt="2025-05-22T15:56:35" v="203" actId="20577"/>
-        <pc:sldMkLst>
-          <pc:docMk/>
-          <pc:sldMk cId="1899706140" sldId="1067"/>
-        </pc:sldMkLst>
-        <pc:spChg chg="mod">
-          <ac:chgData name="Trish Chornobroff" userId="c16cad3b-4500-4150-9b63-fa63acce065f" providerId="ADAL" clId="{C187B645-3FCC-416A-9120-24A96812D843}" dt="2025-05-22T15:56:35" v="203" actId="20577"/>
-          <ac:spMkLst>
-            <pc:docMk/>
-            <pc:sldMk cId="1899706140" sldId="1067"/>
-            <ac:spMk id="19" creationId="{C75EB4B1-FE1E-9122-FFD8-D61661401409}"/>
-          </ac:spMkLst>
-        </pc:spChg>
-      </pc:sldChg>
-      <pc:sldChg chg="addSp modSp mod ord modNotesTx">
-        <pc:chgData name="Trish Chornobroff" userId="c16cad3b-4500-4150-9b63-fa63acce065f" providerId="ADAL" clId="{C187B645-3FCC-416A-9120-24A96812D843}" dt="2025-05-22T16:17:46.960" v="299" actId="20577"/>
-        <pc:sldMkLst>
-          <pc:docMk/>
-          <pc:sldMk cId="4203713536" sldId="1070"/>
-        </pc:sldMkLst>
-      </pc:sldChg>
-      <pc:sldChg chg="modSp mod ord">
-        <pc:chgData name="Trish Chornobroff" userId="c16cad3b-4500-4150-9b63-fa63acce065f" providerId="ADAL" clId="{C187B645-3FCC-416A-9120-24A96812D843}" dt="2025-05-22T16:04:17.302" v="226" actId="20577"/>
-        <pc:sldMkLst>
-          <pc:docMk/>
-          <pc:sldMk cId="94235374" sldId="1071"/>
-        </pc:sldMkLst>
-      </pc:sldChg>
-      <pc:sldChg chg="modSp mod ord">
-        <pc:chgData name="Trish Chornobroff" userId="c16cad3b-4500-4150-9b63-fa63acce065f" providerId="ADAL" clId="{C187B645-3FCC-416A-9120-24A96812D843}" dt="2025-05-22T16:15:50.948" v="291" actId="20577"/>
-        <pc:sldMkLst>
-          <pc:docMk/>
-          <pc:sldMk cId="1480548481" sldId="1072"/>
-        </pc:sldMkLst>
-      </pc:sldChg>
-      <pc:sldChg chg="addSp modSp mod ord">
-        <pc:chgData name="Trish Chornobroff" userId="c16cad3b-4500-4150-9b63-fa63acce065f" providerId="ADAL" clId="{C187B645-3FCC-416A-9120-24A96812D843}" dt="2025-05-22T15:59:59.268" v="209" actId="20577"/>
-        <pc:sldMkLst>
-          <pc:docMk/>
-          <pc:sldMk cId="823645288" sldId="1073"/>
-        </pc:sldMkLst>
-      </pc:sldChg>
-      <pc:sldChg chg="modSp mod ord">
-        <pc:chgData name="Trish Chornobroff" userId="c16cad3b-4500-4150-9b63-fa63acce065f" providerId="ADAL" clId="{C187B645-3FCC-416A-9120-24A96812D843}" dt="2025-05-22T15:49:51.852" v="152" actId="20577"/>
-        <pc:sldMkLst>
-          <pc:docMk/>
-          <pc:sldMk cId="1195934854" sldId="1074"/>
-        </pc:sldMkLst>
-      </pc:sldChg>
-      <pc:sldChg chg="delSp modSp mod ord modNotesTx">
-        <pc:chgData name="Trish Chornobroff" userId="c16cad3b-4500-4150-9b63-fa63acce065f" providerId="ADAL" clId="{C187B645-3FCC-416A-9120-24A96812D843}" dt="2025-05-22T16:01:57.016" v="222" actId="20577"/>
-        <pc:sldMkLst>
-          <pc:docMk/>
-          <pc:sldMk cId="946162005" sldId="1075"/>
-        </pc:sldMkLst>
-      </pc:sldChg>
-      <pc:sldChg chg="modSp mod ord modNotesTx">
-        <pc:chgData name="Trish Chornobroff" userId="c16cad3b-4500-4150-9b63-fa63acce065f" providerId="ADAL" clId="{C187B645-3FCC-416A-9120-24A96812D843}" dt="2025-05-22T15:57:31.609" v="206" actId="20577"/>
-        <pc:sldMkLst>
-          <pc:docMk/>
-          <pc:sldMk cId="1196232856" sldId="1078"/>
-        </pc:sldMkLst>
-      </pc:sldChg>
-      <pc:sldChg chg="delSp modSp mod">
-        <pc:chgData name="Trish Chornobroff" userId="c16cad3b-4500-4150-9b63-fa63acce065f" providerId="ADAL" clId="{C187B645-3FCC-416A-9120-24A96812D843}" dt="2025-05-22T16:08:05.553" v="252" actId="404"/>
-        <pc:sldMkLst>
-          <pc:docMk/>
-          <pc:sldMk cId="962082523" sldId="1079"/>
-        </pc:sldMkLst>
-      </pc:sldChg>
-      <pc:sldChg chg="delSp modSp mod">
-        <pc:chgData name="Trish Chornobroff" userId="c16cad3b-4500-4150-9b63-fa63acce065f" providerId="ADAL" clId="{C187B645-3FCC-416A-9120-24A96812D843}" dt="2025-05-22T16:21:56.588" v="311" actId="20577"/>
-        <pc:sldMkLst>
-          <pc:docMk/>
-          <pc:sldMk cId="2302265373" sldId="1081"/>
-        </pc:sldMkLst>
-      </pc:sldChg>
-      <pc:sldChg chg="delSp modSp mod">
-        <pc:chgData name="Trish Chornobroff" userId="c16cad3b-4500-4150-9b63-fa63acce065f" providerId="ADAL" clId="{C187B645-3FCC-416A-9120-24A96812D843}" dt="2025-05-22T16:22:36.952" v="317" actId="20577"/>
-        <pc:sldMkLst>
-          <pc:docMk/>
-          <pc:sldMk cId="202165637" sldId="1083"/>
-        </pc:sldMkLst>
-      </pc:sldChg>
-      <pc:sldChg chg="modSp mod">
-        <pc:chgData name="Trish Chornobroff" userId="c16cad3b-4500-4150-9b63-fa63acce065f" providerId="ADAL" clId="{C187B645-3FCC-416A-9120-24A96812D843}" dt="2025-05-22T16:19:56.233" v="306" actId="20577"/>
-        <pc:sldMkLst>
-          <pc:docMk/>
-          <pc:sldMk cId="2653494285" sldId="1084"/>
-        </pc:sldMkLst>
-      </pc:sldChg>
-      <pc:sldChg chg="modSp mod ord">
-        <pc:chgData name="Trish Chornobroff" userId="c16cad3b-4500-4150-9b63-fa63acce065f" providerId="ADAL" clId="{C187B645-3FCC-416A-9120-24A96812D843}" dt="2025-05-22T16:18:52.031" v="304" actId="20577"/>
-        <pc:sldMkLst>
-          <pc:docMk/>
-          <pc:sldMk cId="2560179593" sldId="1085"/>
-        </pc:sldMkLst>
-      </pc:sldChg>
-      <pc:sldChg chg="modSp mod ord">
-        <pc:chgData name="Trish Chornobroff" userId="c16cad3b-4500-4150-9b63-fa63acce065f" providerId="ADAL" clId="{C187B645-3FCC-416A-9120-24A96812D843}" dt="2025-05-22T16:16:29.668" v="292" actId="20577"/>
-        <pc:sldMkLst>
-          <pc:docMk/>
-          <pc:sldMk cId="4054427876" sldId="1086"/>
-        </pc:sldMkLst>
-      </pc:sldChg>
-      <pc:sldChg chg="addSp modSp mod ord modNotesTx">
-        <pc:chgData name="Trish Chornobroff" userId="c16cad3b-4500-4150-9b63-fa63acce065f" providerId="ADAL" clId="{C187B645-3FCC-416A-9120-24A96812D843}" dt="2025-05-22T16:16:45.608" v="294" actId="20577"/>
-        <pc:sldMkLst>
-          <pc:docMk/>
-          <pc:sldMk cId="1229839591" sldId="1087"/>
-        </pc:sldMkLst>
-      </pc:sldChg>
-      <pc:sldChg chg="modSp mod ord">
-        <pc:chgData name="Trish Chornobroff" userId="c16cad3b-4500-4150-9b63-fa63acce065f" providerId="ADAL" clId="{C187B645-3FCC-416A-9120-24A96812D843}" dt="2025-05-22T16:23:58.982" v="323" actId="20577"/>
-        <pc:sldMkLst>
-          <pc:docMk/>
-          <pc:sldMk cId="2352517393" sldId="1090"/>
-        </pc:sldMkLst>
-      </pc:sldChg>
-      <pc:sldChg chg="modSp mod">
-        <pc:chgData name="Trish Chornobroff" userId="c16cad3b-4500-4150-9b63-fa63acce065f" providerId="ADAL" clId="{C187B645-3FCC-416A-9120-24A96812D843}" dt="2025-05-22T15:54:02.916" v="187" actId="1076"/>
-        <pc:sldMkLst>
-          <pc:docMk/>
-          <pc:sldMk cId="0" sldId="1092"/>
-        </pc:sldMkLst>
-      </pc:sldChg>
-      <pc:sldChg chg="modSp mod">
-        <pc:chgData name="Trish Chornobroff" userId="c16cad3b-4500-4150-9b63-fa63acce065f" providerId="ADAL" clId="{C187B645-3FCC-416A-9120-24A96812D843}" dt="2025-05-22T15:53:59.233" v="186" actId="1076"/>
-        <pc:sldMkLst>
-          <pc:docMk/>
-          <pc:sldMk cId="0" sldId="1093"/>
-        </pc:sldMkLst>
-      </pc:sldChg>
-      <pc:sldChg chg="modSp mod">
-        <pc:chgData name="Trish Chornobroff" userId="c16cad3b-4500-4150-9b63-fa63acce065f" providerId="ADAL" clId="{C187B645-3FCC-416A-9120-24A96812D843}" dt="2025-05-22T15:53:54.582" v="185" actId="1076"/>
-        <pc:sldMkLst>
-          <pc:docMk/>
-          <pc:sldMk cId="0" sldId="1094"/>
-        </pc:sldMkLst>
-      </pc:sldChg>
-      <pc:sldChg chg="modSp mod">
-        <pc:chgData name="Trish Chornobroff" userId="c16cad3b-4500-4150-9b63-fa63acce065f" providerId="ADAL" clId="{C187B645-3FCC-416A-9120-24A96812D843}" dt="2025-05-22T15:54:10.773" v="188" actId="1076"/>
-        <pc:sldMkLst>
-          <pc:docMk/>
-          <pc:sldMk cId="0" sldId="1095"/>
-        </pc:sldMkLst>
-      </pc:sldChg>
-      <pc:sldChg chg="modSp mod">
-        <pc:chgData name="Trish Chornobroff" userId="c16cad3b-4500-4150-9b63-fa63acce065f" providerId="ADAL" clId="{C187B645-3FCC-416A-9120-24A96812D843}" dt="2025-05-22T15:54:38.684" v="192" actId="1076"/>
-        <pc:sldMkLst>
-          <pc:docMk/>
-          <pc:sldMk cId="0" sldId="1096"/>
-        </pc:sldMkLst>
-      </pc:sldChg>
-      <pc:sldChg chg="modSp mod">
-        <pc:chgData name="Trish Chornobroff" userId="c16cad3b-4500-4150-9b63-fa63acce065f" providerId="ADAL" clId="{C187B645-3FCC-416A-9120-24A96812D843}" dt="2025-05-22T15:54:43.049" v="193" actId="1076"/>
-        <pc:sldMkLst>
-          <pc:docMk/>
-          <pc:sldMk cId="0" sldId="1097"/>
-        </pc:sldMkLst>
-      </pc:sldChg>
-      <pc:sldMasterChg chg="modSldLayout">
-        <pc:chgData name="Trish Chornobroff" userId="c16cad3b-4500-4150-9b63-fa63acce065f" providerId="ADAL" clId="{C187B645-3FCC-416A-9120-24A96812D843}" dt="2025-05-22T15:42:45.140" v="64" actId="1076"/>
-        <pc:sldMasterMkLst>
-          <pc:docMk/>
-          <pc:sldMasterMk cId="1095230361" sldId="2147483654"/>
-        </pc:sldMasterMkLst>
-        <pc:sldLayoutChg chg="modSp mod">
-          <pc:chgData name="Trish Chornobroff" userId="c16cad3b-4500-4150-9b63-fa63acce065f" providerId="ADAL" clId="{C187B645-3FCC-416A-9120-24A96812D843}" dt="2025-05-22T15:42:45.140" v="64" actId="1076"/>
-          <pc:sldLayoutMkLst>
-            <pc:docMk/>
-            <pc:sldMasterMk cId="1095230361" sldId="2147483654"/>
-            <pc:sldLayoutMk cId="2629442108" sldId="2147483661"/>
-          </pc:sldLayoutMkLst>
-        </pc:sldLayoutChg>
-      </pc:sldMasterChg>
-    </pc:docChg>
-  </pc:docChgLst>
-  <pc:docChgLst>
-    <pc:chgData name="Trish Chornobroff" userId="S::trish@weveel.com::c16cad3b-4500-4150-9b63-fa63acce065f" providerId="AD" clId="Web-{209FAAF0-B9B1-30A7-8949-AE78BA6F99A9}"/>
-    <pc:docChg chg="modSld">
-      <pc:chgData name="Trish Chornobroff" userId="S::trish@weveel.com::c16cad3b-4500-4150-9b63-fa63acce065f" providerId="AD" clId="Web-{209FAAF0-B9B1-30A7-8949-AE78BA6F99A9}" dt="2025-05-27T00:29:53.028" v="2" actId="1076"/>
-      <pc:docMkLst>
-        <pc:docMk/>
-      </pc:docMkLst>
-      <pc:sldChg chg="modSp">
-        <pc:chgData name="Trish Chornobroff" userId="S::trish@weveel.com::c16cad3b-4500-4150-9b63-fa63acce065f" providerId="AD" clId="Web-{209FAAF0-B9B1-30A7-8949-AE78BA6F99A9}" dt="2025-05-27T00:29:53.028" v="2" actId="1076"/>
-        <pc:sldMkLst>
-          <pc:docMk/>
-          <pc:sldMk cId="2224113988" sldId="1053"/>
-        </pc:sldMkLst>
-      </pc:sldChg>
-    </pc:docChg>
-  </pc:docChgLst>
-  <pc:docChgLst>
-    <pc:chgData name="Rosa Yu" userId="4aa9040a-ffdc-4a09-94c7-0e64d845824e" providerId="ADAL" clId="{177DF340-F636-4D8A-8958-AEB544EAFAA2}"/>
-    <pc:docChg chg="modNotesMaster modHandout">
-      <pc:chgData name="Rosa Yu" userId="4aa9040a-ffdc-4a09-94c7-0e64d845824e" providerId="ADAL" clId="{177DF340-F636-4D8A-8958-AEB544EAFAA2}" dt="2025-05-26T01:46:55.377" v="0"/>
-      <pc:docMkLst>
-        <pc:docMk/>
-      </pc:docMkLst>
-    </pc:docChg>
-  </pc:docChgLst>
-  <pc:docChgLst>
-    <pc:chgData name="Willa" userId="2543490d-8df5-407c-91d3-3052b2e840db" providerId="ADAL" clId="{95ABA67D-9611-40DE-AA38-E1914ABBD573}"/>
-    <pc:docChg chg="undo redo custSel modSld">
-      <pc:chgData name="Willa" userId="2543490d-8df5-407c-91d3-3052b2e840db" providerId="ADAL" clId="{95ABA67D-9611-40DE-AA38-E1914ABBD573}" dt="2025-05-26T03:17:04.138" v="60" actId="14100"/>
-      <pc:docMkLst>
-        <pc:docMk/>
-      </pc:docMkLst>
-      <pc:sldChg chg="addSp delSp modSp mod">
-        <pc:chgData name="Willa" userId="2543490d-8df5-407c-91d3-3052b2e840db" providerId="ADAL" clId="{95ABA67D-9611-40DE-AA38-E1914ABBD573}" dt="2025-05-26T02:22:28.725" v="54" actId="14100"/>
-        <pc:sldMkLst>
-          <pc:docMk/>
-          <pc:sldMk cId="3482950747" sldId="1062"/>
-        </pc:sldMkLst>
-      </pc:sldChg>
-      <pc:sldChg chg="modSp mod">
-        <pc:chgData name="Willa" userId="2543490d-8df5-407c-91d3-3052b2e840db" providerId="ADAL" clId="{95ABA67D-9611-40DE-AA38-E1914ABBD573}" dt="2025-05-22T09:33:06.390" v="5" actId="20577"/>
-        <pc:sldMkLst>
-          <pc:docMk/>
-          <pc:sldMk cId="94235374" sldId="1071"/>
-        </pc:sldMkLst>
-      </pc:sldChg>
-      <pc:sldChg chg="addSp delSp modSp mod">
-        <pc:chgData name="Willa" userId="2543490d-8df5-407c-91d3-3052b2e840db" providerId="ADAL" clId="{95ABA67D-9611-40DE-AA38-E1914ABBD573}" dt="2025-05-26T03:17:04.138" v="60" actId="14100"/>
-        <pc:sldMkLst>
-          <pc:docMk/>
-          <pc:sldMk cId="823645288" sldId="1073"/>
-        </pc:sldMkLst>
-      </pc:sldChg>
-      <pc:sldChg chg="modSp mod">
-        <pc:chgData name="Willa" userId="2543490d-8df5-407c-91d3-3052b2e840db" providerId="ADAL" clId="{95ABA67D-9611-40DE-AA38-E1914ABBD573}" dt="2025-05-26T02:21:26.788" v="48" actId="1076"/>
-        <pc:sldMkLst>
-          <pc:docMk/>
-          <pc:sldMk cId="962082523" sldId="1079"/>
-        </pc:sldMkLst>
-      </pc:sldChg>
-      <pc:sldChg chg="modSp mod">
-        <pc:chgData name="Willa" userId="2543490d-8df5-407c-91d3-3052b2e840db" providerId="ADAL" clId="{95ABA67D-9611-40DE-AA38-E1914ABBD573}" dt="2025-05-22T09:49:14.821" v="31"/>
-        <pc:sldMkLst>
-          <pc:docMk/>
-          <pc:sldMk cId="2302265373" sldId="1081"/>
-        </pc:sldMkLst>
-      </pc:sldChg>
-      <pc:sldChg chg="modSp mod">
-        <pc:chgData name="Willa" userId="2543490d-8df5-407c-91d3-3052b2e840db" providerId="ADAL" clId="{95ABA67D-9611-40DE-AA38-E1914ABBD573}" dt="2025-05-22T09:37:57.206" v="16" actId="20577"/>
-        <pc:sldMkLst>
-          <pc:docMk/>
-          <pc:sldMk cId="2653494285" sldId="1084"/>
-        </pc:sldMkLst>
-      </pc:sldChg>
-      <pc:sldChg chg="modSp mod">
-        <pc:chgData name="Willa" userId="2543490d-8df5-407c-91d3-3052b2e840db" providerId="ADAL" clId="{95ABA67D-9611-40DE-AA38-E1914ABBD573}" dt="2025-05-22T09:22:45.320" v="3" actId="20577"/>
-        <pc:sldMkLst>
-          <pc:docMk/>
-          <pc:sldMk cId="2560179593" sldId="1085"/>
-        </pc:sldMkLst>
-      </pc:sldChg>
-      <pc:sldChg chg="modSp mod">
-        <pc:chgData name="Willa" userId="2543490d-8df5-407c-91d3-3052b2e840db" providerId="ADAL" clId="{95ABA67D-9611-40DE-AA38-E1914ABBD573}" dt="2025-05-22T09:21:03.083" v="1" actId="20577"/>
-        <pc:sldMkLst>
-          <pc:docMk/>
-          <pc:sldMk cId="2352517393" sldId="1090"/>
-        </pc:sldMkLst>
-      </pc:sldChg>
-      <pc:sldChg chg="delSp mod">
-        <pc:chgData name="Willa" userId="2543490d-8df5-407c-91d3-3052b2e840db" providerId="ADAL" clId="{95ABA67D-9611-40DE-AA38-E1914ABBD573}" dt="2025-05-26T02:20:09.801" v="42" actId="478"/>
-        <pc:sldMkLst>
-          <pc:docMk/>
-          <pc:sldMk cId="2621601975" sldId="1101"/>
-        </pc:sldMkLst>
-      </pc:sldChg>
-      <pc:sldChg chg="delSp mod">
-        <pc:chgData name="Willa" userId="2543490d-8df5-407c-91d3-3052b2e840db" providerId="ADAL" clId="{95ABA67D-9611-40DE-AA38-E1914ABBD573}" dt="2025-05-26T02:20:02.310" v="41" actId="478"/>
-        <pc:sldMkLst>
-          <pc:docMk/>
-          <pc:sldMk cId="1999749692" sldId="1103"/>
         </pc:sldMkLst>
       </pc:sldChg>
     </pc:docChg>
@@ -2733,7 +2733,7 @@
                 </a:solidFill>
                 <a:latin typeface="AvenirNext LT Pro Bold" panose="020B0504020202020204" pitchFamily="34" charset="77"/>
               </a:rPr>
-              <a:t>{ITEM# }</a:t>
+              <a:t>{ITEM#}</a:t>
             </a:r>
             <a:endParaRPr lang="en-US" sz="1737" b="1" dirty="0">
               <a:solidFill>
@@ -2903,7 +2903,25 @@
                 </a:solidFill>
                 <a:latin typeface="Avenir Next" panose="020B0503020202020204" pitchFamily="34" charset="0"/>
               </a:rPr>
-              <a:t>W {Item Width(Inch)} cm x D {Item Depth (inch)} cm x H {Item Height (inch)} cm </a:t>
+              <a:t>W {Item Width</a:t>
+            </a:r>
+            <a:r>
+              <a:rPr lang="zh-CN" altLang="en-US" sz="1400" b="1" dirty="0">
+                <a:solidFill>
+                  <a:srgbClr val="262626"/>
+                </a:solidFill>
+                <a:latin typeface="Avenir Next" panose="020B0503020202020204" pitchFamily="34" charset="0"/>
+              </a:rPr>
+              <a:t> </a:t>
+            </a:r>
+            <a:r>
+              <a:rPr lang="en-US" altLang="zh-CN" sz="1400" b="1" dirty="0">
+                <a:solidFill>
+                  <a:srgbClr val="262626"/>
+                </a:solidFill>
+                <a:latin typeface="Avenir Next" panose="020B0503020202020204" pitchFamily="34" charset="0"/>
+              </a:rPr>
+              <a:t>(Inch)} cm x D {Item Depth (inch)} cm x H {Item Height (inch)} cm </a:t>
             </a:r>
           </a:p>
           <a:p>
@@ -4046,6 +4064,15 @@
 </file>
 
 <file path=customXml/item2.xml><?xml version="1.0" encoding="utf-8"?>
+<?mso-contentType ?>
+<FormTemplates xmlns="http://schemas.microsoft.com/sharepoint/v3/contenttype/forms">
+  <Display>DocumentLibraryForm</Display>
+  <Edit>DocumentLibraryForm</Edit>
+  <New>DocumentLibraryForm</New>
+</FormTemplates>
+</file>
+
+<file path=customXml/item3.xml><?xml version="1.0" encoding="utf-8"?>
 <p:properties xmlns:p="http://schemas.microsoft.com/office/2006/metadata/properties" xmlns:xsi="http://www.w3.org/2001/XMLSchema-instance" xmlns:pc="http://schemas.microsoft.com/office/infopath/2007/PartnerControls">
   <documentManagement>
     <TaxCatchAll xmlns="94a76dde-41db-43fa-bae3-1dbbfdafda97" xsi:nil="true"/>
@@ -4054,15 +4081,6 @@
     </lcf76f155ced4ddcb4097134ff3c332f>
   </documentManagement>
 </p:properties>
-</file>
-
-<file path=customXml/item3.xml><?xml version="1.0" encoding="utf-8"?>
-<?mso-contentType ?>
-<FormTemplates xmlns="http://schemas.microsoft.com/sharepoint/v3/contenttype/forms">
-  <Display>DocumentLibraryForm</Display>
-  <Edit>DocumentLibraryForm</Edit>
-  <New>DocumentLibraryForm</New>
-</FormTemplates>
 </file>
 
 <file path=customXml/itemProps1.xml><?xml version="1.0" encoding="utf-8"?>
@@ -4086,6 +4104,14 @@
 </file>
 
 <file path=customXml/itemProps2.xml><?xml version="1.0" encoding="utf-8"?>
+<ds:datastoreItem xmlns:ds="http://schemas.openxmlformats.org/officeDocument/2006/customXml" ds:itemID="{3D4BFE18-8609-4672-91ED-E87B20F8C714}">
+  <ds:schemaRefs>
+    <ds:schemaRef ds:uri="http://schemas.microsoft.com/sharepoint/v3/contenttype/forms"/>
+  </ds:schemaRefs>
+</ds:datastoreItem>
+</file>
+
+<file path=customXml/itemProps3.xml><?xml version="1.0" encoding="utf-8"?>
 <ds:datastoreItem xmlns:ds="http://schemas.openxmlformats.org/officeDocument/2006/customXml" ds:itemID="{05FA37EF-7AAF-4B05-A0B0-7096BA9FD3FC}">
   <ds:schemaRefs>
     <ds:schemaRef ds:uri="http://purl.org/dc/terms/"/>
@@ -4100,12 +4126,4 @@
     <ds:schemaRef ds:uri="http://schemas.microsoft.com/office/2006/metadata/properties"/>
   </ds:schemaRefs>
 </ds:datastoreItem>
-</file>
-
-<file path=customXml/itemProps3.xml><?xml version="1.0" encoding="utf-8"?>
-<ds:datastoreItem xmlns:ds="http://schemas.openxmlformats.org/officeDocument/2006/customXml" ds:itemID="{3D4BFE18-8609-4672-91ED-E87B20F8C714}">
-  <ds:schemaRefs>
-    <ds:schemaRef ds:uri="http://schemas.microsoft.com/sharepoint/v3/contenttype/forms"/>
-  </ds:schemaRefs>
-</ds:datastoreItem>
 </file>
--- a/1.pptx
+++ b/1.pptx
@@ -1265,6 +1265,36 @@
     </pc:docChg>
   </pc:docChgLst>
   <pc:docChgLst>
+    <pc:chgData name="Scott Uresse" userId="S::suresse@weveel.com::8e2bcbc1-71f3-4f21-81e8-3586559f920c" providerId="AD" clId="Web-{74003EEA-4ECF-2DE8-E28D-3D99E1391AD6}"/>
+    <pc:docChg chg="modSld">
+      <pc:chgData name="Scott Uresse" userId="S::suresse@weveel.com::8e2bcbc1-71f3-4f21-81e8-3586559f920c" providerId="AD" clId="Web-{74003EEA-4ECF-2DE8-E28D-3D99E1391AD6}" dt="2025-05-22T18:46:22.619" v="17" actId="20577"/>
+      <pc:docMkLst>
+        <pc:docMk/>
+      </pc:docMkLst>
+      <pc:sldChg chg="modSp">
+        <pc:chgData name="Scott Uresse" userId="S::suresse@weveel.com::8e2bcbc1-71f3-4f21-81e8-3586559f920c" providerId="AD" clId="Web-{74003EEA-4ECF-2DE8-E28D-3D99E1391AD6}" dt="2025-05-22T18:12:20.158" v="6" actId="20577"/>
+        <pc:sldMkLst>
+          <pc:docMk/>
+          <pc:sldMk cId="2224113988" sldId="1053"/>
+        </pc:sldMkLst>
+      </pc:sldChg>
+      <pc:sldChg chg="modSp">
+        <pc:chgData name="Scott Uresse" userId="S::suresse@weveel.com::8e2bcbc1-71f3-4f21-81e8-3586559f920c" providerId="AD" clId="Web-{74003EEA-4ECF-2DE8-E28D-3D99E1391AD6}" dt="2025-05-22T18:38:36.043" v="8" actId="20577"/>
+        <pc:sldMkLst>
+          <pc:docMk/>
+          <pc:sldMk cId="1480548481" sldId="1072"/>
+        </pc:sldMkLst>
+      </pc:sldChg>
+      <pc:sldChg chg="delSp modSp">
+        <pc:chgData name="Scott Uresse" userId="S::suresse@weveel.com::8e2bcbc1-71f3-4f21-81e8-3586559f920c" providerId="AD" clId="Web-{74003EEA-4ECF-2DE8-E28D-3D99E1391AD6}" dt="2025-05-22T18:46:22.619" v="17" actId="20577"/>
+        <pc:sldMkLst>
+          <pc:docMk/>
+          <pc:sldMk cId="2560179593" sldId="1085"/>
+        </pc:sldMkLst>
+      </pc:sldChg>
+    </pc:docChg>
+  </pc:docChgLst>
+  <pc:docChgLst>
     <pc:chgData name="Trish Chornobroff" userId="S::trish@weveel.com::c16cad3b-4500-4150-9b63-fa63acce065f" providerId="AD" clId="Web-{209FAAF0-B9B1-30A7-8949-AE78BA6F99A9}"/>
     <pc:docChg chg="modSld">
       <pc:chgData name="Trish Chornobroff" userId="S::trish@weveel.com::c16cad3b-4500-4150-9b63-fa63acce065f" providerId="AD" clId="Web-{209FAAF0-B9B1-30A7-8949-AE78BA6F99A9}" dt="2025-05-27T00:29:53.028" v="2" actId="1076"/>
@@ -1276,36 +1306,6 @@
         <pc:sldMkLst>
           <pc:docMk/>
           <pc:sldMk cId="2224113988" sldId="1053"/>
-        </pc:sldMkLst>
-      </pc:sldChg>
-    </pc:docChg>
-  </pc:docChgLst>
-  <pc:docChgLst>
-    <pc:chgData name="Scott Uresse" userId="S::suresse@weveel.com::8e2bcbc1-71f3-4f21-81e8-3586559f920c" providerId="AD" clId="Web-{74003EEA-4ECF-2DE8-E28D-3D99E1391AD6}"/>
-    <pc:docChg chg="modSld">
-      <pc:chgData name="Scott Uresse" userId="S::suresse@weveel.com::8e2bcbc1-71f3-4f21-81e8-3586559f920c" providerId="AD" clId="Web-{74003EEA-4ECF-2DE8-E28D-3D99E1391AD6}" dt="2025-05-22T18:46:22.619" v="17" actId="20577"/>
-      <pc:docMkLst>
-        <pc:docMk/>
-      </pc:docMkLst>
-      <pc:sldChg chg="modSp">
-        <pc:chgData name="Scott Uresse" userId="S::suresse@weveel.com::8e2bcbc1-71f3-4f21-81e8-3586559f920c" providerId="AD" clId="Web-{74003EEA-4ECF-2DE8-E28D-3D99E1391AD6}" dt="2025-05-22T18:12:20.158" v="6" actId="20577"/>
-        <pc:sldMkLst>
-          <pc:docMk/>
-          <pc:sldMk cId="2224113988" sldId="1053"/>
-        </pc:sldMkLst>
-      </pc:sldChg>
-      <pc:sldChg chg="modSp">
-        <pc:chgData name="Scott Uresse" userId="S::suresse@weveel.com::8e2bcbc1-71f3-4f21-81e8-3586559f920c" providerId="AD" clId="Web-{74003EEA-4ECF-2DE8-E28D-3D99E1391AD6}" dt="2025-05-22T18:38:36.043" v="8" actId="20577"/>
-        <pc:sldMkLst>
-          <pc:docMk/>
-          <pc:sldMk cId="1480548481" sldId="1072"/>
-        </pc:sldMkLst>
-      </pc:sldChg>
-      <pc:sldChg chg="delSp modSp">
-        <pc:chgData name="Scott Uresse" userId="S::suresse@weveel.com::8e2bcbc1-71f3-4f21-81e8-3586559f920c" providerId="AD" clId="Web-{74003EEA-4ECF-2DE8-E28D-3D99E1391AD6}" dt="2025-05-22T18:46:22.619" v="17" actId="20577"/>
-        <pc:sldMkLst>
-          <pc:docMk/>
-          <pc:sldMk cId="2560179593" sldId="1085"/>
         </pc:sldMkLst>
       </pc:sldChg>
     </pc:docChg>
@@ -2810,6 +2810,18 @@
               <a:t>Item #</a:t>
             </a:r>
             <a:r>
+              <a:rPr lang="zh-CN" altLang="en-US" sz="1400" b="1" dirty="0">
+                <a:solidFill>
+                  <a:schemeClr val="tx1">
+                    <a:lumMod val="65000"/>
+                    <a:lumOff val="35000"/>
+                  </a:schemeClr>
+                </a:solidFill>
+                <a:latin typeface="Avenir Next" panose="020B0503020202020204" pitchFamily="34" charset="0"/>
+              </a:rPr>
+              <a:t> </a:t>
+            </a:r>
+            <a:r>
               <a:rPr lang="en-US" altLang="zh-CN" sz="1400" b="1" dirty="0">
                 <a:solidFill>
                   <a:schemeClr val="tx1">
@@ -2819,31 +2831,7 @@
                 </a:solidFill>
                 <a:latin typeface="Avenir Next" panose="020B0503020202020204" pitchFamily="34" charset="0"/>
               </a:rPr>
-              <a:t>{</a:t>
-            </a:r>
-            <a:r>
-              <a:rPr lang="en-US" sz="1400" b="1" dirty="0">
-                <a:solidFill>
-                  <a:schemeClr val="tx1">
-                    <a:lumMod val="65000"/>
-                    <a:lumOff val="35000"/>
-                  </a:schemeClr>
-                </a:solidFill>
-                <a:latin typeface="Avenir Next" panose="020B0503020202020204" pitchFamily="34" charset="0"/>
-              </a:rPr>
-              <a:t>ITEM#</a:t>
-            </a:r>
-            <a:r>
-              <a:rPr lang="en-US" altLang="zh-CN" sz="1400" b="1" dirty="0">
-                <a:solidFill>
-                  <a:schemeClr val="tx1">
-                    <a:lumMod val="65000"/>
-                    <a:lumOff val="35000"/>
-                  </a:schemeClr>
-                </a:solidFill>
-                <a:latin typeface="Avenir Next" panose="020B0503020202020204" pitchFamily="34" charset="0"/>
-              </a:rPr>
-              <a:t>}</a:t>
+              <a:t>{ITEM#}</a:t>
             </a:r>
             <a:endParaRPr lang="en-US" sz="1400" b="1" dirty="0">
               <a:solidFill>
@@ -2903,7 +2891,7 @@
                 </a:solidFill>
                 <a:latin typeface="Avenir Next" panose="020B0503020202020204" pitchFamily="34" charset="0"/>
               </a:rPr>
-              <a:t>W {Item Width</a:t>
+              <a:t>W {Item</a:t>
             </a:r>
             <a:r>
               <a:rPr lang="zh-CN" altLang="en-US" sz="1400" b="1" dirty="0">
@@ -2921,7 +2909,25 @@
                 </a:solidFill>
                 <a:latin typeface="Avenir Next" panose="020B0503020202020204" pitchFamily="34" charset="0"/>
               </a:rPr>
-              <a:t>(Inch)} cm x D {Item Depth (inch)} cm x H {Item Height (inch)} cm </a:t>
+              <a:t>Width</a:t>
+            </a:r>
+            <a:r>
+              <a:rPr lang="zh-CN" altLang="en-US" sz="1400" b="1" dirty="0">
+                <a:solidFill>
+                  <a:srgbClr val="262626"/>
+                </a:solidFill>
+                <a:latin typeface="Avenir Next" panose="020B0503020202020204" pitchFamily="34" charset="0"/>
+              </a:rPr>
+              <a:t> </a:t>
+            </a:r>
+            <a:r>
+              <a:rPr lang="en-US" altLang="zh-CN" sz="1400" b="1" dirty="0">
+                <a:solidFill>
+                  <a:srgbClr val="262626"/>
+                </a:solidFill>
+                <a:latin typeface="Avenir Next" panose="020B0503020202020204" pitchFamily="34" charset="0"/>
+              </a:rPr>
+              <a:t>(inch)} cm x D {Item Depth (inch)} cm x H {Item Height (inch)} cm </a:t>
             </a:r>
           </a:p>
           <a:p>
@@ -3829,6 +3835,26 @@
 </file>
 
 <file path=customXml/item1.xml><?xml version="1.0" encoding="utf-8"?>
+<p:properties xmlns:p="http://schemas.microsoft.com/office/2006/metadata/properties" xmlns:xsi="http://www.w3.org/2001/XMLSchema-instance" xmlns:pc="http://schemas.microsoft.com/office/infopath/2007/PartnerControls">
+  <documentManagement>
+    <TaxCatchAll xmlns="94a76dde-41db-43fa-bae3-1dbbfdafda97" xsi:nil="true"/>
+    <lcf76f155ced4ddcb4097134ff3c332f xmlns="4626ec3b-11ea-4ddf-af8b-d0515e0c815e">
+      <Terms xmlns="http://schemas.microsoft.com/office/infopath/2007/PartnerControls"/>
+    </lcf76f155ced4ddcb4097134ff3c332f>
+  </documentManagement>
+</p:properties>
+</file>
+
+<file path=customXml/item2.xml><?xml version="1.0" encoding="utf-8"?>
+<?mso-contentType ?>
+<FormTemplates xmlns="http://schemas.microsoft.com/sharepoint/v3/contenttype/forms">
+  <Display>DocumentLibraryForm</Display>
+  <Edit>DocumentLibraryForm</Edit>
+  <New>DocumentLibraryForm</New>
+</FormTemplates>
+</file>
+
+<file path=customXml/item3.xml><?xml version="1.0" encoding="utf-8"?>
 <ct:contentTypeSchema xmlns:ct="http://schemas.microsoft.com/office/2006/metadata/contentType" xmlns:ma="http://schemas.microsoft.com/office/2006/metadata/properties/metaAttributes" ct:_="" ma:_="" ma:contentTypeName="文档" ma:contentTypeID="0x010100FA99BE4EC341124FA7808D337DCB9188" ma:contentTypeVersion="15" ma:contentTypeDescription="新建文档。" ma:contentTypeScope="" ma:versionID="e5e501d8dc891368dcb6e7d54331eb39">
   <xsd:schema xmlns:xsd="http://www.w3.org/2001/XMLSchema" xmlns:xs="http://www.w3.org/2001/XMLSchema" xmlns:p="http://schemas.microsoft.com/office/2006/metadata/properties" xmlns:ns2="4626ec3b-11ea-4ddf-af8b-d0515e0c815e" xmlns:ns3="94a76dde-41db-43fa-bae3-1dbbfdafda97" targetNamespace="http://schemas.microsoft.com/office/2006/metadata/properties" ma:root="true" ma:fieldsID="b270a440fc78e4190f1ec31d61186603" ns2:_="" ns3:_="">
     <xsd:import namespace="4626ec3b-11ea-4ddf-af8b-d0515e0c815e"/>
@@ -4063,27 +4089,32 @@
 </ct:contentTypeSchema>
 </file>
 
-<file path=customXml/item2.xml><?xml version="1.0" encoding="utf-8"?>
-<?mso-contentType ?>
-<FormTemplates xmlns="http://schemas.microsoft.com/sharepoint/v3/contenttype/forms">
-  <Display>DocumentLibraryForm</Display>
-  <Edit>DocumentLibraryForm</Edit>
-  <New>DocumentLibraryForm</New>
-</FormTemplates>
+<file path=customXml/itemProps1.xml><?xml version="1.0" encoding="utf-8"?>
+<ds:datastoreItem xmlns:ds="http://schemas.openxmlformats.org/officeDocument/2006/customXml" ds:itemID="{05FA37EF-7AAF-4B05-A0B0-7096BA9FD3FC}">
+  <ds:schemaRefs>
+    <ds:schemaRef ds:uri="http://purl.org/dc/terms/"/>
+    <ds:schemaRef ds:uri="http://schemas.openxmlformats.org/package/2006/metadata/core-properties"/>
+    <ds:schemaRef ds:uri="http://schemas.microsoft.com/office/2006/documentManagement/types"/>
+    <ds:schemaRef ds:uri="http://purl.org/dc/elements/1.1/"/>
+    <ds:schemaRef ds:uri="4626ec3b-11ea-4ddf-af8b-d0515e0c815e"/>
+    <ds:schemaRef ds:uri="http://www.w3.org/XML/1998/namespace"/>
+    <ds:schemaRef ds:uri="http://purl.org/dc/dcmitype/"/>
+    <ds:schemaRef ds:uri="http://schemas.microsoft.com/office/infopath/2007/PartnerControls"/>
+    <ds:schemaRef ds:uri="94a76dde-41db-43fa-bae3-1dbbfdafda97"/>
+    <ds:schemaRef ds:uri="http://schemas.microsoft.com/office/2006/metadata/properties"/>
+  </ds:schemaRefs>
+</ds:datastoreItem>
 </file>
 
-<file path=customXml/item3.xml><?xml version="1.0" encoding="utf-8"?>
-<p:properties xmlns:p="http://schemas.microsoft.com/office/2006/metadata/properties" xmlns:xsi="http://www.w3.org/2001/XMLSchema-instance" xmlns:pc="http://schemas.microsoft.com/office/infopath/2007/PartnerControls">
-  <documentManagement>
-    <TaxCatchAll xmlns="94a76dde-41db-43fa-bae3-1dbbfdafda97" xsi:nil="true"/>
-    <lcf76f155ced4ddcb4097134ff3c332f xmlns="4626ec3b-11ea-4ddf-af8b-d0515e0c815e">
-      <Terms xmlns="http://schemas.microsoft.com/office/infopath/2007/PartnerControls"/>
-    </lcf76f155ced4ddcb4097134ff3c332f>
-  </documentManagement>
-</p:properties>
+<file path=customXml/itemProps2.xml><?xml version="1.0" encoding="utf-8"?>
+<ds:datastoreItem xmlns:ds="http://schemas.openxmlformats.org/officeDocument/2006/customXml" ds:itemID="{3D4BFE18-8609-4672-91ED-E87B20F8C714}">
+  <ds:schemaRefs>
+    <ds:schemaRef ds:uri="http://schemas.microsoft.com/sharepoint/v3/contenttype/forms"/>
+  </ds:schemaRefs>
+</ds:datastoreItem>
 </file>
 
-<file path=customXml/itemProps1.xml><?xml version="1.0" encoding="utf-8"?>
+<file path=customXml/itemProps3.xml><?xml version="1.0" encoding="utf-8"?>
 <ds:datastoreItem xmlns:ds="http://schemas.openxmlformats.org/officeDocument/2006/customXml" ds:itemID="{C1BA30DA-3A59-4BAB-8C2E-968B7342420E}">
   <ds:schemaRefs>
     <ds:schemaRef ds:uri="4626ec3b-11ea-4ddf-af8b-d0515e0c815e"/>
@@ -4101,29 +4132,4 @@
     <ds:schemaRef ds:uri="http://www.w3.org/2001/XMLSchema"/>
   </ds:schemaRefs>
 </ds:datastoreItem>
-</file>
-
-<file path=customXml/itemProps2.xml><?xml version="1.0" encoding="utf-8"?>
-<ds:datastoreItem xmlns:ds="http://schemas.openxmlformats.org/officeDocument/2006/customXml" ds:itemID="{3D4BFE18-8609-4672-91ED-E87B20F8C714}">
-  <ds:schemaRefs>
-    <ds:schemaRef ds:uri="http://schemas.microsoft.com/sharepoint/v3/contenttype/forms"/>
-  </ds:schemaRefs>
-</ds:datastoreItem>
-</file>
-
-<file path=customXml/itemProps3.xml><?xml version="1.0" encoding="utf-8"?>
-<ds:datastoreItem xmlns:ds="http://schemas.openxmlformats.org/officeDocument/2006/customXml" ds:itemID="{05FA37EF-7AAF-4B05-A0B0-7096BA9FD3FC}">
-  <ds:schemaRefs>
-    <ds:schemaRef ds:uri="http://purl.org/dc/terms/"/>
-    <ds:schemaRef ds:uri="http://schemas.openxmlformats.org/package/2006/metadata/core-properties"/>
-    <ds:schemaRef ds:uri="http://schemas.microsoft.com/office/2006/documentManagement/types"/>
-    <ds:schemaRef ds:uri="http://purl.org/dc/elements/1.1/"/>
-    <ds:schemaRef ds:uri="4626ec3b-11ea-4ddf-af8b-d0515e0c815e"/>
-    <ds:schemaRef ds:uri="http://www.w3.org/XML/1998/namespace"/>
-    <ds:schemaRef ds:uri="http://purl.org/dc/dcmitype/"/>
-    <ds:schemaRef ds:uri="http://schemas.microsoft.com/office/infopath/2007/PartnerControls"/>
-    <ds:schemaRef ds:uri="94a76dde-41db-43fa-bae3-1dbbfdafda97"/>
-    <ds:schemaRef ds:uri="http://schemas.microsoft.com/office/2006/metadata/properties"/>
-  </ds:schemaRefs>
-</ds:datastoreItem>
 </file>
--- a/1.pptx
+++ b/1.pptx
@@ -1265,6 +1265,22 @@
     </pc:docChg>
   </pc:docChgLst>
   <pc:docChgLst>
+    <pc:chgData name="Trish Chornobroff" userId="S::trish@weveel.com::c16cad3b-4500-4150-9b63-fa63acce065f" providerId="AD" clId="Web-{209FAAF0-B9B1-30A7-8949-AE78BA6F99A9}"/>
+    <pc:docChg chg="modSld">
+      <pc:chgData name="Trish Chornobroff" userId="S::trish@weveel.com::c16cad3b-4500-4150-9b63-fa63acce065f" providerId="AD" clId="Web-{209FAAF0-B9B1-30A7-8949-AE78BA6F99A9}" dt="2025-05-27T00:29:53.028" v="2" actId="1076"/>
+      <pc:docMkLst>
+        <pc:docMk/>
+      </pc:docMkLst>
+      <pc:sldChg chg="modSp">
+        <pc:chgData name="Trish Chornobroff" userId="S::trish@weveel.com::c16cad3b-4500-4150-9b63-fa63acce065f" providerId="AD" clId="Web-{209FAAF0-B9B1-30A7-8949-AE78BA6F99A9}" dt="2025-05-27T00:29:53.028" v="2" actId="1076"/>
+        <pc:sldMkLst>
+          <pc:docMk/>
+          <pc:sldMk cId="2224113988" sldId="1053"/>
+        </pc:sldMkLst>
+      </pc:sldChg>
+    </pc:docChg>
+  </pc:docChgLst>
+  <pc:docChgLst>
     <pc:chgData name="Scott Uresse" userId="S::suresse@weveel.com::8e2bcbc1-71f3-4f21-81e8-3586559f920c" providerId="AD" clId="Web-{74003EEA-4ECF-2DE8-E28D-3D99E1391AD6}"/>
     <pc:docChg chg="modSld">
       <pc:chgData name="Scott Uresse" userId="S::suresse@weveel.com::8e2bcbc1-71f3-4f21-81e8-3586559f920c" providerId="AD" clId="Web-{74003EEA-4ECF-2DE8-E28D-3D99E1391AD6}" dt="2025-05-22T18:46:22.619" v="17" actId="20577"/>
@@ -1290,22 +1306,6 @@
         <pc:sldMkLst>
           <pc:docMk/>
           <pc:sldMk cId="2560179593" sldId="1085"/>
-        </pc:sldMkLst>
-      </pc:sldChg>
-    </pc:docChg>
-  </pc:docChgLst>
-  <pc:docChgLst>
-    <pc:chgData name="Trish Chornobroff" userId="S::trish@weveel.com::c16cad3b-4500-4150-9b63-fa63acce065f" providerId="AD" clId="Web-{209FAAF0-B9B1-30A7-8949-AE78BA6F99A9}"/>
-    <pc:docChg chg="modSld">
-      <pc:chgData name="Trish Chornobroff" userId="S::trish@weveel.com::c16cad3b-4500-4150-9b63-fa63acce065f" providerId="AD" clId="Web-{209FAAF0-B9B1-30A7-8949-AE78BA6F99A9}" dt="2025-05-27T00:29:53.028" v="2" actId="1076"/>
-      <pc:docMkLst>
-        <pc:docMk/>
-      </pc:docMkLst>
-      <pc:sldChg chg="modSp">
-        <pc:chgData name="Trish Chornobroff" userId="S::trish@weveel.com::c16cad3b-4500-4150-9b63-fa63acce065f" providerId="AD" clId="Web-{209FAAF0-B9B1-30A7-8949-AE78BA6F99A9}" dt="2025-05-27T00:29:53.028" v="2" actId="1076"/>
-        <pc:sldMkLst>
-          <pc:docMk/>
-          <pc:sldMk cId="2224113988" sldId="1053"/>
         </pc:sldMkLst>
       </pc:sldChg>
     </pc:docChg>
@@ -2909,25 +2909,7 @@
                 </a:solidFill>
                 <a:latin typeface="Avenir Next" panose="020B0503020202020204" pitchFamily="34" charset="0"/>
               </a:rPr>
-              <a:t>Width</a:t>
-            </a:r>
-            <a:r>
-              <a:rPr lang="zh-CN" altLang="en-US" sz="1400" b="1" dirty="0">
-                <a:solidFill>
-                  <a:srgbClr val="262626"/>
-                </a:solidFill>
-                <a:latin typeface="Avenir Next" panose="020B0503020202020204" pitchFamily="34" charset="0"/>
-              </a:rPr>
-              <a:t> </a:t>
-            </a:r>
-            <a:r>
-              <a:rPr lang="en-US" altLang="zh-CN" sz="1400" b="1" dirty="0">
-                <a:solidFill>
-                  <a:srgbClr val="262626"/>
-                </a:solidFill>
-                <a:latin typeface="Avenir Next" panose="020B0503020202020204" pitchFamily="34" charset="0"/>
-              </a:rPr>
-              <a:t>(inch)} cm x D {Item Depth (inch)} cm x H {Item Height (inch)} cm </a:t>
+              <a:t>Width(inch)} cm x D {Item Depth (inch)} cm x H {Item Height (inch)} cm </a:t>
             </a:r>
           </a:p>
           <a:p>
@@ -2978,7 +2960,7 @@
                 </a:solidFill>
                 <a:latin typeface="Avenir Next" panose="020B0503020202020204" pitchFamily="34" charset="0"/>
               </a:rPr>
-              <a:t>AUD}</a:t>
+              <a:t>AU}</a:t>
             </a:r>
             <a:endParaRPr lang="en-US" sz="1489" dirty="0">
               <a:solidFill>
@@ -3835,26 +3817,6 @@
 </file>
 
 <file path=customXml/item1.xml><?xml version="1.0" encoding="utf-8"?>
-<p:properties xmlns:p="http://schemas.microsoft.com/office/2006/metadata/properties" xmlns:xsi="http://www.w3.org/2001/XMLSchema-instance" xmlns:pc="http://schemas.microsoft.com/office/infopath/2007/PartnerControls">
-  <documentManagement>
-    <TaxCatchAll xmlns="94a76dde-41db-43fa-bae3-1dbbfdafda97" xsi:nil="true"/>
-    <lcf76f155ced4ddcb4097134ff3c332f xmlns="4626ec3b-11ea-4ddf-af8b-d0515e0c815e">
-      <Terms xmlns="http://schemas.microsoft.com/office/infopath/2007/PartnerControls"/>
-    </lcf76f155ced4ddcb4097134ff3c332f>
-  </documentManagement>
-</p:properties>
-</file>
-
-<file path=customXml/item2.xml><?xml version="1.0" encoding="utf-8"?>
-<?mso-contentType ?>
-<FormTemplates xmlns="http://schemas.microsoft.com/sharepoint/v3/contenttype/forms">
-  <Display>DocumentLibraryForm</Display>
-  <Edit>DocumentLibraryForm</Edit>
-  <New>DocumentLibraryForm</New>
-</FormTemplates>
-</file>
-
-<file path=customXml/item3.xml><?xml version="1.0" encoding="utf-8"?>
 <ct:contentTypeSchema xmlns:ct="http://schemas.microsoft.com/office/2006/metadata/contentType" xmlns:ma="http://schemas.microsoft.com/office/2006/metadata/properties/metaAttributes" ct:_="" ma:_="" ma:contentTypeName="文档" ma:contentTypeID="0x010100FA99BE4EC341124FA7808D337DCB9188" ma:contentTypeVersion="15" ma:contentTypeDescription="新建文档。" ma:contentTypeScope="" ma:versionID="e5e501d8dc891368dcb6e7d54331eb39">
   <xsd:schema xmlns:xsd="http://www.w3.org/2001/XMLSchema" xmlns:xs="http://www.w3.org/2001/XMLSchema" xmlns:p="http://schemas.microsoft.com/office/2006/metadata/properties" xmlns:ns2="4626ec3b-11ea-4ddf-af8b-d0515e0c815e" xmlns:ns3="94a76dde-41db-43fa-bae3-1dbbfdafda97" targetNamespace="http://schemas.microsoft.com/office/2006/metadata/properties" ma:root="true" ma:fieldsID="b270a440fc78e4190f1ec31d61186603" ns2:_="" ns3:_="">
     <xsd:import namespace="4626ec3b-11ea-4ddf-af8b-d0515e0c815e"/>
@@ -4089,32 +4051,27 @@
 </ct:contentTypeSchema>
 </file>
 
-<file path=customXml/itemProps1.xml><?xml version="1.0" encoding="utf-8"?>
-<ds:datastoreItem xmlns:ds="http://schemas.openxmlformats.org/officeDocument/2006/customXml" ds:itemID="{05FA37EF-7AAF-4B05-A0B0-7096BA9FD3FC}">
-  <ds:schemaRefs>
-    <ds:schemaRef ds:uri="http://purl.org/dc/terms/"/>
-    <ds:schemaRef ds:uri="http://schemas.openxmlformats.org/package/2006/metadata/core-properties"/>
-    <ds:schemaRef ds:uri="http://schemas.microsoft.com/office/2006/documentManagement/types"/>
-    <ds:schemaRef ds:uri="http://purl.org/dc/elements/1.1/"/>
-    <ds:schemaRef ds:uri="4626ec3b-11ea-4ddf-af8b-d0515e0c815e"/>
-    <ds:schemaRef ds:uri="http://www.w3.org/XML/1998/namespace"/>
-    <ds:schemaRef ds:uri="http://purl.org/dc/dcmitype/"/>
-    <ds:schemaRef ds:uri="http://schemas.microsoft.com/office/infopath/2007/PartnerControls"/>
-    <ds:schemaRef ds:uri="94a76dde-41db-43fa-bae3-1dbbfdafda97"/>
-    <ds:schemaRef ds:uri="http://schemas.microsoft.com/office/2006/metadata/properties"/>
-  </ds:schemaRefs>
-</ds:datastoreItem>
+<file path=customXml/item2.xml><?xml version="1.0" encoding="utf-8"?>
+<?mso-contentType ?>
+<FormTemplates xmlns="http://schemas.microsoft.com/sharepoint/v3/contenttype/forms">
+  <Display>DocumentLibraryForm</Display>
+  <Edit>DocumentLibraryForm</Edit>
+  <New>DocumentLibraryForm</New>
+</FormTemplates>
 </file>
 
-<file path=customXml/itemProps2.xml><?xml version="1.0" encoding="utf-8"?>
-<ds:datastoreItem xmlns:ds="http://schemas.openxmlformats.org/officeDocument/2006/customXml" ds:itemID="{3D4BFE18-8609-4672-91ED-E87B20F8C714}">
-  <ds:schemaRefs>
-    <ds:schemaRef ds:uri="http://schemas.microsoft.com/sharepoint/v3/contenttype/forms"/>
-  </ds:schemaRefs>
-</ds:datastoreItem>
+<file path=customXml/item3.xml><?xml version="1.0" encoding="utf-8"?>
+<p:properties xmlns:p="http://schemas.microsoft.com/office/2006/metadata/properties" xmlns:xsi="http://www.w3.org/2001/XMLSchema-instance" xmlns:pc="http://schemas.microsoft.com/office/infopath/2007/PartnerControls">
+  <documentManagement>
+    <TaxCatchAll xmlns="94a76dde-41db-43fa-bae3-1dbbfdafda97" xsi:nil="true"/>
+    <lcf76f155ced4ddcb4097134ff3c332f xmlns="4626ec3b-11ea-4ddf-af8b-d0515e0c815e">
+      <Terms xmlns="http://schemas.microsoft.com/office/infopath/2007/PartnerControls"/>
+    </lcf76f155ced4ddcb4097134ff3c332f>
+  </documentManagement>
+</p:properties>
 </file>
 
-<file path=customXml/itemProps3.xml><?xml version="1.0" encoding="utf-8"?>
+<file path=customXml/itemProps1.xml><?xml version="1.0" encoding="utf-8"?>
 <ds:datastoreItem xmlns:ds="http://schemas.openxmlformats.org/officeDocument/2006/customXml" ds:itemID="{C1BA30DA-3A59-4BAB-8C2E-968B7342420E}">
   <ds:schemaRefs>
     <ds:schemaRef ds:uri="4626ec3b-11ea-4ddf-af8b-d0515e0c815e"/>
@@ -4132,4 +4089,29 @@
     <ds:schemaRef ds:uri="http://www.w3.org/2001/XMLSchema"/>
   </ds:schemaRefs>
 </ds:datastoreItem>
+</file>
+
+<file path=customXml/itemProps2.xml><?xml version="1.0" encoding="utf-8"?>
+<ds:datastoreItem xmlns:ds="http://schemas.openxmlformats.org/officeDocument/2006/customXml" ds:itemID="{3D4BFE18-8609-4672-91ED-E87B20F8C714}">
+  <ds:schemaRefs>
+    <ds:schemaRef ds:uri="http://schemas.microsoft.com/sharepoint/v3/contenttype/forms"/>
+  </ds:schemaRefs>
+</ds:datastoreItem>
+</file>
+
+<file path=customXml/itemProps3.xml><?xml version="1.0" encoding="utf-8"?>
+<ds:datastoreItem xmlns:ds="http://schemas.openxmlformats.org/officeDocument/2006/customXml" ds:itemID="{05FA37EF-7AAF-4B05-A0B0-7096BA9FD3FC}">
+  <ds:schemaRefs>
+    <ds:schemaRef ds:uri="http://purl.org/dc/terms/"/>
+    <ds:schemaRef ds:uri="http://schemas.openxmlformats.org/package/2006/metadata/core-properties"/>
+    <ds:schemaRef ds:uri="http://schemas.microsoft.com/office/2006/documentManagement/types"/>
+    <ds:schemaRef ds:uri="http://purl.org/dc/elements/1.1/"/>
+    <ds:schemaRef ds:uri="4626ec3b-11ea-4ddf-af8b-d0515e0c815e"/>
+    <ds:schemaRef ds:uri="http://www.w3.org/XML/1998/namespace"/>
+    <ds:schemaRef ds:uri="http://purl.org/dc/dcmitype/"/>
+    <ds:schemaRef ds:uri="http://schemas.microsoft.com/office/infopath/2007/PartnerControls"/>
+    <ds:schemaRef ds:uri="94a76dde-41db-43fa-bae3-1dbbfdafda97"/>
+    <ds:schemaRef ds:uri="http://schemas.microsoft.com/office/2006/metadata/properties"/>
+  </ds:schemaRefs>
+</ds:datastoreItem>
 </file>
--- a/1.pptx
+++ b/1.pptx
@@ -1265,6 +1265,36 @@
     </pc:docChg>
   </pc:docChgLst>
   <pc:docChgLst>
+    <pc:chgData name="Scott Uresse" userId="S::suresse@weveel.com::8e2bcbc1-71f3-4f21-81e8-3586559f920c" providerId="AD" clId="Web-{74003EEA-4ECF-2DE8-E28D-3D99E1391AD6}"/>
+    <pc:docChg chg="modSld">
+      <pc:chgData name="Scott Uresse" userId="S::suresse@weveel.com::8e2bcbc1-71f3-4f21-81e8-3586559f920c" providerId="AD" clId="Web-{74003EEA-4ECF-2DE8-E28D-3D99E1391AD6}" dt="2025-05-22T18:46:22.619" v="17" actId="20577"/>
+      <pc:docMkLst>
+        <pc:docMk/>
+      </pc:docMkLst>
+      <pc:sldChg chg="modSp">
+        <pc:chgData name="Scott Uresse" userId="S::suresse@weveel.com::8e2bcbc1-71f3-4f21-81e8-3586559f920c" providerId="AD" clId="Web-{74003EEA-4ECF-2DE8-E28D-3D99E1391AD6}" dt="2025-05-22T18:12:20.158" v="6" actId="20577"/>
+        <pc:sldMkLst>
+          <pc:docMk/>
+          <pc:sldMk cId="2224113988" sldId="1053"/>
+        </pc:sldMkLst>
+      </pc:sldChg>
+      <pc:sldChg chg="modSp">
+        <pc:chgData name="Scott Uresse" userId="S::suresse@weveel.com::8e2bcbc1-71f3-4f21-81e8-3586559f920c" providerId="AD" clId="Web-{74003EEA-4ECF-2DE8-E28D-3D99E1391AD6}" dt="2025-05-22T18:38:36.043" v="8" actId="20577"/>
+        <pc:sldMkLst>
+          <pc:docMk/>
+          <pc:sldMk cId="1480548481" sldId="1072"/>
+        </pc:sldMkLst>
+      </pc:sldChg>
+      <pc:sldChg chg="delSp modSp">
+        <pc:chgData name="Scott Uresse" userId="S::suresse@weveel.com::8e2bcbc1-71f3-4f21-81e8-3586559f920c" providerId="AD" clId="Web-{74003EEA-4ECF-2DE8-E28D-3D99E1391AD6}" dt="2025-05-22T18:46:22.619" v="17" actId="20577"/>
+        <pc:sldMkLst>
+          <pc:docMk/>
+          <pc:sldMk cId="2560179593" sldId="1085"/>
+        </pc:sldMkLst>
+      </pc:sldChg>
+    </pc:docChg>
+  </pc:docChgLst>
+  <pc:docChgLst>
     <pc:chgData name="Trish Chornobroff" userId="S::trish@weveel.com::c16cad3b-4500-4150-9b63-fa63acce065f" providerId="AD" clId="Web-{209FAAF0-B9B1-30A7-8949-AE78BA6F99A9}"/>
     <pc:docChg chg="modSld">
       <pc:chgData name="Trish Chornobroff" userId="S::trish@weveel.com::c16cad3b-4500-4150-9b63-fa63acce065f" providerId="AD" clId="Web-{209FAAF0-B9B1-30A7-8949-AE78BA6F99A9}" dt="2025-05-27T00:29:53.028" v="2" actId="1076"/>
@@ -1276,36 +1306,6 @@
         <pc:sldMkLst>
           <pc:docMk/>
           <pc:sldMk cId="2224113988" sldId="1053"/>
-        </pc:sldMkLst>
-      </pc:sldChg>
-    </pc:docChg>
-  </pc:docChgLst>
-  <pc:docChgLst>
-    <pc:chgData name="Scott Uresse" userId="S::suresse@weveel.com::8e2bcbc1-71f3-4f21-81e8-3586559f920c" providerId="AD" clId="Web-{74003EEA-4ECF-2DE8-E28D-3D99E1391AD6}"/>
-    <pc:docChg chg="modSld">
-      <pc:chgData name="Scott Uresse" userId="S::suresse@weveel.com::8e2bcbc1-71f3-4f21-81e8-3586559f920c" providerId="AD" clId="Web-{74003EEA-4ECF-2DE8-E28D-3D99E1391AD6}" dt="2025-05-22T18:46:22.619" v="17" actId="20577"/>
-      <pc:docMkLst>
-        <pc:docMk/>
-      </pc:docMkLst>
-      <pc:sldChg chg="modSp">
-        <pc:chgData name="Scott Uresse" userId="S::suresse@weveel.com::8e2bcbc1-71f3-4f21-81e8-3586559f920c" providerId="AD" clId="Web-{74003EEA-4ECF-2DE8-E28D-3D99E1391AD6}" dt="2025-05-22T18:12:20.158" v="6" actId="20577"/>
-        <pc:sldMkLst>
-          <pc:docMk/>
-          <pc:sldMk cId="2224113988" sldId="1053"/>
-        </pc:sldMkLst>
-      </pc:sldChg>
-      <pc:sldChg chg="modSp">
-        <pc:chgData name="Scott Uresse" userId="S::suresse@weveel.com::8e2bcbc1-71f3-4f21-81e8-3586559f920c" providerId="AD" clId="Web-{74003EEA-4ECF-2DE8-E28D-3D99E1391AD6}" dt="2025-05-22T18:38:36.043" v="8" actId="20577"/>
-        <pc:sldMkLst>
-          <pc:docMk/>
-          <pc:sldMk cId="1480548481" sldId="1072"/>
-        </pc:sldMkLst>
-      </pc:sldChg>
-      <pc:sldChg chg="delSp modSp">
-        <pc:chgData name="Scott Uresse" userId="S::suresse@weveel.com::8e2bcbc1-71f3-4f21-81e8-3586559f920c" providerId="AD" clId="Web-{74003EEA-4ECF-2DE8-E28D-3D99E1391AD6}" dt="2025-05-22T18:46:22.619" v="17" actId="20577"/>
-        <pc:sldMkLst>
-          <pc:docMk/>
-          <pc:sldMk cId="2560179593" sldId="1085"/>
         </pc:sldMkLst>
       </pc:sldChg>
     </pc:docChg>
@@ -2909,7 +2909,25 @@
                 </a:solidFill>
                 <a:latin typeface="Avenir Next" panose="020B0503020202020204" pitchFamily="34" charset="0"/>
               </a:rPr>
-              <a:t>Width(inch)} cm x D {Item Depth (inch)} cm x H {Item Height (inch)} cm </a:t>
+              <a:t>Width</a:t>
+            </a:r>
+            <a:r>
+              <a:rPr lang="zh-CN" altLang="en-US" sz="1400" b="1" dirty="0">
+                <a:solidFill>
+                  <a:srgbClr val="262626"/>
+                </a:solidFill>
+                <a:latin typeface="Avenir Next" panose="020B0503020202020204" pitchFamily="34" charset="0"/>
+              </a:rPr>
+              <a:t> </a:t>
+            </a:r>
+            <a:r>
+              <a:rPr lang="en-US" altLang="zh-CN" sz="1400" b="1" dirty="0">
+                <a:solidFill>
+                  <a:srgbClr val="262626"/>
+                </a:solidFill>
+                <a:latin typeface="Avenir Next" panose="020B0503020202020204" pitchFamily="34" charset="0"/>
+              </a:rPr>
+              <a:t>(inch)} cm x D {Item Depth (inch)} cm x H {Item Height (inch)} cm </a:t>
             </a:r>
           </a:p>
           <a:p>
@@ -3817,6 +3835,26 @@
 </file>
 
 <file path=customXml/item1.xml><?xml version="1.0" encoding="utf-8"?>
+<p:properties xmlns:p="http://schemas.microsoft.com/office/2006/metadata/properties" xmlns:xsi="http://www.w3.org/2001/XMLSchema-instance" xmlns:pc="http://schemas.microsoft.com/office/infopath/2007/PartnerControls">
+  <documentManagement>
+    <TaxCatchAll xmlns="94a76dde-41db-43fa-bae3-1dbbfdafda97" xsi:nil="true"/>
+    <lcf76f155ced4ddcb4097134ff3c332f xmlns="4626ec3b-11ea-4ddf-af8b-d0515e0c815e">
+      <Terms xmlns="http://schemas.microsoft.com/office/infopath/2007/PartnerControls"/>
+    </lcf76f155ced4ddcb4097134ff3c332f>
+  </documentManagement>
+</p:properties>
+</file>
+
+<file path=customXml/item2.xml><?xml version="1.0" encoding="utf-8"?>
+<?mso-contentType ?>
+<FormTemplates xmlns="http://schemas.microsoft.com/sharepoint/v3/contenttype/forms">
+  <Display>DocumentLibraryForm</Display>
+  <Edit>DocumentLibraryForm</Edit>
+  <New>DocumentLibraryForm</New>
+</FormTemplates>
+</file>
+
+<file path=customXml/item3.xml><?xml version="1.0" encoding="utf-8"?>
 <ct:contentTypeSchema xmlns:ct="http://schemas.microsoft.com/office/2006/metadata/contentType" xmlns:ma="http://schemas.microsoft.com/office/2006/metadata/properties/metaAttributes" ct:_="" ma:_="" ma:contentTypeName="文档" ma:contentTypeID="0x010100FA99BE4EC341124FA7808D337DCB9188" ma:contentTypeVersion="15" ma:contentTypeDescription="新建文档。" ma:contentTypeScope="" ma:versionID="e5e501d8dc891368dcb6e7d54331eb39">
   <xsd:schema xmlns:xsd="http://www.w3.org/2001/XMLSchema" xmlns:xs="http://www.w3.org/2001/XMLSchema" xmlns:p="http://schemas.microsoft.com/office/2006/metadata/properties" xmlns:ns2="4626ec3b-11ea-4ddf-af8b-d0515e0c815e" xmlns:ns3="94a76dde-41db-43fa-bae3-1dbbfdafda97" targetNamespace="http://schemas.microsoft.com/office/2006/metadata/properties" ma:root="true" ma:fieldsID="b270a440fc78e4190f1ec31d61186603" ns2:_="" ns3:_="">
     <xsd:import namespace="4626ec3b-11ea-4ddf-af8b-d0515e0c815e"/>
@@ -4051,27 +4089,32 @@
 </ct:contentTypeSchema>
 </file>
 
-<file path=customXml/item2.xml><?xml version="1.0" encoding="utf-8"?>
-<?mso-contentType ?>
-<FormTemplates xmlns="http://schemas.microsoft.com/sharepoint/v3/contenttype/forms">
-  <Display>DocumentLibraryForm</Display>
-  <Edit>DocumentLibraryForm</Edit>
-  <New>DocumentLibraryForm</New>
-</FormTemplates>
+<file path=customXml/itemProps1.xml><?xml version="1.0" encoding="utf-8"?>
+<ds:datastoreItem xmlns:ds="http://schemas.openxmlformats.org/officeDocument/2006/customXml" ds:itemID="{05FA37EF-7AAF-4B05-A0B0-7096BA9FD3FC}">
+  <ds:schemaRefs>
+    <ds:schemaRef ds:uri="http://purl.org/dc/terms/"/>
+    <ds:schemaRef ds:uri="http://schemas.openxmlformats.org/package/2006/metadata/core-properties"/>
+    <ds:schemaRef ds:uri="http://schemas.microsoft.com/office/2006/documentManagement/types"/>
+    <ds:schemaRef ds:uri="http://purl.org/dc/elements/1.1/"/>
+    <ds:schemaRef ds:uri="4626ec3b-11ea-4ddf-af8b-d0515e0c815e"/>
+    <ds:schemaRef ds:uri="http://www.w3.org/XML/1998/namespace"/>
+    <ds:schemaRef ds:uri="http://purl.org/dc/dcmitype/"/>
+    <ds:schemaRef ds:uri="http://schemas.microsoft.com/office/infopath/2007/PartnerControls"/>
+    <ds:schemaRef ds:uri="94a76dde-41db-43fa-bae3-1dbbfdafda97"/>
+    <ds:schemaRef ds:uri="http://schemas.microsoft.com/office/2006/metadata/properties"/>
+  </ds:schemaRefs>
+</ds:datastoreItem>
 </file>
 
-<file path=customXml/item3.xml><?xml version="1.0" encoding="utf-8"?>
-<p:properties xmlns:p="http://schemas.microsoft.com/office/2006/metadata/properties" xmlns:xsi="http://www.w3.org/2001/XMLSchema-instance" xmlns:pc="http://schemas.microsoft.com/office/infopath/2007/PartnerControls">
-  <documentManagement>
-    <TaxCatchAll xmlns="94a76dde-41db-43fa-bae3-1dbbfdafda97" xsi:nil="true"/>
-    <lcf76f155ced4ddcb4097134ff3c332f xmlns="4626ec3b-11ea-4ddf-af8b-d0515e0c815e">
-      <Terms xmlns="http://schemas.microsoft.com/office/infopath/2007/PartnerControls"/>
-    </lcf76f155ced4ddcb4097134ff3c332f>
-  </documentManagement>
-</p:properties>
+<file path=customXml/itemProps2.xml><?xml version="1.0" encoding="utf-8"?>
+<ds:datastoreItem xmlns:ds="http://schemas.openxmlformats.org/officeDocument/2006/customXml" ds:itemID="{3D4BFE18-8609-4672-91ED-E87B20F8C714}">
+  <ds:schemaRefs>
+    <ds:schemaRef ds:uri="http://schemas.microsoft.com/sharepoint/v3/contenttype/forms"/>
+  </ds:schemaRefs>
+</ds:datastoreItem>
 </file>
 
-<file path=customXml/itemProps1.xml><?xml version="1.0" encoding="utf-8"?>
+<file path=customXml/itemProps3.xml><?xml version="1.0" encoding="utf-8"?>
 <ds:datastoreItem xmlns:ds="http://schemas.openxmlformats.org/officeDocument/2006/customXml" ds:itemID="{C1BA30DA-3A59-4BAB-8C2E-968B7342420E}">
   <ds:schemaRefs>
     <ds:schemaRef ds:uri="4626ec3b-11ea-4ddf-af8b-d0515e0c815e"/>
@@ -4089,29 +4132,4 @@
     <ds:schemaRef ds:uri="http://www.w3.org/2001/XMLSchema"/>
   </ds:schemaRefs>
 </ds:datastoreItem>
-</file>
-
-<file path=customXml/itemProps2.xml><?xml version="1.0" encoding="utf-8"?>
-<ds:datastoreItem xmlns:ds="http://schemas.openxmlformats.org/officeDocument/2006/customXml" ds:itemID="{3D4BFE18-8609-4672-91ED-E87B20F8C714}">
-  <ds:schemaRefs>
-    <ds:schemaRef ds:uri="http://schemas.microsoft.com/sharepoint/v3/contenttype/forms"/>
-  </ds:schemaRefs>
-</ds:datastoreItem>
-</file>
-
-<file path=customXml/itemProps3.xml><?xml version="1.0" encoding="utf-8"?>
-<ds:datastoreItem xmlns:ds="http://schemas.openxmlformats.org/officeDocument/2006/customXml" ds:itemID="{05FA37EF-7AAF-4B05-A0B0-7096BA9FD3FC}">
-  <ds:schemaRefs>
-    <ds:schemaRef ds:uri="http://purl.org/dc/terms/"/>
-    <ds:schemaRef ds:uri="http://schemas.openxmlformats.org/package/2006/metadata/core-properties"/>
-    <ds:schemaRef ds:uri="http://schemas.microsoft.com/office/2006/documentManagement/types"/>
-    <ds:schemaRef ds:uri="http://purl.org/dc/elements/1.1/"/>
-    <ds:schemaRef ds:uri="4626ec3b-11ea-4ddf-af8b-d0515e0c815e"/>
-    <ds:schemaRef ds:uri="http://www.w3.org/XML/1998/namespace"/>
-    <ds:schemaRef ds:uri="http://purl.org/dc/dcmitype/"/>
-    <ds:schemaRef ds:uri="http://schemas.microsoft.com/office/infopath/2007/PartnerControls"/>
-    <ds:schemaRef ds:uri="94a76dde-41db-43fa-bae3-1dbbfdafda97"/>
-    <ds:schemaRef ds:uri="http://schemas.microsoft.com/office/2006/metadata/properties"/>
-  </ds:schemaRefs>
-</ds:datastoreItem>
 </file>
--- a/1.pptx
+++ b/1.pptx
@@ -1265,6 +1265,22 @@
     </pc:docChg>
   </pc:docChgLst>
   <pc:docChgLst>
+    <pc:chgData name="Trish Chornobroff" userId="S::trish@weveel.com::c16cad3b-4500-4150-9b63-fa63acce065f" providerId="AD" clId="Web-{209FAAF0-B9B1-30A7-8949-AE78BA6F99A9}"/>
+    <pc:docChg chg="modSld">
+      <pc:chgData name="Trish Chornobroff" userId="S::trish@weveel.com::c16cad3b-4500-4150-9b63-fa63acce065f" providerId="AD" clId="Web-{209FAAF0-B9B1-30A7-8949-AE78BA6F99A9}" dt="2025-05-27T00:29:53.028" v="2" actId="1076"/>
+      <pc:docMkLst>
+        <pc:docMk/>
+      </pc:docMkLst>
+      <pc:sldChg chg="modSp">
+        <pc:chgData name="Trish Chornobroff" userId="S::trish@weveel.com::c16cad3b-4500-4150-9b63-fa63acce065f" providerId="AD" clId="Web-{209FAAF0-B9B1-30A7-8949-AE78BA6F99A9}" dt="2025-05-27T00:29:53.028" v="2" actId="1076"/>
+        <pc:sldMkLst>
+          <pc:docMk/>
+          <pc:sldMk cId="2224113988" sldId="1053"/>
+        </pc:sldMkLst>
+      </pc:sldChg>
+    </pc:docChg>
+  </pc:docChgLst>
+  <pc:docChgLst>
     <pc:chgData name="Scott Uresse" userId="S::suresse@weveel.com::8e2bcbc1-71f3-4f21-81e8-3586559f920c" providerId="AD" clId="Web-{74003EEA-4ECF-2DE8-E28D-3D99E1391AD6}"/>
     <pc:docChg chg="modSld">
       <pc:chgData name="Scott Uresse" userId="S::suresse@weveel.com::8e2bcbc1-71f3-4f21-81e8-3586559f920c" providerId="AD" clId="Web-{74003EEA-4ECF-2DE8-E28D-3D99E1391AD6}" dt="2025-05-22T18:46:22.619" v="17" actId="20577"/>
@@ -1290,22 +1306,6 @@
         <pc:sldMkLst>
           <pc:docMk/>
           <pc:sldMk cId="2560179593" sldId="1085"/>
-        </pc:sldMkLst>
-      </pc:sldChg>
-    </pc:docChg>
-  </pc:docChgLst>
-  <pc:docChgLst>
-    <pc:chgData name="Trish Chornobroff" userId="S::trish@weveel.com::c16cad3b-4500-4150-9b63-fa63acce065f" providerId="AD" clId="Web-{209FAAF0-B9B1-30A7-8949-AE78BA6F99A9}"/>
-    <pc:docChg chg="modSld">
-      <pc:chgData name="Trish Chornobroff" userId="S::trish@weveel.com::c16cad3b-4500-4150-9b63-fa63acce065f" providerId="AD" clId="Web-{209FAAF0-B9B1-30A7-8949-AE78BA6F99A9}" dt="2025-05-27T00:29:53.028" v="2" actId="1076"/>
-      <pc:docMkLst>
-        <pc:docMk/>
-      </pc:docMkLst>
-      <pc:sldChg chg="modSp">
-        <pc:chgData name="Trish Chornobroff" userId="S::trish@weveel.com::c16cad3b-4500-4150-9b63-fa63acce065f" providerId="AD" clId="Web-{209FAAF0-B9B1-30A7-8949-AE78BA6F99A9}" dt="2025-05-27T00:29:53.028" v="2" actId="1076"/>
-        <pc:sldMkLst>
-          <pc:docMk/>
-          <pc:sldMk cId="2224113988" sldId="1053"/>
         </pc:sldMkLst>
       </pc:sldChg>
     </pc:docChg>
@@ -2891,43 +2891,7 @@
                 </a:solidFill>
                 <a:latin typeface="Avenir Next" panose="020B0503020202020204" pitchFamily="34" charset="0"/>
               </a:rPr>
-              <a:t>W {Item</a:t>
-            </a:r>
-            <a:r>
-              <a:rPr lang="zh-CN" altLang="en-US" sz="1400" b="1" dirty="0">
-                <a:solidFill>
-                  <a:srgbClr val="262626"/>
-                </a:solidFill>
-                <a:latin typeface="Avenir Next" panose="020B0503020202020204" pitchFamily="34" charset="0"/>
-              </a:rPr>
-              <a:t> </a:t>
-            </a:r>
-            <a:r>
-              <a:rPr lang="en-US" altLang="zh-CN" sz="1400" b="1" dirty="0">
-                <a:solidFill>
-                  <a:srgbClr val="262626"/>
-                </a:solidFill>
-                <a:latin typeface="Avenir Next" panose="020B0503020202020204" pitchFamily="34" charset="0"/>
-              </a:rPr>
-              <a:t>Width</a:t>
-            </a:r>
-            <a:r>
-              <a:rPr lang="zh-CN" altLang="en-US" sz="1400" b="1" dirty="0">
-                <a:solidFill>
-                  <a:srgbClr val="262626"/>
-                </a:solidFill>
-                <a:latin typeface="Avenir Next" panose="020B0503020202020204" pitchFamily="34" charset="0"/>
-              </a:rPr>
-              <a:t> </a:t>
-            </a:r>
-            <a:r>
-              <a:rPr lang="en-US" altLang="zh-CN" sz="1400" b="1" dirty="0">
-                <a:solidFill>
-                  <a:srgbClr val="262626"/>
-                </a:solidFill>
-                <a:latin typeface="Avenir Next" panose="020B0503020202020204" pitchFamily="34" charset="0"/>
-              </a:rPr>
-              <a:t>(inch)} cm x D {Item Depth (inch)} cm x H {Item Height (inch)} cm </a:t>
+              <a:t>W {Item Width (inch)} cm x D {Item Depth (inch)} cm x H {Item Height (inch)} cm </a:t>
             </a:r>
           </a:p>
           <a:p>
@@ -3835,26 +3799,6 @@
 </file>
 
 <file path=customXml/item1.xml><?xml version="1.0" encoding="utf-8"?>
-<p:properties xmlns:p="http://schemas.microsoft.com/office/2006/metadata/properties" xmlns:xsi="http://www.w3.org/2001/XMLSchema-instance" xmlns:pc="http://schemas.microsoft.com/office/infopath/2007/PartnerControls">
-  <documentManagement>
-    <TaxCatchAll xmlns="94a76dde-41db-43fa-bae3-1dbbfdafda97" xsi:nil="true"/>
-    <lcf76f155ced4ddcb4097134ff3c332f xmlns="4626ec3b-11ea-4ddf-af8b-d0515e0c815e">
-      <Terms xmlns="http://schemas.microsoft.com/office/infopath/2007/PartnerControls"/>
-    </lcf76f155ced4ddcb4097134ff3c332f>
-  </documentManagement>
-</p:properties>
-</file>
-
-<file path=customXml/item2.xml><?xml version="1.0" encoding="utf-8"?>
-<?mso-contentType ?>
-<FormTemplates xmlns="http://schemas.microsoft.com/sharepoint/v3/contenttype/forms">
-  <Display>DocumentLibraryForm</Display>
-  <Edit>DocumentLibraryForm</Edit>
-  <New>DocumentLibraryForm</New>
-</FormTemplates>
-</file>
-
-<file path=customXml/item3.xml><?xml version="1.0" encoding="utf-8"?>
 <ct:contentTypeSchema xmlns:ct="http://schemas.microsoft.com/office/2006/metadata/contentType" xmlns:ma="http://schemas.microsoft.com/office/2006/metadata/properties/metaAttributes" ct:_="" ma:_="" ma:contentTypeName="文档" ma:contentTypeID="0x010100FA99BE4EC341124FA7808D337DCB9188" ma:contentTypeVersion="15" ma:contentTypeDescription="新建文档。" ma:contentTypeScope="" ma:versionID="e5e501d8dc891368dcb6e7d54331eb39">
   <xsd:schema xmlns:xsd="http://www.w3.org/2001/XMLSchema" xmlns:xs="http://www.w3.org/2001/XMLSchema" xmlns:p="http://schemas.microsoft.com/office/2006/metadata/properties" xmlns:ns2="4626ec3b-11ea-4ddf-af8b-d0515e0c815e" xmlns:ns3="94a76dde-41db-43fa-bae3-1dbbfdafda97" targetNamespace="http://schemas.microsoft.com/office/2006/metadata/properties" ma:root="true" ma:fieldsID="b270a440fc78e4190f1ec31d61186603" ns2:_="" ns3:_="">
     <xsd:import namespace="4626ec3b-11ea-4ddf-af8b-d0515e0c815e"/>
@@ -4089,32 +4033,27 @@
 </ct:contentTypeSchema>
 </file>
 
-<file path=customXml/itemProps1.xml><?xml version="1.0" encoding="utf-8"?>
-<ds:datastoreItem xmlns:ds="http://schemas.openxmlformats.org/officeDocument/2006/customXml" ds:itemID="{05FA37EF-7AAF-4B05-A0B0-7096BA9FD3FC}">
-  <ds:schemaRefs>
-    <ds:schemaRef ds:uri="http://purl.org/dc/terms/"/>
-    <ds:schemaRef ds:uri="http://schemas.openxmlformats.org/package/2006/metadata/core-properties"/>
-    <ds:schemaRef ds:uri="http://schemas.microsoft.com/office/2006/documentManagement/types"/>
-    <ds:schemaRef ds:uri="http://purl.org/dc/elements/1.1/"/>
-    <ds:schemaRef ds:uri="4626ec3b-11ea-4ddf-af8b-d0515e0c815e"/>
-    <ds:schemaRef ds:uri="http://www.w3.org/XML/1998/namespace"/>
-    <ds:schemaRef ds:uri="http://purl.org/dc/dcmitype/"/>
-    <ds:schemaRef ds:uri="http://schemas.microsoft.com/office/infopath/2007/PartnerControls"/>
-    <ds:schemaRef ds:uri="94a76dde-41db-43fa-bae3-1dbbfdafda97"/>
-    <ds:schemaRef ds:uri="http://schemas.microsoft.com/office/2006/metadata/properties"/>
-  </ds:schemaRefs>
-</ds:datastoreItem>
+<file path=customXml/item2.xml><?xml version="1.0" encoding="utf-8"?>
+<?mso-contentType ?>
+<FormTemplates xmlns="http://schemas.microsoft.com/sharepoint/v3/contenttype/forms">
+  <Display>DocumentLibraryForm</Display>
+  <Edit>DocumentLibraryForm</Edit>
+  <New>DocumentLibraryForm</New>
+</FormTemplates>
 </file>
 
-<file path=customXml/itemProps2.xml><?xml version="1.0" encoding="utf-8"?>
-<ds:datastoreItem xmlns:ds="http://schemas.openxmlformats.org/officeDocument/2006/customXml" ds:itemID="{3D4BFE18-8609-4672-91ED-E87B20F8C714}">
-  <ds:schemaRefs>
-    <ds:schemaRef ds:uri="http://schemas.microsoft.com/sharepoint/v3/contenttype/forms"/>
-  </ds:schemaRefs>
-</ds:datastoreItem>
+<file path=customXml/item3.xml><?xml version="1.0" encoding="utf-8"?>
+<p:properties xmlns:p="http://schemas.microsoft.com/office/2006/metadata/properties" xmlns:xsi="http://www.w3.org/2001/XMLSchema-instance" xmlns:pc="http://schemas.microsoft.com/office/infopath/2007/PartnerControls">
+  <documentManagement>
+    <TaxCatchAll xmlns="94a76dde-41db-43fa-bae3-1dbbfdafda97" xsi:nil="true"/>
+    <lcf76f155ced4ddcb4097134ff3c332f xmlns="4626ec3b-11ea-4ddf-af8b-d0515e0c815e">
+      <Terms xmlns="http://schemas.microsoft.com/office/infopath/2007/PartnerControls"/>
+    </lcf76f155ced4ddcb4097134ff3c332f>
+  </documentManagement>
+</p:properties>
 </file>
 
-<file path=customXml/itemProps3.xml><?xml version="1.0" encoding="utf-8"?>
+<file path=customXml/itemProps1.xml><?xml version="1.0" encoding="utf-8"?>
 <ds:datastoreItem xmlns:ds="http://schemas.openxmlformats.org/officeDocument/2006/customXml" ds:itemID="{C1BA30DA-3A59-4BAB-8C2E-968B7342420E}">
   <ds:schemaRefs>
     <ds:schemaRef ds:uri="4626ec3b-11ea-4ddf-af8b-d0515e0c815e"/>
@@ -4132,4 +4071,29 @@
     <ds:schemaRef ds:uri="http://www.w3.org/2001/XMLSchema"/>
   </ds:schemaRefs>
 </ds:datastoreItem>
+</file>
+
+<file path=customXml/itemProps2.xml><?xml version="1.0" encoding="utf-8"?>
+<ds:datastoreItem xmlns:ds="http://schemas.openxmlformats.org/officeDocument/2006/customXml" ds:itemID="{3D4BFE18-8609-4672-91ED-E87B20F8C714}">
+  <ds:schemaRefs>
+    <ds:schemaRef ds:uri="http://schemas.microsoft.com/sharepoint/v3/contenttype/forms"/>
+  </ds:schemaRefs>
+</ds:datastoreItem>
+</file>
+
+<file path=customXml/itemProps3.xml><?xml version="1.0" encoding="utf-8"?>
+<ds:datastoreItem xmlns:ds="http://schemas.openxmlformats.org/officeDocument/2006/customXml" ds:itemID="{05FA37EF-7AAF-4B05-A0B0-7096BA9FD3FC}">
+  <ds:schemaRefs>
+    <ds:schemaRef ds:uri="http://purl.org/dc/terms/"/>
+    <ds:schemaRef ds:uri="http://schemas.openxmlformats.org/package/2006/metadata/core-properties"/>
+    <ds:schemaRef ds:uri="http://schemas.microsoft.com/office/2006/documentManagement/types"/>
+    <ds:schemaRef ds:uri="http://purl.org/dc/elements/1.1/"/>
+    <ds:schemaRef ds:uri="4626ec3b-11ea-4ddf-af8b-d0515e0c815e"/>
+    <ds:schemaRef ds:uri="http://www.w3.org/XML/1998/namespace"/>
+    <ds:schemaRef ds:uri="http://purl.org/dc/dcmitype/"/>
+    <ds:schemaRef ds:uri="http://schemas.microsoft.com/office/infopath/2007/PartnerControls"/>
+    <ds:schemaRef ds:uri="94a76dde-41db-43fa-bae3-1dbbfdafda97"/>
+    <ds:schemaRef ds:uri="http://schemas.microsoft.com/office/2006/metadata/properties"/>
+  </ds:schemaRefs>
+</ds:datastoreItem>
 </file>
--- a/1.pptx
+++ b/1.pptx
@@ -1265,6 +1265,36 @@
     </pc:docChg>
   </pc:docChgLst>
   <pc:docChgLst>
+    <pc:chgData name="Scott Uresse" userId="S::suresse@weveel.com::8e2bcbc1-71f3-4f21-81e8-3586559f920c" providerId="AD" clId="Web-{74003EEA-4ECF-2DE8-E28D-3D99E1391AD6}"/>
+    <pc:docChg chg="modSld">
+      <pc:chgData name="Scott Uresse" userId="S::suresse@weveel.com::8e2bcbc1-71f3-4f21-81e8-3586559f920c" providerId="AD" clId="Web-{74003EEA-4ECF-2DE8-E28D-3D99E1391AD6}" dt="2025-05-22T18:46:22.619" v="17" actId="20577"/>
+      <pc:docMkLst>
+        <pc:docMk/>
+      </pc:docMkLst>
+      <pc:sldChg chg="modSp">
+        <pc:chgData name="Scott Uresse" userId="S::suresse@weveel.com::8e2bcbc1-71f3-4f21-81e8-3586559f920c" providerId="AD" clId="Web-{74003EEA-4ECF-2DE8-E28D-3D99E1391AD6}" dt="2025-05-22T18:12:20.158" v="6" actId="20577"/>
+        <pc:sldMkLst>
+          <pc:docMk/>
+          <pc:sldMk cId="2224113988" sldId="1053"/>
+        </pc:sldMkLst>
+      </pc:sldChg>
+      <pc:sldChg chg="modSp">
+        <pc:chgData name="Scott Uresse" userId="S::suresse@weveel.com::8e2bcbc1-71f3-4f21-81e8-3586559f920c" providerId="AD" clId="Web-{74003EEA-4ECF-2DE8-E28D-3D99E1391AD6}" dt="2025-05-22T18:38:36.043" v="8" actId="20577"/>
+        <pc:sldMkLst>
+          <pc:docMk/>
+          <pc:sldMk cId="1480548481" sldId="1072"/>
+        </pc:sldMkLst>
+      </pc:sldChg>
+      <pc:sldChg chg="delSp modSp">
+        <pc:chgData name="Scott Uresse" userId="S::suresse@weveel.com::8e2bcbc1-71f3-4f21-81e8-3586559f920c" providerId="AD" clId="Web-{74003EEA-4ECF-2DE8-E28D-3D99E1391AD6}" dt="2025-05-22T18:46:22.619" v="17" actId="20577"/>
+        <pc:sldMkLst>
+          <pc:docMk/>
+          <pc:sldMk cId="2560179593" sldId="1085"/>
+        </pc:sldMkLst>
+      </pc:sldChg>
+    </pc:docChg>
+  </pc:docChgLst>
+  <pc:docChgLst>
     <pc:chgData name="Trish Chornobroff" userId="S::trish@weveel.com::c16cad3b-4500-4150-9b63-fa63acce065f" providerId="AD" clId="Web-{209FAAF0-B9B1-30A7-8949-AE78BA6F99A9}"/>
     <pc:docChg chg="modSld">
       <pc:chgData name="Trish Chornobroff" userId="S::trish@weveel.com::c16cad3b-4500-4150-9b63-fa63acce065f" providerId="AD" clId="Web-{209FAAF0-B9B1-30A7-8949-AE78BA6F99A9}" dt="2025-05-27T00:29:53.028" v="2" actId="1076"/>
@@ -1276,36 +1306,6 @@
         <pc:sldMkLst>
           <pc:docMk/>
           <pc:sldMk cId="2224113988" sldId="1053"/>
-        </pc:sldMkLst>
-      </pc:sldChg>
-    </pc:docChg>
-  </pc:docChgLst>
-  <pc:docChgLst>
-    <pc:chgData name="Scott Uresse" userId="S::suresse@weveel.com::8e2bcbc1-71f3-4f21-81e8-3586559f920c" providerId="AD" clId="Web-{74003EEA-4ECF-2DE8-E28D-3D99E1391AD6}"/>
-    <pc:docChg chg="modSld">
-      <pc:chgData name="Scott Uresse" userId="S::suresse@weveel.com::8e2bcbc1-71f3-4f21-81e8-3586559f920c" providerId="AD" clId="Web-{74003EEA-4ECF-2DE8-E28D-3D99E1391AD6}" dt="2025-05-22T18:46:22.619" v="17" actId="20577"/>
-      <pc:docMkLst>
-        <pc:docMk/>
-      </pc:docMkLst>
-      <pc:sldChg chg="modSp">
-        <pc:chgData name="Scott Uresse" userId="S::suresse@weveel.com::8e2bcbc1-71f3-4f21-81e8-3586559f920c" providerId="AD" clId="Web-{74003EEA-4ECF-2DE8-E28D-3D99E1391AD6}" dt="2025-05-22T18:12:20.158" v="6" actId="20577"/>
-        <pc:sldMkLst>
-          <pc:docMk/>
-          <pc:sldMk cId="2224113988" sldId="1053"/>
-        </pc:sldMkLst>
-      </pc:sldChg>
-      <pc:sldChg chg="modSp">
-        <pc:chgData name="Scott Uresse" userId="S::suresse@weveel.com::8e2bcbc1-71f3-4f21-81e8-3586559f920c" providerId="AD" clId="Web-{74003EEA-4ECF-2DE8-E28D-3D99E1391AD6}" dt="2025-05-22T18:38:36.043" v="8" actId="20577"/>
-        <pc:sldMkLst>
-          <pc:docMk/>
-          <pc:sldMk cId="1480548481" sldId="1072"/>
-        </pc:sldMkLst>
-      </pc:sldChg>
-      <pc:sldChg chg="delSp modSp">
-        <pc:chgData name="Scott Uresse" userId="S::suresse@weveel.com::8e2bcbc1-71f3-4f21-81e8-3586559f920c" providerId="AD" clId="Web-{74003EEA-4ECF-2DE8-E28D-3D99E1391AD6}" dt="2025-05-22T18:46:22.619" v="17" actId="20577"/>
-        <pc:sldMkLst>
-          <pc:docMk/>
-          <pc:sldMk cId="2560179593" sldId="1085"/>
         </pc:sldMkLst>
       </pc:sldChg>
     </pc:docChg>
@@ -2924,25 +2924,7 @@
                 </a:solidFill>
                 <a:latin typeface="Avenir Next" panose="020B0503020202020204" pitchFamily="34" charset="0"/>
               </a:rPr>
-              <a:t>Suggested Retail AU: ${Retail</a:t>
-            </a:r>
-            <a:r>
-              <a:rPr lang="zh-CN" altLang="en-US" sz="1400" b="1" dirty="0">
-                <a:solidFill>
-                  <a:srgbClr val="00B0F0"/>
-                </a:solidFill>
-                <a:latin typeface="Avenir Next" panose="020B0503020202020204" pitchFamily="34" charset="0"/>
-              </a:rPr>
-              <a:t> </a:t>
-            </a:r>
-            <a:r>
-              <a:rPr lang="en-US" altLang="zh-CN" sz="1400" b="1" dirty="0">
-                <a:solidFill>
-                  <a:srgbClr val="00B0F0"/>
-                </a:solidFill>
-                <a:latin typeface="Avenir Next" panose="020B0503020202020204" pitchFamily="34" charset="0"/>
-              </a:rPr>
-              <a:t>AU}</a:t>
+              <a:t>Suggested Retail AU: ${Retail AUD}</a:t>
             </a:r>
             <a:endParaRPr lang="en-US" sz="1489" dirty="0">
               <a:solidFill>
@@ -3799,6 +3781,15 @@
 </file>
 
 <file path=customXml/item1.xml><?xml version="1.0" encoding="utf-8"?>
+<?mso-contentType ?>
+<FormTemplates xmlns="http://schemas.microsoft.com/sharepoint/v3/contenttype/forms">
+  <Display>DocumentLibraryForm</Display>
+  <Edit>DocumentLibraryForm</Edit>
+  <New>DocumentLibraryForm</New>
+</FormTemplates>
+</file>
+
+<file path=customXml/item2.xml><?xml version="1.0" encoding="utf-8"?>
 <ct:contentTypeSchema xmlns:ct="http://schemas.microsoft.com/office/2006/metadata/contentType" xmlns:ma="http://schemas.microsoft.com/office/2006/metadata/properties/metaAttributes" ct:_="" ma:_="" ma:contentTypeName="文档" ma:contentTypeID="0x010100FA99BE4EC341124FA7808D337DCB9188" ma:contentTypeVersion="15" ma:contentTypeDescription="新建文档。" ma:contentTypeScope="" ma:versionID="e5e501d8dc891368dcb6e7d54331eb39">
   <xsd:schema xmlns:xsd="http://www.w3.org/2001/XMLSchema" xmlns:xs="http://www.w3.org/2001/XMLSchema" xmlns:p="http://schemas.microsoft.com/office/2006/metadata/properties" xmlns:ns2="4626ec3b-11ea-4ddf-af8b-d0515e0c815e" xmlns:ns3="94a76dde-41db-43fa-bae3-1dbbfdafda97" targetNamespace="http://schemas.microsoft.com/office/2006/metadata/properties" ma:root="true" ma:fieldsID="b270a440fc78e4190f1ec31d61186603" ns2:_="" ns3:_="">
     <xsd:import namespace="4626ec3b-11ea-4ddf-af8b-d0515e0c815e"/>
@@ -4033,15 +4024,6 @@
 </ct:contentTypeSchema>
 </file>
 
-<file path=customXml/item2.xml><?xml version="1.0" encoding="utf-8"?>
-<?mso-contentType ?>
-<FormTemplates xmlns="http://schemas.microsoft.com/sharepoint/v3/contenttype/forms">
-  <Display>DocumentLibraryForm</Display>
-  <Edit>DocumentLibraryForm</Edit>
-  <New>DocumentLibraryForm</New>
-</FormTemplates>
-</file>
-
 <file path=customXml/item3.xml><?xml version="1.0" encoding="utf-8"?>
 <p:properties xmlns:p="http://schemas.microsoft.com/office/2006/metadata/properties" xmlns:xsi="http://www.w3.org/2001/XMLSchema-instance" xmlns:pc="http://schemas.microsoft.com/office/infopath/2007/PartnerControls">
   <documentManagement>
@@ -4054,6 +4036,14 @@
 </file>
 
 <file path=customXml/itemProps1.xml><?xml version="1.0" encoding="utf-8"?>
+<ds:datastoreItem xmlns:ds="http://schemas.openxmlformats.org/officeDocument/2006/customXml" ds:itemID="{3D4BFE18-8609-4672-91ED-E87B20F8C714}">
+  <ds:schemaRefs>
+    <ds:schemaRef ds:uri="http://schemas.microsoft.com/sharepoint/v3/contenttype/forms"/>
+  </ds:schemaRefs>
+</ds:datastoreItem>
+</file>
+
+<file path=customXml/itemProps2.xml><?xml version="1.0" encoding="utf-8"?>
 <ds:datastoreItem xmlns:ds="http://schemas.openxmlformats.org/officeDocument/2006/customXml" ds:itemID="{C1BA30DA-3A59-4BAB-8C2E-968B7342420E}">
   <ds:schemaRefs>
     <ds:schemaRef ds:uri="4626ec3b-11ea-4ddf-af8b-d0515e0c815e"/>
@@ -4069,14 +4059,6 @@
     <ds:schemaRef ds:uri="http://schemas.openxmlformats.org/package/2006/metadata/core-properties"/>
     <ds:schemaRef ds:uri="http://www.w3.org/2000/xmlns/"/>
     <ds:schemaRef ds:uri="http://www.w3.org/2001/XMLSchema"/>
-  </ds:schemaRefs>
-</ds:datastoreItem>
-</file>
-
-<file path=customXml/itemProps2.xml><?xml version="1.0" encoding="utf-8"?>
-<ds:datastoreItem xmlns:ds="http://schemas.openxmlformats.org/officeDocument/2006/customXml" ds:itemID="{3D4BFE18-8609-4672-91ED-E87B20F8C714}">
-  <ds:schemaRefs>
-    <ds:schemaRef ds:uri="http://schemas.microsoft.com/sharepoint/v3/contenttype/forms"/>
   </ds:schemaRefs>
 </ds:datastoreItem>
 </file>

--- a/1.pptx
+++ b/1.pptx
@@ -1265,6 +1265,22 @@
     </pc:docChg>
   </pc:docChgLst>
   <pc:docChgLst>
+    <pc:chgData name="Trish Chornobroff" userId="S::trish@weveel.com::c16cad3b-4500-4150-9b63-fa63acce065f" providerId="AD" clId="Web-{209FAAF0-B9B1-30A7-8949-AE78BA6F99A9}"/>
+    <pc:docChg chg="modSld">
+      <pc:chgData name="Trish Chornobroff" userId="S::trish@weveel.com::c16cad3b-4500-4150-9b63-fa63acce065f" providerId="AD" clId="Web-{209FAAF0-B9B1-30A7-8949-AE78BA6F99A9}" dt="2025-05-27T00:29:53.028" v="2" actId="1076"/>
+      <pc:docMkLst>
+        <pc:docMk/>
+      </pc:docMkLst>
+      <pc:sldChg chg="modSp">
+        <pc:chgData name="Trish Chornobroff" userId="S::trish@weveel.com::c16cad3b-4500-4150-9b63-fa63acce065f" providerId="AD" clId="Web-{209FAAF0-B9B1-30A7-8949-AE78BA6F99A9}" dt="2025-05-27T00:29:53.028" v="2" actId="1076"/>
+        <pc:sldMkLst>
+          <pc:docMk/>
+          <pc:sldMk cId="2224113988" sldId="1053"/>
+        </pc:sldMkLst>
+      </pc:sldChg>
+    </pc:docChg>
+  </pc:docChgLst>
+  <pc:docChgLst>
     <pc:chgData name="Scott Uresse" userId="S::suresse@weveel.com::8e2bcbc1-71f3-4f21-81e8-3586559f920c" providerId="AD" clId="Web-{74003EEA-4ECF-2DE8-E28D-3D99E1391AD6}"/>
     <pc:docChg chg="modSld">
       <pc:chgData name="Scott Uresse" userId="S::suresse@weveel.com::8e2bcbc1-71f3-4f21-81e8-3586559f920c" providerId="AD" clId="Web-{74003EEA-4ECF-2DE8-E28D-3D99E1391AD6}" dt="2025-05-22T18:46:22.619" v="17" actId="20577"/>
@@ -1290,22 +1306,6 @@
         <pc:sldMkLst>
           <pc:docMk/>
           <pc:sldMk cId="2560179593" sldId="1085"/>
-        </pc:sldMkLst>
-      </pc:sldChg>
-    </pc:docChg>
-  </pc:docChgLst>
-  <pc:docChgLst>
-    <pc:chgData name="Trish Chornobroff" userId="S::trish@weveel.com::c16cad3b-4500-4150-9b63-fa63acce065f" providerId="AD" clId="Web-{209FAAF0-B9B1-30A7-8949-AE78BA6F99A9}"/>
-    <pc:docChg chg="modSld">
-      <pc:chgData name="Trish Chornobroff" userId="S::trish@weveel.com::c16cad3b-4500-4150-9b63-fa63acce065f" providerId="AD" clId="Web-{209FAAF0-B9B1-30A7-8949-AE78BA6F99A9}" dt="2025-05-27T00:29:53.028" v="2" actId="1076"/>
-      <pc:docMkLst>
-        <pc:docMk/>
-      </pc:docMkLst>
-      <pc:sldChg chg="modSp">
-        <pc:chgData name="Trish Chornobroff" userId="S::trish@weveel.com::c16cad3b-4500-4150-9b63-fa63acce065f" providerId="AD" clId="Web-{209FAAF0-B9B1-30A7-8949-AE78BA6F99A9}" dt="2025-05-27T00:29:53.028" v="2" actId="1076"/>
-        <pc:sldMkLst>
-          <pc:docMk/>
-          <pc:sldMk cId="2224113988" sldId="1053"/>
         </pc:sldMkLst>
       </pc:sldChg>
     </pc:docChg>
@@ -2912,7 +2912,7 @@
                 </a:solidFill>
                 <a:latin typeface="Avenir Next" panose="020B0503020202020204" pitchFamily="34" charset="0"/>
               </a:rPr>
-              <a:t>FOB : ${FOB}</a:t>
+              <a:t>FOB : ${FOB Price}</a:t>
             </a:r>
           </a:p>
           <a:p>
@@ -3781,12 +3781,14 @@
 </file>
 
 <file path=customXml/item1.xml><?xml version="1.0" encoding="utf-8"?>
-<?mso-contentType ?>
-<FormTemplates xmlns="http://schemas.microsoft.com/sharepoint/v3/contenttype/forms">
-  <Display>DocumentLibraryForm</Display>
-  <Edit>DocumentLibraryForm</Edit>
-  <New>DocumentLibraryForm</New>
-</FormTemplates>
+<p:properties xmlns:p="http://schemas.microsoft.com/office/2006/metadata/properties" xmlns:xsi="http://www.w3.org/2001/XMLSchema-instance" xmlns:pc="http://schemas.microsoft.com/office/infopath/2007/PartnerControls">
+  <documentManagement>
+    <TaxCatchAll xmlns="94a76dde-41db-43fa-bae3-1dbbfdafda97" xsi:nil="true"/>
+    <lcf76f155ced4ddcb4097134ff3c332f xmlns="4626ec3b-11ea-4ddf-af8b-d0515e0c815e">
+      <Terms xmlns="http://schemas.microsoft.com/office/infopath/2007/PartnerControls"/>
+    </lcf76f155ced4ddcb4097134ff3c332f>
+  </documentManagement>
+</p:properties>
 </file>
 
 <file path=customXml/item2.xml><?xml version="1.0" encoding="utf-8"?>
@@ -4025,20 +4027,27 @@
 </file>
 
 <file path=customXml/item3.xml><?xml version="1.0" encoding="utf-8"?>
-<p:properties xmlns:p="http://schemas.microsoft.com/office/2006/metadata/properties" xmlns:xsi="http://www.w3.org/2001/XMLSchema-instance" xmlns:pc="http://schemas.microsoft.com/office/infopath/2007/PartnerControls">
-  <documentManagement>
-    <TaxCatchAll xmlns="94a76dde-41db-43fa-bae3-1dbbfdafda97" xsi:nil="true"/>
-    <lcf76f155ced4ddcb4097134ff3c332f xmlns="4626ec3b-11ea-4ddf-af8b-d0515e0c815e">
-      <Terms xmlns="http://schemas.microsoft.com/office/infopath/2007/PartnerControls"/>
-    </lcf76f155ced4ddcb4097134ff3c332f>
-  </documentManagement>
-</p:properties>
+<?mso-contentType ?>
+<FormTemplates xmlns="http://schemas.microsoft.com/sharepoint/v3/contenttype/forms">
+  <Display>DocumentLibraryForm</Display>
+  <Edit>DocumentLibraryForm</Edit>
+  <New>DocumentLibraryForm</New>
+</FormTemplates>
 </file>
 
 <file path=customXml/itemProps1.xml><?xml version="1.0" encoding="utf-8"?>
-<ds:datastoreItem xmlns:ds="http://schemas.openxmlformats.org/officeDocument/2006/customXml" ds:itemID="{3D4BFE18-8609-4672-91ED-E87B20F8C714}">
+<ds:datastoreItem xmlns:ds="http://schemas.openxmlformats.org/officeDocument/2006/customXml" ds:itemID="{05FA37EF-7AAF-4B05-A0B0-7096BA9FD3FC}">
   <ds:schemaRefs>
-    <ds:schemaRef ds:uri="http://schemas.microsoft.com/sharepoint/v3/contenttype/forms"/>
+    <ds:schemaRef ds:uri="http://purl.org/dc/terms/"/>
+    <ds:schemaRef ds:uri="http://schemas.openxmlformats.org/package/2006/metadata/core-properties"/>
+    <ds:schemaRef ds:uri="http://schemas.microsoft.com/office/2006/documentManagement/types"/>
+    <ds:schemaRef ds:uri="http://purl.org/dc/elements/1.1/"/>
+    <ds:schemaRef ds:uri="4626ec3b-11ea-4ddf-af8b-d0515e0c815e"/>
+    <ds:schemaRef ds:uri="http://www.w3.org/XML/1998/namespace"/>
+    <ds:schemaRef ds:uri="http://purl.org/dc/dcmitype/"/>
+    <ds:schemaRef ds:uri="http://schemas.microsoft.com/office/infopath/2007/PartnerControls"/>
+    <ds:schemaRef ds:uri="94a76dde-41db-43fa-bae3-1dbbfdafda97"/>
+    <ds:schemaRef ds:uri="http://schemas.microsoft.com/office/2006/metadata/properties"/>
   </ds:schemaRefs>
 </ds:datastoreItem>
 </file>
@@ -4064,18 +4073,9 @@
 </file>
 
 <file path=customXml/itemProps3.xml><?xml version="1.0" encoding="utf-8"?>
-<ds:datastoreItem xmlns:ds="http://schemas.openxmlformats.org/officeDocument/2006/customXml" ds:itemID="{05FA37EF-7AAF-4B05-A0B0-7096BA9FD3FC}">
+<ds:datastoreItem xmlns:ds="http://schemas.openxmlformats.org/officeDocument/2006/customXml" ds:itemID="{3D4BFE18-8609-4672-91ED-E87B20F8C714}">
   <ds:schemaRefs>
-    <ds:schemaRef ds:uri="http://purl.org/dc/terms/"/>
-    <ds:schemaRef ds:uri="http://schemas.openxmlformats.org/package/2006/metadata/core-properties"/>
-    <ds:schemaRef ds:uri="http://schemas.microsoft.com/office/2006/documentManagement/types"/>
-    <ds:schemaRef ds:uri="http://purl.org/dc/elements/1.1/"/>
-    <ds:schemaRef ds:uri="4626ec3b-11ea-4ddf-af8b-d0515e0c815e"/>
-    <ds:schemaRef ds:uri="http://www.w3.org/XML/1998/namespace"/>
-    <ds:schemaRef ds:uri="http://purl.org/dc/dcmitype/"/>
-    <ds:schemaRef ds:uri="http://schemas.microsoft.com/office/infopath/2007/PartnerControls"/>
-    <ds:schemaRef ds:uri="94a76dde-41db-43fa-bae3-1dbbfdafda97"/>
-    <ds:schemaRef ds:uri="http://schemas.microsoft.com/office/2006/metadata/properties"/>
+    <ds:schemaRef ds:uri="http://schemas.microsoft.com/sharepoint/v3/contenttype/forms"/>
   </ds:schemaRefs>
 </ds:datastoreItem>
 </file>